--- a/assets/images/service/raw.pptx
+++ b/assets/images/service/raw.pptx
@@ -6,6 +6,7 @@
   </p:sldMasterIdLst>
   <p:sldIdLst>
     <p:sldId id="256" r:id="rId2"/>
+    <p:sldId id="257" r:id="rId3"/>
   </p:sldIdLst>
   <p:sldSz cx="12192000" cy="6858000"/>
   <p:notesSz cx="6858000" cy="9144000"/>
@@ -104,6 +105,11 @@
       </a:defRPr>
     </a:lvl9pPr>
   </p:defaultTextStyle>
+  <p:extLst>
+    <p:ext uri="{EFAFB233-063F-42B5-8137-9DF3F51BA10A}">
+      <p15:sldGuideLst xmlns:p15="http://schemas.microsoft.com/office/powerpoint/2012/main"/>
+    </p:ext>
+  </p:extLst>
 </p:presentation>
 </file>
 
@@ -254,7 +260,7 @@
           <a:p>
             <a:fld id="{CEBD5E51-7352-4244-BC04-A9A8F2D69044}" type="datetimeFigureOut">
               <a:rPr lang="zh-TW" altLang="en-US" smtClean="0"/>
-              <a:t>2023/1/25</a:t>
+              <a:t>2023/7/13</a:t>
             </a:fld>
             <a:endParaRPr lang="zh-TW" altLang="en-US"/>
           </a:p>
@@ -452,7 +458,7 @@
           <a:p>
             <a:fld id="{CEBD5E51-7352-4244-BC04-A9A8F2D69044}" type="datetimeFigureOut">
               <a:rPr lang="zh-TW" altLang="en-US" smtClean="0"/>
-              <a:t>2023/1/25</a:t>
+              <a:t>2023/7/13</a:t>
             </a:fld>
             <a:endParaRPr lang="zh-TW" altLang="en-US"/>
           </a:p>
@@ -660,7 +666,7 @@
           <a:p>
             <a:fld id="{CEBD5E51-7352-4244-BC04-A9A8F2D69044}" type="datetimeFigureOut">
               <a:rPr lang="zh-TW" altLang="en-US" smtClean="0"/>
-              <a:t>2023/1/25</a:t>
+              <a:t>2023/7/13</a:t>
             </a:fld>
             <a:endParaRPr lang="zh-TW" altLang="en-US"/>
           </a:p>
@@ -858,7 +864,7 @@
           <a:p>
             <a:fld id="{CEBD5E51-7352-4244-BC04-A9A8F2D69044}" type="datetimeFigureOut">
               <a:rPr lang="zh-TW" altLang="en-US" smtClean="0"/>
-              <a:t>2023/1/25</a:t>
+              <a:t>2023/7/13</a:t>
             </a:fld>
             <a:endParaRPr lang="zh-TW" altLang="en-US"/>
           </a:p>
@@ -1133,7 +1139,7 @@
           <a:p>
             <a:fld id="{CEBD5E51-7352-4244-BC04-A9A8F2D69044}" type="datetimeFigureOut">
               <a:rPr lang="zh-TW" altLang="en-US" smtClean="0"/>
-              <a:t>2023/1/25</a:t>
+              <a:t>2023/7/13</a:t>
             </a:fld>
             <a:endParaRPr lang="zh-TW" altLang="en-US"/>
           </a:p>
@@ -1398,7 +1404,7 @@
           <a:p>
             <a:fld id="{CEBD5E51-7352-4244-BC04-A9A8F2D69044}" type="datetimeFigureOut">
               <a:rPr lang="zh-TW" altLang="en-US" smtClean="0"/>
-              <a:t>2023/1/25</a:t>
+              <a:t>2023/7/13</a:t>
             </a:fld>
             <a:endParaRPr lang="zh-TW" altLang="en-US"/>
           </a:p>
@@ -1810,7 +1816,7 @@
           <a:p>
             <a:fld id="{CEBD5E51-7352-4244-BC04-A9A8F2D69044}" type="datetimeFigureOut">
               <a:rPr lang="zh-TW" altLang="en-US" smtClean="0"/>
-              <a:t>2023/1/25</a:t>
+              <a:t>2023/7/13</a:t>
             </a:fld>
             <a:endParaRPr lang="zh-TW" altLang="en-US"/>
           </a:p>
@@ -1951,7 +1957,7 @@
           <a:p>
             <a:fld id="{CEBD5E51-7352-4244-BC04-A9A8F2D69044}" type="datetimeFigureOut">
               <a:rPr lang="zh-TW" altLang="en-US" smtClean="0"/>
-              <a:t>2023/1/25</a:t>
+              <a:t>2023/7/13</a:t>
             </a:fld>
             <a:endParaRPr lang="zh-TW" altLang="en-US"/>
           </a:p>
@@ -2064,7 +2070,7 @@
           <a:p>
             <a:fld id="{CEBD5E51-7352-4244-BC04-A9A8F2D69044}" type="datetimeFigureOut">
               <a:rPr lang="zh-TW" altLang="en-US" smtClean="0"/>
-              <a:t>2023/1/25</a:t>
+              <a:t>2023/7/13</a:t>
             </a:fld>
             <a:endParaRPr lang="zh-TW" altLang="en-US"/>
           </a:p>
@@ -2375,7 +2381,7 @@
           <a:p>
             <a:fld id="{CEBD5E51-7352-4244-BC04-A9A8F2D69044}" type="datetimeFigureOut">
               <a:rPr lang="zh-TW" altLang="en-US" smtClean="0"/>
-              <a:t>2023/1/25</a:t>
+              <a:t>2023/7/13</a:t>
             </a:fld>
             <a:endParaRPr lang="zh-TW" altLang="en-US"/>
           </a:p>
@@ -2663,7 +2669,7 @@
           <a:p>
             <a:fld id="{CEBD5E51-7352-4244-BC04-A9A8F2D69044}" type="datetimeFigureOut">
               <a:rPr lang="zh-TW" altLang="en-US" smtClean="0"/>
-              <a:t>2023/1/25</a:t>
+              <a:t>2023/7/13</a:t>
             </a:fld>
             <a:endParaRPr lang="zh-TW" altLang="en-US"/>
           </a:p>
@@ -2904,7 +2910,7 @@
           <a:p>
             <a:fld id="{CEBD5E51-7352-4244-BC04-A9A8F2D69044}" type="datetimeFigureOut">
               <a:rPr lang="zh-TW" altLang="en-US" smtClean="0"/>
-              <a:t>2023/1/25</a:t>
+              <a:t>2023/7/13</a:t>
             </a:fld>
             <a:endParaRPr lang="zh-TW" altLang="en-US"/>
           </a:p>
@@ -9737,6 +9743,6411 @@
 </p:sld>
 </file>
 
+<file path=ppt/slides/slide2.xml><?xml version="1.0" encoding="utf-8"?>
+<p:sld xmlns:a="http://schemas.openxmlformats.org/drawingml/2006/main" xmlns:r="http://schemas.openxmlformats.org/officeDocument/2006/relationships" xmlns:p="http://schemas.openxmlformats.org/presentationml/2006/main">
+  <p:cSld>
+    <p:spTree>
+      <p:nvGrpSpPr>
+        <p:cNvPr id="1" name=""/>
+        <p:cNvGrpSpPr/>
+        <p:nvPr/>
+      </p:nvGrpSpPr>
+      <p:grpSpPr>
+        <a:xfrm>
+          <a:off x="0" y="0"/>
+          <a:ext cx="0" cy="0"/>
+          <a:chOff x="0" y="0"/>
+          <a:chExt cx="0" cy="0"/>
+        </a:xfrm>
+      </p:grpSpPr>
+      <p:sp>
+        <p:nvSpPr>
+          <p:cNvPr id="13" name="矩形: 圓角 12">
+            <a:extLst>
+              <a:ext uri="{FF2B5EF4-FFF2-40B4-BE49-F238E27FC236}">
+                <a16:creationId xmlns:a16="http://schemas.microsoft.com/office/drawing/2014/main" id="{913709BE-FF39-48C0-8EC8-A672B33D8697}"/>
+              </a:ext>
+            </a:extLst>
+          </p:cNvPr>
+          <p:cNvSpPr/>
+          <p:nvPr/>
+        </p:nvSpPr>
+        <p:spPr>
+          <a:xfrm>
+            <a:off x="7962435" y="2011317"/>
+            <a:ext cx="2937932" cy="2937932"/>
+          </a:xfrm>
+          <a:prstGeom prst="roundRect">
+            <a:avLst>
+              <a:gd name="adj" fmla="val 8021"/>
+            </a:avLst>
+          </a:prstGeom>
+          <a:noFill/>
+          <a:ln>
+            <a:solidFill>
+              <a:schemeClr val="tx1"/>
+            </a:solidFill>
+          </a:ln>
+        </p:spPr>
+        <p:style>
+          <a:lnRef idx="2">
+            <a:schemeClr val="accent1">
+              <a:shade val="50000"/>
+            </a:schemeClr>
+          </a:lnRef>
+          <a:fillRef idx="1">
+            <a:schemeClr val="accent1"/>
+          </a:fillRef>
+          <a:effectRef idx="0">
+            <a:schemeClr val="accent1"/>
+          </a:effectRef>
+          <a:fontRef idx="minor">
+            <a:schemeClr val="lt1"/>
+          </a:fontRef>
+        </p:style>
+        <p:txBody>
+          <a:bodyPr rtlCol="0" anchor="ctr"/>
+          <a:lstStyle/>
+          <a:p>
+            <a:pPr algn="ctr"/>
+            <a:endParaRPr lang="zh-TW" altLang="en-US"/>
+          </a:p>
+        </p:txBody>
+      </p:sp>
+      <p:grpSp>
+        <p:nvGrpSpPr>
+          <p:cNvPr id="29" name="群組 28">
+            <a:extLst>
+              <a:ext uri="{FF2B5EF4-FFF2-40B4-BE49-F238E27FC236}">
+                <a16:creationId xmlns:a16="http://schemas.microsoft.com/office/drawing/2014/main" id="{51B22F81-A0F0-4A3F-8A7E-747840F82B3C}"/>
+              </a:ext>
+            </a:extLst>
+          </p:cNvPr>
+          <p:cNvGrpSpPr/>
+          <p:nvPr/>
+        </p:nvGrpSpPr>
+        <p:grpSpPr>
+          <a:xfrm>
+            <a:off x="3518977" y="185290"/>
+            <a:ext cx="2386729" cy="2629123"/>
+            <a:chOff x="5410500" y="833963"/>
+            <a:chExt cx="2386729" cy="2629123"/>
+          </a:xfrm>
+        </p:grpSpPr>
+        <p:sp>
+          <p:nvSpPr>
+            <p:cNvPr id="15" name="手繪多邊形: 圖案 14">
+              <a:extLst>
+                <a:ext uri="{FF2B5EF4-FFF2-40B4-BE49-F238E27FC236}">
+                  <a16:creationId xmlns:a16="http://schemas.microsoft.com/office/drawing/2014/main" id="{29B3FBE1-573A-4582-A449-95B25FB009E1}"/>
+                </a:ext>
+              </a:extLst>
+            </p:cNvPr>
+            <p:cNvSpPr/>
+            <p:nvPr/>
+          </p:nvSpPr>
+          <p:spPr>
+            <a:xfrm>
+              <a:off x="6101135" y="833963"/>
+              <a:ext cx="1087067" cy="1092202"/>
+            </a:xfrm>
+            <a:custGeom>
+              <a:avLst/>
+              <a:gdLst>
+                <a:gd name="connsiteX0" fmla="*/ 540966 w 1087067"/>
+                <a:gd name="connsiteY0" fmla="*/ 0 h 1092202"/>
+                <a:gd name="connsiteX1" fmla="*/ 1087067 w 1087067"/>
+                <a:gd name="connsiteY1" fmla="*/ 546101 h 1092202"/>
+                <a:gd name="connsiteX2" fmla="*/ 540966 w 1087067"/>
+                <a:gd name="connsiteY2" fmla="*/ 1092202 h 1092202"/>
+                <a:gd name="connsiteX3" fmla="*/ 328399 w 1087067"/>
+                <a:gd name="connsiteY3" fmla="*/ 1049287 h 1092202"/>
+                <a:gd name="connsiteX4" fmla="*/ 325157 w 1087067"/>
+                <a:gd name="connsiteY4" fmla="*/ 1047527 h 1092202"/>
+                <a:gd name="connsiteX5" fmla="*/ 344082 w 1087067"/>
+                <a:gd name="connsiteY5" fmla="*/ 1037255 h 1092202"/>
+                <a:gd name="connsiteX6" fmla="*/ 485932 w 1087067"/>
+                <a:gd name="connsiteY6" fmla="*/ 770467 h 1092202"/>
+                <a:gd name="connsiteX7" fmla="*/ 164197 w 1087067"/>
+                <a:gd name="connsiteY7" fmla="*/ 448732 h 1092202"/>
+                <a:gd name="connsiteX8" fmla="*/ 38964 w 1087067"/>
+                <a:gd name="connsiteY8" fmla="*/ 474016 h 1092202"/>
+                <a:gd name="connsiteX9" fmla="*/ 0 w 1087067"/>
+                <a:gd name="connsiteY9" fmla="*/ 495164 h 1092202"/>
+                <a:gd name="connsiteX10" fmla="*/ 5960 w 1087067"/>
+                <a:gd name="connsiteY10" fmla="*/ 436043 h 1092202"/>
+                <a:gd name="connsiteX11" fmla="*/ 540966 w 1087067"/>
+                <a:gd name="connsiteY11" fmla="*/ 0 h 1092202"/>
+              </a:gdLst>
+              <a:ahLst/>
+              <a:cxnLst>
+                <a:cxn ang="0">
+                  <a:pos x="connsiteX0" y="connsiteY0"/>
+                </a:cxn>
+                <a:cxn ang="0">
+                  <a:pos x="connsiteX1" y="connsiteY1"/>
+                </a:cxn>
+                <a:cxn ang="0">
+                  <a:pos x="connsiteX2" y="connsiteY2"/>
+                </a:cxn>
+                <a:cxn ang="0">
+                  <a:pos x="connsiteX3" y="connsiteY3"/>
+                </a:cxn>
+                <a:cxn ang="0">
+                  <a:pos x="connsiteX4" y="connsiteY4"/>
+                </a:cxn>
+                <a:cxn ang="0">
+                  <a:pos x="connsiteX5" y="connsiteY5"/>
+                </a:cxn>
+                <a:cxn ang="0">
+                  <a:pos x="connsiteX6" y="connsiteY6"/>
+                </a:cxn>
+                <a:cxn ang="0">
+                  <a:pos x="connsiteX7" y="connsiteY7"/>
+                </a:cxn>
+                <a:cxn ang="0">
+                  <a:pos x="connsiteX8" y="connsiteY8"/>
+                </a:cxn>
+                <a:cxn ang="0">
+                  <a:pos x="connsiteX9" y="connsiteY9"/>
+                </a:cxn>
+                <a:cxn ang="0">
+                  <a:pos x="connsiteX10" y="connsiteY10"/>
+                </a:cxn>
+                <a:cxn ang="0">
+                  <a:pos x="connsiteX11" y="connsiteY11"/>
+                </a:cxn>
+              </a:cxnLst>
+              <a:rect l="l" t="t" r="r" b="b"/>
+              <a:pathLst>
+                <a:path w="1087067" h="1092202">
+                  <a:moveTo>
+                    <a:pt x="540966" y="0"/>
+                  </a:moveTo>
+                  <a:cubicBezTo>
+                    <a:pt x="842569" y="0"/>
+                    <a:pt x="1087067" y="244498"/>
+                    <a:pt x="1087067" y="546101"/>
+                  </a:cubicBezTo>
+                  <a:cubicBezTo>
+                    <a:pt x="1087067" y="847704"/>
+                    <a:pt x="842569" y="1092202"/>
+                    <a:pt x="540966" y="1092202"/>
+                  </a:cubicBezTo>
+                  <a:cubicBezTo>
+                    <a:pt x="465566" y="1092202"/>
+                    <a:pt x="393734" y="1076921"/>
+                    <a:pt x="328399" y="1049287"/>
+                  </a:cubicBezTo>
+                  <a:lnTo>
+                    <a:pt x="325157" y="1047527"/>
+                  </a:lnTo>
+                  <a:lnTo>
+                    <a:pt x="344082" y="1037255"/>
+                  </a:lnTo>
+                  <a:cubicBezTo>
+                    <a:pt x="429664" y="979437"/>
+                    <a:pt x="485932" y="881523"/>
+                    <a:pt x="485932" y="770467"/>
+                  </a:cubicBezTo>
+                  <a:cubicBezTo>
+                    <a:pt x="485932" y="592778"/>
+                    <a:pt x="341886" y="448732"/>
+                    <a:pt x="164197" y="448732"/>
+                  </a:cubicBezTo>
+                  <a:cubicBezTo>
+                    <a:pt x="119775" y="448732"/>
+                    <a:pt x="77455" y="457735"/>
+                    <a:pt x="38964" y="474016"/>
+                  </a:cubicBezTo>
+                  <a:lnTo>
+                    <a:pt x="0" y="495164"/>
+                  </a:lnTo>
+                  <a:lnTo>
+                    <a:pt x="5960" y="436043"/>
+                  </a:lnTo>
+                  <a:cubicBezTo>
+                    <a:pt x="56882" y="187194"/>
+                    <a:pt x="277064" y="0"/>
+                    <a:pt x="540966" y="0"/>
+                  </a:cubicBezTo>
+                  <a:close/>
+                </a:path>
+              </a:pathLst>
+            </a:custGeom>
+            <a:solidFill>
+              <a:srgbClr val="DCD2EA"/>
+            </a:solidFill>
+            <a:ln>
+              <a:noFill/>
+            </a:ln>
+          </p:spPr>
+          <p:style>
+            <a:lnRef idx="2">
+              <a:schemeClr val="accent1">
+                <a:shade val="50000"/>
+              </a:schemeClr>
+            </a:lnRef>
+            <a:fillRef idx="1">
+              <a:schemeClr val="accent1"/>
+            </a:fillRef>
+            <a:effectRef idx="0">
+              <a:schemeClr val="accent1"/>
+            </a:effectRef>
+            <a:fontRef idx="minor">
+              <a:schemeClr val="lt1"/>
+            </a:fontRef>
+          </p:style>
+          <p:txBody>
+            <a:bodyPr rtlCol="0" anchor="ctr"/>
+            <a:lstStyle/>
+            <a:p>
+              <a:pPr algn="ctr"/>
+              <a:endParaRPr lang="zh-TW" altLang="en-US"/>
+            </a:p>
+          </p:txBody>
+        </p:sp>
+        <p:sp>
+          <p:nvSpPr>
+            <p:cNvPr id="25" name="手繪多邊形: 圖案 24">
+              <a:extLst>
+                <a:ext uri="{FF2B5EF4-FFF2-40B4-BE49-F238E27FC236}">
+                  <a16:creationId xmlns:a16="http://schemas.microsoft.com/office/drawing/2014/main" id="{D5417143-C33F-433B-ABA4-35A218D3F569}"/>
+                </a:ext>
+              </a:extLst>
+            </p:cNvPr>
+            <p:cNvSpPr/>
+            <p:nvPr/>
+          </p:nvSpPr>
+          <p:spPr>
+            <a:xfrm rot="18490623" flipH="1">
+              <a:off x="5653100" y="1567639"/>
+              <a:ext cx="1652847" cy="2138047"/>
+            </a:xfrm>
+            <a:custGeom>
+              <a:avLst/>
+              <a:gdLst>
+                <a:gd name="connsiteX0" fmla="*/ 668602 w 1652847"/>
+                <a:gd name="connsiteY0" fmla="*/ 77167 h 2138047"/>
+                <a:gd name="connsiteX1" fmla="*/ 641391 w 1652847"/>
+                <a:gd name="connsiteY1" fmla="*/ 128461 h 2138047"/>
+                <a:gd name="connsiteX2" fmla="*/ 701602 w 1652847"/>
+                <a:gd name="connsiteY2" fmla="*/ 324733 h 2138047"/>
+                <a:gd name="connsiteX3" fmla="*/ 905230 w 1652847"/>
+                <a:gd name="connsiteY3" fmla="*/ 432756 h 2138047"/>
+                <a:gd name="connsiteX4" fmla="*/ 480112 w 1652847"/>
+                <a:gd name="connsiteY4" fmla="*/ 535963 h 2138047"/>
+                <a:gd name="connsiteX5" fmla="*/ 440765 w 1652847"/>
+                <a:gd name="connsiteY5" fmla="*/ 554361 h 2138047"/>
+                <a:gd name="connsiteX6" fmla="*/ 380365 w 1652847"/>
+                <a:gd name="connsiteY6" fmla="*/ 580412 h 2138047"/>
+                <a:gd name="connsiteX7" fmla="*/ 214815 w 1652847"/>
+                <a:gd name="connsiteY7" fmla="*/ 721350 h 2138047"/>
+                <a:gd name="connsiteX8" fmla="*/ 117133 w 1652847"/>
+                <a:gd name="connsiteY8" fmla="*/ 845584 h 2138047"/>
+                <a:gd name="connsiteX9" fmla="*/ 3900 w 1652847"/>
+                <a:gd name="connsiteY9" fmla="*/ 1249045 h 2138047"/>
+                <a:gd name="connsiteX10" fmla="*/ 4278 w 1652847"/>
+                <a:gd name="connsiteY10" fmla="*/ 1250778 h 2138047"/>
+                <a:gd name="connsiteX11" fmla="*/ 4278 w 1652847"/>
+                <a:gd name="connsiteY11" fmla="*/ 1948156 h 2138047"/>
+                <a:gd name="connsiteX12" fmla="*/ 149447 w 1652847"/>
+                <a:gd name="connsiteY12" fmla="*/ 2093325 h 2138047"/>
+                <a:gd name="connsiteX13" fmla="*/ 207511 w 1652847"/>
+                <a:gd name="connsiteY13" fmla="*/ 2093325 h 2138047"/>
+                <a:gd name="connsiteX14" fmla="*/ 352680 w 1652847"/>
+                <a:gd name="connsiteY14" fmla="*/ 1948156 h 2138047"/>
+                <a:gd name="connsiteX15" fmla="*/ 352680 w 1652847"/>
+                <a:gd name="connsiteY15" fmla="*/ 1727279 h 2138047"/>
+                <a:gd name="connsiteX16" fmla="*/ 817558 w 1652847"/>
+                <a:gd name="connsiteY16" fmla="*/ 2092801 h 2138047"/>
+                <a:gd name="connsiteX17" fmla="*/ 888799 w 1652847"/>
+                <a:gd name="connsiteY17" fmla="*/ 2138047 h 2138047"/>
+                <a:gd name="connsiteX18" fmla="*/ 1652847 w 1652847"/>
+                <a:gd name="connsiteY18" fmla="*/ 1166314 h 2138047"/>
+                <a:gd name="connsiteX19" fmla="*/ 1592071 w 1652847"/>
+                <a:gd name="connsiteY19" fmla="*/ 1107759 h 2138047"/>
+                <a:gd name="connsiteX20" fmla="*/ 1122483 w 1652847"/>
+                <a:gd name="connsiteY20" fmla="*/ 738535 h 2138047"/>
+                <a:gd name="connsiteX21" fmla="*/ 1341535 w 1652847"/>
+                <a:gd name="connsiteY21" fmla="*/ 685355 h 2138047"/>
+                <a:gd name="connsiteX22" fmla="*/ 1431256 w 1652847"/>
+                <a:gd name="connsiteY22" fmla="*/ 619819 h 2138047"/>
+                <a:gd name="connsiteX23" fmla="*/ 1433652 w 1652847"/>
+                <a:gd name="connsiteY23" fmla="*/ 613357 h 2138047"/>
+                <a:gd name="connsiteX24" fmla="*/ 1434258 w 1652847"/>
+                <a:gd name="connsiteY24" fmla="*/ 613034 h 2138047"/>
+                <a:gd name="connsiteX25" fmla="*/ 1470817 w 1652847"/>
+                <a:gd name="connsiteY25" fmla="*/ 568462 h 2138047"/>
+                <a:gd name="connsiteX26" fmla="*/ 1498027 w 1652847"/>
+                <a:gd name="connsiteY26" fmla="*/ 517169 h 2138047"/>
+                <a:gd name="connsiteX27" fmla="*/ 1437817 w 1652847"/>
+                <a:gd name="connsiteY27" fmla="*/ 320896 h 2138047"/>
+                <a:gd name="connsiteX28" fmla="*/ 864874 w 1652847"/>
+                <a:gd name="connsiteY28" fmla="*/ 16957 h 2138047"/>
+                <a:gd name="connsiteX29" fmla="*/ 668602 w 1652847"/>
+                <a:gd name="connsiteY29" fmla="*/ 77167 h 2138047"/>
+              </a:gdLst>
+              <a:ahLst/>
+              <a:cxnLst>
+                <a:cxn ang="0">
+                  <a:pos x="connsiteX0" y="connsiteY0"/>
+                </a:cxn>
+                <a:cxn ang="0">
+                  <a:pos x="connsiteX1" y="connsiteY1"/>
+                </a:cxn>
+                <a:cxn ang="0">
+                  <a:pos x="connsiteX2" y="connsiteY2"/>
+                </a:cxn>
+                <a:cxn ang="0">
+                  <a:pos x="connsiteX3" y="connsiteY3"/>
+                </a:cxn>
+                <a:cxn ang="0">
+                  <a:pos x="connsiteX4" y="connsiteY4"/>
+                </a:cxn>
+                <a:cxn ang="0">
+                  <a:pos x="connsiteX5" y="connsiteY5"/>
+                </a:cxn>
+                <a:cxn ang="0">
+                  <a:pos x="connsiteX6" y="connsiteY6"/>
+                </a:cxn>
+                <a:cxn ang="0">
+                  <a:pos x="connsiteX7" y="connsiteY7"/>
+                </a:cxn>
+                <a:cxn ang="0">
+                  <a:pos x="connsiteX8" y="connsiteY8"/>
+                </a:cxn>
+                <a:cxn ang="0">
+                  <a:pos x="connsiteX9" y="connsiteY9"/>
+                </a:cxn>
+                <a:cxn ang="0">
+                  <a:pos x="connsiteX10" y="connsiteY10"/>
+                </a:cxn>
+                <a:cxn ang="0">
+                  <a:pos x="connsiteX11" y="connsiteY11"/>
+                </a:cxn>
+                <a:cxn ang="0">
+                  <a:pos x="connsiteX12" y="connsiteY12"/>
+                </a:cxn>
+                <a:cxn ang="0">
+                  <a:pos x="connsiteX13" y="connsiteY13"/>
+                </a:cxn>
+                <a:cxn ang="0">
+                  <a:pos x="connsiteX14" y="connsiteY14"/>
+                </a:cxn>
+                <a:cxn ang="0">
+                  <a:pos x="connsiteX15" y="connsiteY15"/>
+                </a:cxn>
+                <a:cxn ang="0">
+                  <a:pos x="connsiteX16" y="connsiteY16"/>
+                </a:cxn>
+                <a:cxn ang="0">
+                  <a:pos x="connsiteX17" y="connsiteY17"/>
+                </a:cxn>
+                <a:cxn ang="0">
+                  <a:pos x="connsiteX18" y="connsiteY18"/>
+                </a:cxn>
+                <a:cxn ang="0">
+                  <a:pos x="connsiteX19" y="connsiteY19"/>
+                </a:cxn>
+                <a:cxn ang="0">
+                  <a:pos x="connsiteX20" y="connsiteY20"/>
+                </a:cxn>
+                <a:cxn ang="0">
+                  <a:pos x="connsiteX21" y="connsiteY21"/>
+                </a:cxn>
+                <a:cxn ang="0">
+                  <a:pos x="connsiteX22" y="connsiteY22"/>
+                </a:cxn>
+                <a:cxn ang="0">
+                  <a:pos x="connsiteX23" y="connsiteY23"/>
+                </a:cxn>
+                <a:cxn ang="0">
+                  <a:pos x="connsiteX24" y="connsiteY24"/>
+                </a:cxn>
+                <a:cxn ang="0">
+                  <a:pos x="connsiteX25" y="connsiteY25"/>
+                </a:cxn>
+                <a:cxn ang="0">
+                  <a:pos x="connsiteX26" y="connsiteY26"/>
+                </a:cxn>
+                <a:cxn ang="0">
+                  <a:pos x="connsiteX27" y="connsiteY27"/>
+                </a:cxn>
+                <a:cxn ang="0">
+                  <a:pos x="connsiteX28" y="connsiteY28"/>
+                </a:cxn>
+                <a:cxn ang="0">
+                  <a:pos x="connsiteX29" y="connsiteY29"/>
+                </a:cxn>
+              </a:cxnLst>
+              <a:rect l="l" t="t" r="r" b="b"/>
+              <a:pathLst>
+                <a:path w="1652847" h="2138047">
+                  <a:moveTo>
+                    <a:pt x="668602" y="77167"/>
+                  </a:moveTo>
+                  <a:lnTo>
+                    <a:pt x="641391" y="128461"/>
+                  </a:lnTo>
+                  <a:cubicBezTo>
+                    <a:pt x="603818" y="199287"/>
+                    <a:pt x="630776" y="287161"/>
+                    <a:pt x="701602" y="324733"/>
+                  </a:cubicBezTo>
+                  <a:lnTo>
+                    <a:pt x="905230" y="432756"/>
+                  </a:lnTo>
+                  <a:lnTo>
+                    <a:pt x="480112" y="535963"/>
+                  </a:lnTo>
+                  <a:lnTo>
+                    <a:pt x="440765" y="554361"/>
+                  </a:lnTo>
+                  <a:lnTo>
+                    <a:pt x="380365" y="580412"/>
+                  </a:lnTo>
+                  <a:cubicBezTo>
+                    <a:pt x="318098" y="614780"/>
+                    <a:pt x="261540" y="661924"/>
+                    <a:pt x="214815" y="721350"/>
+                  </a:cubicBezTo>
+                  <a:lnTo>
+                    <a:pt x="117133" y="845584"/>
+                  </a:lnTo>
+                  <a:cubicBezTo>
+                    <a:pt x="23683" y="964437"/>
+                    <a:pt x="-12747" y="1109916"/>
+                    <a:pt x="3900" y="1249045"/>
+                  </a:cubicBezTo>
+                  <a:lnTo>
+                    <a:pt x="4278" y="1250778"/>
+                  </a:lnTo>
+                  <a:lnTo>
+                    <a:pt x="4278" y="1948156"/>
+                  </a:lnTo>
+                  <a:cubicBezTo>
+                    <a:pt x="4278" y="2028331"/>
+                    <a:pt x="69272" y="2093325"/>
+                    <a:pt x="149447" y="2093325"/>
+                  </a:cubicBezTo>
+                  <a:lnTo>
+                    <a:pt x="207511" y="2093325"/>
+                  </a:lnTo>
+                  <a:cubicBezTo>
+                    <a:pt x="287686" y="2093325"/>
+                    <a:pt x="352680" y="2028331"/>
+                    <a:pt x="352680" y="1948156"/>
+                  </a:cubicBezTo>
+                  <a:lnTo>
+                    <a:pt x="352680" y="1727279"/>
+                  </a:lnTo>
+                  <a:lnTo>
+                    <a:pt x="817558" y="2092801"/>
+                  </a:lnTo>
+                  <a:lnTo>
+                    <a:pt x="888799" y="2138047"/>
+                  </a:lnTo>
+                  <a:lnTo>
+                    <a:pt x="1652847" y="1166314"/>
+                  </a:lnTo>
+                  <a:lnTo>
+                    <a:pt x="1592071" y="1107759"/>
+                  </a:lnTo>
+                  <a:lnTo>
+                    <a:pt x="1122483" y="738535"/>
+                  </a:lnTo>
+                  <a:lnTo>
+                    <a:pt x="1341535" y="685355"/>
+                  </a:lnTo>
+                  <a:cubicBezTo>
+                    <a:pt x="1380490" y="675898"/>
+                    <a:pt x="1411925" y="651546"/>
+                    <a:pt x="1431256" y="619819"/>
+                  </a:cubicBezTo>
+                  <a:lnTo>
+                    <a:pt x="1433652" y="613357"/>
+                  </a:lnTo>
+                  <a:lnTo>
+                    <a:pt x="1434258" y="613034"/>
+                  </a:lnTo>
+                  <a:cubicBezTo>
+                    <a:pt x="1448886" y="601134"/>
+                    <a:pt x="1461424" y="586169"/>
+                    <a:pt x="1470817" y="568462"/>
+                  </a:cubicBezTo>
+                  <a:lnTo>
+                    <a:pt x="1498027" y="517169"/>
+                  </a:lnTo>
+                  <a:cubicBezTo>
+                    <a:pt x="1535600" y="446342"/>
+                    <a:pt x="1508643" y="358469"/>
+                    <a:pt x="1437817" y="320896"/>
+                  </a:cubicBezTo>
+                  <a:lnTo>
+                    <a:pt x="864874" y="16957"/>
+                  </a:lnTo>
+                  <a:cubicBezTo>
+                    <a:pt x="794047" y="-20616"/>
+                    <a:pt x="706174" y="6341"/>
+                    <a:pt x="668602" y="77167"/>
+                  </a:cubicBezTo>
+                  <a:close/>
+                </a:path>
+              </a:pathLst>
+            </a:custGeom>
+            <a:solidFill>
+              <a:srgbClr val="DCD2EA"/>
+            </a:solidFill>
+            <a:ln>
+              <a:noFill/>
+            </a:ln>
+          </p:spPr>
+          <p:style>
+            <a:lnRef idx="2">
+              <a:schemeClr val="accent1">
+                <a:shade val="50000"/>
+              </a:schemeClr>
+            </a:lnRef>
+            <a:fillRef idx="1">
+              <a:schemeClr val="accent1"/>
+            </a:fillRef>
+            <a:effectRef idx="0">
+              <a:schemeClr val="accent1"/>
+            </a:effectRef>
+            <a:fontRef idx="minor">
+              <a:schemeClr val="lt1"/>
+            </a:fontRef>
+          </p:style>
+          <p:txBody>
+            <a:bodyPr rtlCol="0" anchor="ctr"/>
+            <a:lstStyle/>
+            <a:p>
+              <a:pPr algn="ctr"/>
+              <a:endParaRPr lang="zh-TW" altLang="en-US"/>
+            </a:p>
+          </p:txBody>
+        </p:sp>
+        <p:pic>
+          <p:nvPicPr>
+            <p:cNvPr id="22" name="圖形 21" descr="扳手">
+              <a:extLst>
+                <a:ext uri="{FF2B5EF4-FFF2-40B4-BE49-F238E27FC236}">
+                  <a16:creationId xmlns:a16="http://schemas.microsoft.com/office/drawing/2014/main" id="{9C66134B-BEE2-401F-A485-65357916E3A1}"/>
+                </a:ext>
+              </a:extLst>
+            </p:cNvPr>
+            <p:cNvPicPr>
+              <a:picLocks noChangeAspect="1"/>
+            </p:cNvPicPr>
+            <p:nvPr/>
+          </p:nvPicPr>
+          <p:blipFill>
+            <a:blip r:embed="rId2">
+              <a:extLst>
+                <a:ext uri="{28A0092B-C50C-407E-A947-70E740481C1C}">
+                  <a14:useLocalDpi xmlns:a14="http://schemas.microsoft.com/office/drawing/2010/main" val="0"/>
+                </a:ext>
+                <a:ext uri="{96DAC541-7B7A-43D3-8B79-37D633B846F1}">
+                  <asvg:svgBlip xmlns:asvg="http://schemas.microsoft.com/office/drawing/2016/SVG/main" r:embed="rId3"/>
+                </a:ext>
+              </a:extLst>
+            </a:blip>
+            <a:stretch>
+              <a:fillRect/>
+            </a:stretch>
+          </p:blipFill>
+          <p:spPr>
+            <a:xfrm>
+              <a:off x="6882829" y="1822448"/>
+              <a:ext cx="914400" cy="914400"/>
+            </a:xfrm>
+            <a:prstGeom prst="rect">
+              <a:avLst/>
+            </a:prstGeom>
+          </p:spPr>
+        </p:pic>
+        <p:pic>
+          <p:nvPicPr>
+            <p:cNvPr id="6" name="圖形 5" descr="放大鏡">
+              <a:extLst>
+                <a:ext uri="{FF2B5EF4-FFF2-40B4-BE49-F238E27FC236}">
+                  <a16:creationId xmlns:a16="http://schemas.microsoft.com/office/drawing/2014/main" id="{519B47AD-C526-4AA8-A0E5-C72196038092}"/>
+                </a:ext>
+              </a:extLst>
+            </p:cNvPr>
+            <p:cNvPicPr>
+              <a:picLocks noChangeAspect="1"/>
+            </p:cNvPicPr>
+            <p:nvPr/>
+          </p:nvPicPr>
+          <p:blipFill>
+            <a:blip r:embed="rId4">
+              <a:extLst>
+                <a:ext uri="{28A0092B-C50C-407E-A947-70E740481C1C}">
+                  <a14:useLocalDpi xmlns:a14="http://schemas.microsoft.com/office/drawing/2010/main" val="0"/>
+                </a:ext>
+                <a:ext uri="{96DAC541-7B7A-43D3-8B79-37D633B846F1}">
+                  <asvg:svgBlip xmlns:asvg="http://schemas.microsoft.com/office/drawing/2016/SVG/main" r:embed="rId5"/>
+                </a:ext>
+              </a:extLst>
+            </a:blip>
+            <a:stretch>
+              <a:fillRect/>
+            </a:stretch>
+          </p:blipFill>
+          <p:spPr>
+            <a:xfrm flipH="1">
+              <a:off x="5715001" y="1234016"/>
+              <a:ext cx="914400" cy="914400"/>
+            </a:xfrm>
+            <a:prstGeom prst="rect">
+              <a:avLst/>
+            </a:prstGeom>
+          </p:spPr>
+        </p:pic>
+        <p:sp>
+          <p:nvSpPr>
+            <p:cNvPr id="26" name="矩形: 圓角 25">
+              <a:extLst>
+                <a:ext uri="{FF2B5EF4-FFF2-40B4-BE49-F238E27FC236}">
+                  <a16:creationId xmlns:a16="http://schemas.microsoft.com/office/drawing/2014/main" id="{CA7E3798-1831-4B87-9C91-1893219163DC}"/>
+                </a:ext>
+              </a:extLst>
+            </p:cNvPr>
+            <p:cNvSpPr/>
+            <p:nvPr/>
+          </p:nvSpPr>
+          <p:spPr>
+            <a:xfrm rot="20607194">
+              <a:off x="7355582" y="2182301"/>
+              <a:ext cx="319857" cy="563205"/>
+            </a:xfrm>
+            <a:prstGeom prst="roundRect">
+              <a:avLst>
+                <a:gd name="adj" fmla="val 43137"/>
+              </a:avLst>
+            </a:prstGeom>
+            <a:solidFill>
+              <a:srgbClr val="DCD2EA"/>
+            </a:solidFill>
+            <a:ln>
+              <a:noFill/>
+            </a:ln>
+          </p:spPr>
+          <p:style>
+            <a:lnRef idx="2">
+              <a:schemeClr val="accent1">
+                <a:shade val="50000"/>
+              </a:schemeClr>
+            </a:lnRef>
+            <a:fillRef idx="1">
+              <a:schemeClr val="accent1"/>
+            </a:fillRef>
+            <a:effectRef idx="0">
+              <a:schemeClr val="accent1"/>
+            </a:effectRef>
+            <a:fontRef idx="minor">
+              <a:schemeClr val="lt1"/>
+            </a:fontRef>
+          </p:style>
+          <p:txBody>
+            <a:bodyPr rtlCol="0" anchor="ctr"/>
+            <a:lstStyle/>
+            <a:p>
+              <a:pPr algn="ctr"/>
+              <a:endParaRPr lang="zh-TW" altLang="en-US"/>
+            </a:p>
+          </p:txBody>
+        </p:sp>
+      </p:grpSp>
+      <p:grpSp>
+        <p:nvGrpSpPr>
+          <p:cNvPr id="46" name="群組 45">
+            <a:extLst>
+              <a:ext uri="{FF2B5EF4-FFF2-40B4-BE49-F238E27FC236}">
+                <a16:creationId xmlns:a16="http://schemas.microsoft.com/office/drawing/2014/main" id="{4A0EC896-54B8-435F-B477-7F78340F4979}"/>
+              </a:ext>
+            </a:extLst>
+          </p:cNvPr>
+          <p:cNvGrpSpPr/>
+          <p:nvPr/>
+        </p:nvGrpSpPr>
+        <p:grpSpPr>
+          <a:xfrm>
+            <a:off x="437205" y="409309"/>
+            <a:ext cx="2367438" cy="2370083"/>
+            <a:chOff x="1090907" y="1082693"/>
+            <a:chExt cx="2367438" cy="2370083"/>
+          </a:xfrm>
+        </p:grpSpPr>
+        <p:sp>
+          <p:nvSpPr>
+            <p:cNvPr id="45" name="語音泡泡: 圓角矩形 43">
+              <a:extLst>
+                <a:ext uri="{FF2B5EF4-FFF2-40B4-BE49-F238E27FC236}">
+                  <a16:creationId xmlns:a16="http://schemas.microsoft.com/office/drawing/2014/main" id="{64352119-B729-436C-A5CE-A8E732538C56}"/>
+                </a:ext>
+              </a:extLst>
+            </p:cNvPr>
+            <p:cNvSpPr/>
+            <p:nvPr/>
+          </p:nvSpPr>
+          <p:spPr>
+            <a:xfrm flipH="1">
+              <a:off x="2023868" y="1237477"/>
+              <a:ext cx="996681" cy="469251"/>
+            </a:xfrm>
+            <a:custGeom>
+              <a:avLst/>
+              <a:gdLst>
+                <a:gd name="connsiteX0" fmla="*/ 0 w 1326582"/>
+                <a:gd name="connsiteY0" fmla="*/ 80537 h 483210"/>
+                <a:gd name="connsiteX1" fmla="*/ 80537 w 1326582"/>
+                <a:gd name="connsiteY1" fmla="*/ 0 h 483210"/>
+                <a:gd name="connsiteX2" fmla="*/ 221097 w 1326582"/>
+                <a:gd name="connsiteY2" fmla="*/ 0 h 483210"/>
+                <a:gd name="connsiteX3" fmla="*/ 221097 w 1326582"/>
+                <a:gd name="connsiteY3" fmla="*/ 0 h 483210"/>
+                <a:gd name="connsiteX4" fmla="*/ 552743 w 1326582"/>
+                <a:gd name="connsiteY4" fmla="*/ 0 h 483210"/>
+                <a:gd name="connsiteX5" fmla="*/ 1246045 w 1326582"/>
+                <a:gd name="connsiteY5" fmla="*/ 0 h 483210"/>
+                <a:gd name="connsiteX6" fmla="*/ 1326582 w 1326582"/>
+                <a:gd name="connsiteY6" fmla="*/ 80537 h 483210"/>
+                <a:gd name="connsiteX7" fmla="*/ 1326582 w 1326582"/>
+                <a:gd name="connsiteY7" fmla="*/ 281873 h 483210"/>
+                <a:gd name="connsiteX8" fmla="*/ 1326582 w 1326582"/>
+                <a:gd name="connsiteY8" fmla="*/ 281873 h 483210"/>
+                <a:gd name="connsiteX9" fmla="*/ 1326582 w 1326582"/>
+                <a:gd name="connsiteY9" fmla="*/ 402675 h 483210"/>
+                <a:gd name="connsiteX10" fmla="*/ 1326582 w 1326582"/>
+                <a:gd name="connsiteY10" fmla="*/ 402673 h 483210"/>
+                <a:gd name="connsiteX11" fmla="*/ 1246045 w 1326582"/>
+                <a:gd name="connsiteY11" fmla="*/ 483210 h 483210"/>
+                <a:gd name="connsiteX12" fmla="*/ 552743 w 1326582"/>
+                <a:gd name="connsiteY12" fmla="*/ 483210 h 483210"/>
+                <a:gd name="connsiteX13" fmla="*/ 215477 w 1326582"/>
+                <a:gd name="connsiteY13" fmla="*/ 624573 h 483210"/>
+                <a:gd name="connsiteX14" fmla="*/ 221097 w 1326582"/>
+                <a:gd name="connsiteY14" fmla="*/ 483210 h 483210"/>
+                <a:gd name="connsiteX15" fmla="*/ 80537 w 1326582"/>
+                <a:gd name="connsiteY15" fmla="*/ 483210 h 483210"/>
+                <a:gd name="connsiteX16" fmla="*/ 0 w 1326582"/>
+                <a:gd name="connsiteY16" fmla="*/ 402673 h 483210"/>
+                <a:gd name="connsiteX17" fmla="*/ 0 w 1326582"/>
+                <a:gd name="connsiteY17" fmla="*/ 402675 h 483210"/>
+                <a:gd name="connsiteX18" fmla="*/ 0 w 1326582"/>
+                <a:gd name="connsiteY18" fmla="*/ 281873 h 483210"/>
+                <a:gd name="connsiteX19" fmla="*/ 0 w 1326582"/>
+                <a:gd name="connsiteY19" fmla="*/ 281873 h 483210"/>
+                <a:gd name="connsiteX20" fmla="*/ 0 w 1326582"/>
+                <a:gd name="connsiteY20" fmla="*/ 80537 h 483210"/>
+                <a:gd name="connsiteX0" fmla="*/ 0 w 1326582"/>
+                <a:gd name="connsiteY0" fmla="*/ 80537 h 624573"/>
+                <a:gd name="connsiteX1" fmla="*/ 80537 w 1326582"/>
+                <a:gd name="connsiteY1" fmla="*/ 0 h 624573"/>
+                <a:gd name="connsiteX2" fmla="*/ 221097 w 1326582"/>
+                <a:gd name="connsiteY2" fmla="*/ 0 h 624573"/>
+                <a:gd name="connsiteX3" fmla="*/ 221097 w 1326582"/>
+                <a:gd name="connsiteY3" fmla="*/ 0 h 624573"/>
+                <a:gd name="connsiteX4" fmla="*/ 552743 w 1326582"/>
+                <a:gd name="connsiteY4" fmla="*/ 0 h 624573"/>
+                <a:gd name="connsiteX5" fmla="*/ 1246045 w 1326582"/>
+                <a:gd name="connsiteY5" fmla="*/ 0 h 624573"/>
+                <a:gd name="connsiteX6" fmla="*/ 1326582 w 1326582"/>
+                <a:gd name="connsiteY6" fmla="*/ 80537 h 624573"/>
+                <a:gd name="connsiteX7" fmla="*/ 1326582 w 1326582"/>
+                <a:gd name="connsiteY7" fmla="*/ 281873 h 624573"/>
+                <a:gd name="connsiteX8" fmla="*/ 1326582 w 1326582"/>
+                <a:gd name="connsiteY8" fmla="*/ 281873 h 624573"/>
+                <a:gd name="connsiteX9" fmla="*/ 1326582 w 1326582"/>
+                <a:gd name="connsiteY9" fmla="*/ 402675 h 624573"/>
+                <a:gd name="connsiteX10" fmla="*/ 1326582 w 1326582"/>
+                <a:gd name="connsiteY10" fmla="*/ 402673 h 624573"/>
+                <a:gd name="connsiteX11" fmla="*/ 1246045 w 1326582"/>
+                <a:gd name="connsiteY11" fmla="*/ 483210 h 624573"/>
+                <a:gd name="connsiteX12" fmla="*/ 338430 w 1326582"/>
+                <a:gd name="connsiteY12" fmla="*/ 487973 h 624573"/>
+                <a:gd name="connsiteX13" fmla="*/ 215477 w 1326582"/>
+                <a:gd name="connsiteY13" fmla="*/ 624573 h 624573"/>
+                <a:gd name="connsiteX14" fmla="*/ 221097 w 1326582"/>
+                <a:gd name="connsiteY14" fmla="*/ 483210 h 624573"/>
+                <a:gd name="connsiteX15" fmla="*/ 80537 w 1326582"/>
+                <a:gd name="connsiteY15" fmla="*/ 483210 h 624573"/>
+                <a:gd name="connsiteX16" fmla="*/ 0 w 1326582"/>
+                <a:gd name="connsiteY16" fmla="*/ 402673 h 624573"/>
+                <a:gd name="connsiteX17" fmla="*/ 0 w 1326582"/>
+                <a:gd name="connsiteY17" fmla="*/ 402675 h 624573"/>
+                <a:gd name="connsiteX18" fmla="*/ 0 w 1326582"/>
+                <a:gd name="connsiteY18" fmla="*/ 281873 h 624573"/>
+                <a:gd name="connsiteX19" fmla="*/ 0 w 1326582"/>
+                <a:gd name="connsiteY19" fmla="*/ 281873 h 624573"/>
+                <a:gd name="connsiteX20" fmla="*/ 0 w 1326582"/>
+                <a:gd name="connsiteY20" fmla="*/ 80537 h 624573"/>
+              </a:gdLst>
+              <a:ahLst/>
+              <a:cxnLst>
+                <a:cxn ang="0">
+                  <a:pos x="connsiteX0" y="connsiteY0"/>
+                </a:cxn>
+                <a:cxn ang="0">
+                  <a:pos x="connsiteX1" y="connsiteY1"/>
+                </a:cxn>
+                <a:cxn ang="0">
+                  <a:pos x="connsiteX2" y="connsiteY2"/>
+                </a:cxn>
+                <a:cxn ang="0">
+                  <a:pos x="connsiteX3" y="connsiteY3"/>
+                </a:cxn>
+                <a:cxn ang="0">
+                  <a:pos x="connsiteX4" y="connsiteY4"/>
+                </a:cxn>
+                <a:cxn ang="0">
+                  <a:pos x="connsiteX5" y="connsiteY5"/>
+                </a:cxn>
+                <a:cxn ang="0">
+                  <a:pos x="connsiteX6" y="connsiteY6"/>
+                </a:cxn>
+                <a:cxn ang="0">
+                  <a:pos x="connsiteX7" y="connsiteY7"/>
+                </a:cxn>
+                <a:cxn ang="0">
+                  <a:pos x="connsiteX8" y="connsiteY8"/>
+                </a:cxn>
+                <a:cxn ang="0">
+                  <a:pos x="connsiteX9" y="connsiteY9"/>
+                </a:cxn>
+                <a:cxn ang="0">
+                  <a:pos x="connsiteX10" y="connsiteY10"/>
+                </a:cxn>
+                <a:cxn ang="0">
+                  <a:pos x="connsiteX11" y="connsiteY11"/>
+                </a:cxn>
+                <a:cxn ang="0">
+                  <a:pos x="connsiteX12" y="connsiteY12"/>
+                </a:cxn>
+                <a:cxn ang="0">
+                  <a:pos x="connsiteX13" y="connsiteY13"/>
+                </a:cxn>
+                <a:cxn ang="0">
+                  <a:pos x="connsiteX14" y="connsiteY14"/>
+                </a:cxn>
+                <a:cxn ang="0">
+                  <a:pos x="connsiteX15" y="connsiteY15"/>
+                </a:cxn>
+                <a:cxn ang="0">
+                  <a:pos x="connsiteX16" y="connsiteY16"/>
+                </a:cxn>
+                <a:cxn ang="0">
+                  <a:pos x="connsiteX17" y="connsiteY17"/>
+                </a:cxn>
+                <a:cxn ang="0">
+                  <a:pos x="connsiteX18" y="connsiteY18"/>
+                </a:cxn>
+                <a:cxn ang="0">
+                  <a:pos x="connsiteX19" y="connsiteY19"/>
+                </a:cxn>
+                <a:cxn ang="0">
+                  <a:pos x="connsiteX20" y="connsiteY20"/>
+                </a:cxn>
+              </a:cxnLst>
+              <a:rect l="l" t="t" r="r" b="b"/>
+              <a:pathLst>
+                <a:path w="1326582" h="624573">
+                  <a:moveTo>
+                    <a:pt x="0" y="80537"/>
+                  </a:moveTo>
+                  <a:cubicBezTo>
+                    <a:pt x="0" y="36058"/>
+                    <a:pt x="36058" y="0"/>
+                    <a:pt x="80537" y="0"/>
+                  </a:cubicBezTo>
+                  <a:lnTo>
+                    <a:pt x="221097" y="0"/>
+                  </a:lnTo>
+                  <a:lnTo>
+                    <a:pt x="221097" y="0"/>
+                  </a:lnTo>
+                  <a:lnTo>
+                    <a:pt x="552743" y="0"/>
+                  </a:lnTo>
+                  <a:lnTo>
+                    <a:pt x="1246045" y="0"/>
+                  </a:lnTo>
+                  <a:cubicBezTo>
+                    <a:pt x="1290524" y="0"/>
+                    <a:pt x="1326582" y="36058"/>
+                    <a:pt x="1326582" y="80537"/>
+                  </a:cubicBezTo>
+                  <a:lnTo>
+                    <a:pt x="1326582" y="281873"/>
+                  </a:lnTo>
+                  <a:lnTo>
+                    <a:pt x="1326582" y="281873"/>
+                  </a:lnTo>
+                  <a:lnTo>
+                    <a:pt x="1326582" y="402675"/>
+                  </a:lnTo>
+                  <a:lnTo>
+                    <a:pt x="1326582" y="402673"/>
+                  </a:lnTo>
+                  <a:cubicBezTo>
+                    <a:pt x="1326582" y="447152"/>
+                    <a:pt x="1290524" y="483210"/>
+                    <a:pt x="1246045" y="483210"/>
+                  </a:cubicBezTo>
+                  <a:lnTo>
+                    <a:pt x="338430" y="487973"/>
+                  </a:lnTo>
+                  <a:lnTo>
+                    <a:pt x="215477" y="624573"/>
+                  </a:lnTo>
+                  <a:lnTo>
+                    <a:pt x="221097" y="483210"/>
+                  </a:lnTo>
+                  <a:lnTo>
+                    <a:pt x="80537" y="483210"/>
+                  </a:lnTo>
+                  <a:cubicBezTo>
+                    <a:pt x="36058" y="483210"/>
+                    <a:pt x="0" y="447152"/>
+                    <a:pt x="0" y="402673"/>
+                  </a:cubicBezTo>
+                  <a:lnTo>
+                    <a:pt x="0" y="402675"/>
+                  </a:lnTo>
+                  <a:lnTo>
+                    <a:pt x="0" y="281873"/>
+                  </a:lnTo>
+                  <a:lnTo>
+                    <a:pt x="0" y="281873"/>
+                  </a:lnTo>
+                  <a:lnTo>
+                    <a:pt x="0" y="80537"/>
+                  </a:lnTo>
+                  <a:close/>
+                </a:path>
+              </a:pathLst>
+            </a:custGeom>
+            <a:solidFill>
+              <a:srgbClr val="9575CD"/>
+            </a:solidFill>
+            <a:ln>
+              <a:noFill/>
+            </a:ln>
+          </p:spPr>
+          <p:style>
+            <a:lnRef idx="2">
+              <a:schemeClr val="accent1">
+                <a:shade val="50000"/>
+              </a:schemeClr>
+            </a:lnRef>
+            <a:fillRef idx="1">
+              <a:schemeClr val="accent1"/>
+            </a:fillRef>
+            <a:effectRef idx="0">
+              <a:schemeClr val="accent1"/>
+            </a:effectRef>
+            <a:fontRef idx="minor">
+              <a:schemeClr val="lt1"/>
+            </a:fontRef>
+          </p:style>
+          <p:txBody>
+            <a:bodyPr rtlCol="0" anchor="ctr"/>
+            <a:lstStyle/>
+            <a:p>
+              <a:pPr algn="ctr"/>
+              <a:endParaRPr lang="zh-TW" altLang="en-US"/>
+            </a:p>
+          </p:txBody>
+        </p:sp>
+        <p:sp>
+          <p:nvSpPr>
+            <p:cNvPr id="30" name="橢圓 29">
+              <a:extLst>
+                <a:ext uri="{FF2B5EF4-FFF2-40B4-BE49-F238E27FC236}">
+                  <a16:creationId xmlns:a16="http://schemas.microsoft.com/office/drawing/2014/main" id="{F7C0885D-8BB2-4477-BB95-2430FB96555F}"/>
+                </a:ext>
+              </a:extLst>
+            </p:cNvPr>
+            <p:cNvSpPr/>
+            <p:nvPr/>
+          </p:nvSpPr>
+          <p:spPr>
+            <a:xfrm>
+              <a:off x="1291194" y="1660393"/>
+              <a:ext cx="463741" cy="463741"/>
+            </a:xfrm>
+            <a:prstGeom prst="ellipse">
+              <a:avLst/>
+            </a:prstGeom>
+            <a:solidFill>
+              <a:srgbClr val="DCD2EA"/>
+            </a:solidFill>
+            <a:ln>
+              <a:noFill/>
+            </a:ln>
+          </p:spPr>
+          <p:style>
+            <a:lnRef idx="2">
+              <a:schemeClr val="accent1">
+                <a:shade val="50000"/>
+              </a:schemeClr>
+            </a:lnRef>
+            <a:fillRef idx="1">
+              <a:schemeClr val="accent1"/>
+            </a:fillRef>
+            <a:effectRef idx="0">
+              <a:schemeClr val="accent1"/>
+            </a:effectRef>
+            <a:fontRef idx="minor">
+              <a:schemeClr val="lt1"/>
+            </a:fontRef>
+          </p:style>
+          <p:txBody>
+            <a:bodyPr rtlCol="0" anchor="ctr"/>
+            <a:lstStyle/>
+            <a:p>
+              <a:pPr algn="ctr"/>
+              <a:endParaRPr lang="zh-TW" altLang="en-US"/>
+            </a:p>
+          </p:txBody>
+        </p:sp>
+        <p:sp>
+          <p:nvSpPr>
+            <p:cNvPr id="31" name="矩形: 圓角 30">
+              <a:extLst>
+                <a:ext uri="{FF2B5EF4-FFF2-40B4-BE49-F238E27FC236}">
+                  <a16:creationId xmlns:a16="http://schemas.microsoft.com/office/drawing/2014/main" id="{8877DFA1-EE4D-4A33-877B-11628D5A4006}"/>
+                </a:ext>
+              </a:extLst>
+            </p:cNvPr>
+            <p:cNvSpPr/>
+            <p:nvPr/>
+          </p:nvSpPr>
+          <p:spPr>
+            <a:xfrm rot="712212">
+              <a:off x="1090907" y="2144138"/>
+              <a:ext cx="304800" cy="817031"/>
+            </a:xfrm>
+            <a:prstGeom prst="roundRect">
+              <a:avLst>
+                <a:gd name="adj" fmla="val 30556"/>
+              </a:avLst>
+            </a:prstGeom>
+            <a:solidFill>
+              <a:srgbClr val="DCD2EA"/>
+            </a:solidFill>
+            <a:ln>
+              <a:noFill/>
+            </a:ln>
+          </p:spPr>
+          <p:style>
+            <a:lnRef idx="2">
+              <a:schemeClr val="accent1">
+                <a:shade val="50000"/>
+              </a:schemeClr>
+            </a:lnRef>
+            <a:fillRef idx="1">
+              <a:schemeClr val="accent1"/>
+            </a:fillRef>
+            <a:effectRef idx="0">
+              <a:schemeClr val="accent1"/>
+            </a:effectRef>
+            <a:fontRef idx="minor">
+              <a:schemeClr val="lt1"/>
+            </a:fontRef>
+          </p:style>
+          <p:txBody>
+            <a:bodyPr rtlCol="0" anchor="ctr"/>
+            <a:lstStyle/>
+            <a:p>
+              <a:pPr algn="ctr"/>
+              <a:endParaRPr lang="zh-TW" altLang="en-US"/>
+            </a:p>
+          </p:txBody>
+        </p:sp>
+        <p:sp>
+          <p:nvSpPr>
+            <p:cNvPr id="32" name="矩形: 圓角 31">
+              <a:extLst>
+                <a:ext uri="{FF2B5EF4-FFF2-40B4-BE49-F238E27FC236}">
+                  <a16:creationId xmlns:a16="http://schemas.microsoft.com/office/drawing/2014/main" id="{392009EE-64BB-4087-9311-B5F85E3B0CF5}"/>
+                </a:ext>
+              </a:extLst>
+            </p:cNvPr>
+            <p:cNvSpPr/>
+            <p:nvPr/>
+          </p:nvSpPr>
+          <p:spPr>
+            <a:xfrm rot="16200000">
+              <a:off x="1342475" y="2617361"/>
+              <a:ext cx="186052" cy="510117"/>
+            </a:xfrm>
+            <a:prstGeom prst="roundRect">
+              <a:avLst>
+                <a:gd name="adj" fmla="val 30556"/>
+              </a:avLst>
+            </a:prstGeom>
+            <a:solidFill>
+              <a:srgbClr val="DCD2EA"/>
+            </a:solidFill>
+            <a:ln>
+              <a:noFill/>
+            </a:ln>
+          </p:spPr>
+          <p:style>
+            <a:lnRef idx="2">
+              <a:schemeClr val="accent1">
+                <a:shade val="50000"/>
+              </a:schemeClr>
+            </a:lnRef>
+            <a:fillRef idx="1">
+              <a:schemeClr val="accent1"/>
+            </a:fillRef>
+            <a:effectRef idx="0">
+              <a:schemeClr val="accent1"/>
+            </a:effectRef>
+            <a:fontRef idx="minor">
+              <a:schemeClr val="lt1"/>
+            </a:fontRef>
+          </p:style>
+          <p:txBody>
+            <a:bodyPr rtlCol="0" anchor="ctr"/>
+            <a:lstStyle/>
+            <a:p>
+              <a:pPr algn="ctr"/>
+              <a:endParaRPr lang="zh-TW" altLang="en-US"/>
+            </a:p>
+          </p:txBody>
+        </p:sp>
+        <p:sp>
+          <p:nvSpPr>
+            <p:cNvPr id="33" name="矩形: 圓角 32">
+              <a:extLst>
+                <a:ext uri="{FF2B5EF4-FFF2-40B4-BE49-F238E27FC236}">
+                  <a16:creationId xmlns:a16="http://schemas.microsoft.com/office/drawing/2014/main" id="{96ABDD58-CB6F-4876-93B8-487FF82E4808}"/>
+                </a:ext>
+              </a:extLst>
+            </p:cNvPr>
+            <p:cNvSpPr/>
+            <p:nvPr/>
+          </p:nvSpPr>
+          <p:spPr>
+            <a:xfrm rot="20538644">
+              <a:off x="1592717" y="2793537"/>
+              <a:ext cx="195685" cy="659239"/>
+            </a:xfrm>
+            <a:prstGeom prst="roundRect">
+              <a:avLst>
+                <a:gd name="adj" fmla="val 30556"/>
+              </a:avLst>
+            </a:prstGeom>
+            <a:solidFill>
+              <a:srgbClr val="DCD2EA"/>
+            </a:solidFill>
+            <a:ln>
+              <a:noFill/>
+            </a:ln>
+          </p:spPr>
+          <p:style>
+            <a:lnRef idx="2">
+              <a:schemeClr val="accent1">
+                <a:shade val="50000"/>
+              </a:schemeClr>
+            </a:lnRef>
+            <a:fillRef idx="1">
+              <a:schemeClr val="accent1"/>
+            </a:fillRef>
+            <a:effectRef idx="0">
+              <a:schemeClr val="accent1"/>
+            </a:effectRef>
+            <a:fontRef idx="minor">
+              <a:schemeClr val="lt1"/>
+            </a:fontRef>
+          </p:style>
+          <p:txBody>
+            <a:bodyPr rtlCol="0" anchor="ctr"/>
+            <a:lstStyle/>
+            <a:p>
+              <a:pPr algn="ctr"/>
+              <a:endParaRPr lang="zh-TW" altLang="en-US"/>
+            </a:p>
+          </p:txBody>
+        </p:sp>
+        <p:sp>
+          <p:nvSpPr>
+            <p:cNvPr id="34" name="矩形: 圓角 33">
+              <a:extLst>
+                <a:ext uri="{FF2B5EF4-FFF2-40B4-BE49-F238E27FC236}">
+                  <a16:creationId xmlns:a16="http://schemas.microsoft.com/office/drawing/2014/main" id="{41E1D232-4916-425D-AF8B-AAFE20BA742C}"/>
+                </a:ext>
+              </a:extLst>
+            </p:cNvPr>
+            <p:cNvSpPr/>
+            <p:nvPr/>
+          </p:nvSpPr>
+          <p:spPr>
+            <a:xfrm rot="18564811">
+              <a:off x="1409657" y="2176294"/>
+              <a:ext cx="135357" cy="296559"/>
+            </a:xfrm>
+            <a:prstGeom prst="roundRect">
+              <a:avLst>
+                <a:gd name="adj" fmla="val 30556"/>
+              </a:avLst>
+            </a:prstGeom>
+            <a:solidFill>
+              <a:srgbClr val="DCD2EA"/>
+            </a:solidFill>
+            <a:ln>
+              <a:noFill/>
+            </a:ln>
+          </p:spPr>
+          <p:style>
+            <a:lnRef idx="2">
+              <a:schemeClr val="accent1">
+                <a:shade val="50000"/>
+              </a:schemeClr>
+            </a:lnRef>
+            <a:fillRef idx="1">
+              <a:schemeClr val="accent1"/>
+            </a:fillRef>
+            <a:effectRef idx="0">
+              <a:schemeClr val="accent1"/>
+            </a:effectRef>
+            <a:fontRef idx="minor">
+              <a:schemeClr val="lt1"/>
+            </a:fontRef>
+          </p:style>
+          <p:txBody>
+            <a:bodyPr rtlCol="0" anchor="ctr"/>
+            <a:lstStyle/>
+            <a:p>
+              <a:pPr algn="ctr"/>
+              <a:endParaRPr lang="zh-TW" altLang="en-US"/>
+            </a:p>
+          </p:txBody>
+        </p:sp>
+        <p:sp>
+          <p:nvSpPr>
+            <p:cNvPr id="35" name="矩形: 圓角 34">
+              <a:extLst>
+                <a:ext uri="{FF2B5EF4-FFF2-40B4-BE49-F238E27FC236}">
+                  <a16:creationId xmlns:a16="http://schemas.microsoft.com/office/drawing/2014/main" id="{DD3D5562-6314-447D-A7F4-1066B2E20E50}"/>
+                </a:ext>
+              </a:extLst>
+            </p:cNvPr>
+            <p:cNvSpPr/>
+            <p:nvPr/>
+          </p:nvSpPr>
+          <p:spPr>
+            <a:xfrm rot="14650070">
+              <a:off x="1648310" y="2090197"/>
+              <a:ext cx="125406" cy="436536"/>
+            </a:xfrm>
+            <a:prstGeom prst="roundRect">
+              <a:avLst>
+                <a:gd name="adj" fmla="val 30556"/>
+              </a:avLst>
+            </a:prstGeom>
+            <a:solidFill>
+              <a:srgbClr val="DCD2EA"/>
+            </a:solidFill>
+            <a:ln>
+              <a:noFill/>
+            </a:ln>
+          </p:spPr>
+          <p:style>
+            <a:lnRef idx="2">
+              <a:schemeClr val="accent1">
+                <a:shade val="50000"/>
+              </a:schemeClr>
+            </a:lnRef>
+            <a:fillRef idx="1">
+              <a:schemeClr val="accent1"/>
+            </a:fillRef>
+            <a:effectRef idx="0">
+              <a:schemeClr val="accent1"/>
+            </a:effectRef>
+            <a:fontRef idx="minor">
+              <a:schemeClr val="lt1"/>
+            </a:fontRef>
+          </p:style>
+          <p:txBody>
+            <a:bodyPr rtlCol="0" anchor="ctr"/>
+            <a:lstStyle/>
+            <a:p>
+              <a:pPr algn="ctr"/>
+              <a:endParaRPr lang="zh-TW" altLang="en-US"/>
+            </a:p>
+          </p:txBody>
+        </p:sp>
+        <p:sp>
+          <p:nvSpPr>
+            <p:cNvPr id="38" name="橢圓 37">
+              <a:extLst>
+                <a:ext uri="{FF2B5EF4-FFF2-40B4-BE49-F238E27FC236}">
+                  <a16:creationId xmlns:a16="http://schemas.microsoft.com/office/drawing/2014/main" id="{7FF0ED33-328E-4086-A869-AAF541C39DE7}"/>
+                </a:ext>
+              </a:extLst>
+            </p:cNvPr>
+            <p:cNvSpPr/>
+            <p:nvPr/>
+          </p:nvSpPr>
+          <p:spPr>
+            <a:xfrm flipH="1">
+              <a:off x="2930871" y="1629943"/>
+              <a:ext cx="463741" cy="463741"/>
+            </a:xfrm>
+            <a:prstGeom prst="ellipse">
+              <a:avLst/>
+            </a:prstGeom>
+            <a:solidFill>
+              <a:srgbClr val="DCD2EA"/>
+            </a:solidFill>
+            <a:ln>
+              <a:noFill/>
+            </a:ln>
+          </p:spPr>
+          <p:style>
+            <a:lnRef idx="2">
+              <a:schemeClr val="accent1">
+                <a:shade val="50000"/>
+              </a:schemeClr>
+            </a:lnRef>
+            <a:fillRef idx="1">
+              <a:schemeClr val="accent1"/>
+            </a:fillRef>
+            <a:effectRef idx="0">
+              <a:schemeClr val="accent1"/>
+            </a:effectRef>
+            <a:fontRef idx="minor">
+              <a:schemeClr val="lt1"/>
+            </a:fontRef>
+          </p:style>
+          <p:txBody>
+            <a:bodyPr rtlCol="0" anchor="ctr"/>
+            <a:lstStyle/>
+            <a:p>
+              <a:pPr algn="ctr"/>
+              <a:endParaRPr lang="zh-TW" altLang="en-US"/>
+            </a:p>
+          </p:txBody>
+        </p:sp>
+        <p:sp>
+          <p:nvSpPr>
+            <p:cNvPr id="39" name="矩形: 圓角 38">
+              <a:extLst>
+                <a:ext uri="{FF2B5EF4-FFF2-40B4-BE49-F238E27FC236}">
+                  <a16:creationId xmlns:a16="http://schemas.microsoft.com/office/drawing/2014/main" id="{F1712C76-EE6A-4593-BD29-A0AF187E27AA}"/>
+                </a:ext>
+              </a:extLst>
+            </p:cNvPr>
+            <p:cNvSpPr/>
+            <p:nvPr/>
+          </p:nvSpPr>
+          <p:spPr>
+            <a:xfrm rot="20533046" flipH="1">
+              <a:off x="3153545" y="2144137"/>
+              <a:ext cx="304800" cy="817031"/>
+            </a:xfrm>
+            <a:prstGeom prst="roundRect">
+              <a:avLst>
+                <a:gd name="adj" fmla="val 30556"/>
+              </a:avLst>
+            </a:prstGeom>
+            <a:solidFill>
+              <a:srgbClr val="DCD2EA"/>
+            </a:solidFill>
+            <a:ln>
+              <a:noFill/>
+            </a:ln>
+          </p:spPr>
+          <p:style>
+            <a:lnRef idx="2">
+              <a:schemeClr val="accent1">
+                <a:shade val="50000"/>
+              </a:schemeClr>
+            </a:lnRef>
+            <a:fillRef idx="1">
+              <a:schemeClr val="accent1"/>
+            </a:fillRef>
+            <a:effectRef idx="0">
+              <a:schemeClr val="accent1"/>
+            </a:effectRef>
+            <a:fontRef idx="minor">
+              <a:schemeClr val="lt1"/>
+            </a:fontRef>
+          </p:style>
+          <p:txBody>
+            <a:bodyPr rtlCol="0" anchor="ctr"/>
+            <a:lstStyle/>
+            <a:p>
+              <a:pPr algn="ctr"/>
+              <a:endParaRPr lang="zh-TW" altLang="en-US"/>
+            </a:p>
+          </p:txBody>
+        </p:sp>
+        <p:sp>
+          <p:nvSpPr>
+            <p:cNvPr id="40" name="矩形: 圓角 39">
+              <a:extLst>
+                <a:ext uri="{FF2B5EF4-FFF2-40B4-BE49-F238E27FC236}">
+                  <a16:creationId xmlns:a16="http://schemas.microsoft.com/office/drawing/2014/main" id="{106C522B-96B2-41D6-A4A8-56E4F746BD75}"/>
+                </a:ext>
+              </a:extLst>
+            </p:cNvPr>
+            <p:cNvSpPr/>
+            <p:nvPr/>
+          </p:nvSpPr>
+          <p:spPr>
+            <a:xfrm rot="5400000" flipH="1">
+              <a:off x="3062776" y="2612559"/>
+              <a:ext cx="186052" cy="510117"/>
+            </a:xfrm>
+            <a:prstGeom prst="roundRect">
+              <a:avLst>
+                <a:gd name="adj" fmla="val 30556"/>
+              </a:avLst>
+            </a:prstGeom>
+            <a:solidFill>
+              <a:srgbClr val="DCD2EA"/>
+            </a:solidFill>
+            <a:ln>
+              <a:noFill/>
+            </a:ln>
+          </p:spPr>
+          <p:style>
+            <a:lnRef idx="2">
+              <a:schemeClr val="accent1">
+                <a:shade val="50000"/>
+              </a:schemeClr>
+            </a:lnRef>
+            <a:fillRef idx="1">
+              <a:schemeClr val="accent1"/>
+            </a:fillRef>
+            <a:effectRef idx="0">
+              <a:schemeClr val="accent1"/>
+            </a:effectRef>
+            <a:fontRef idx="minor">
+              <a:schemeClr val="lt1"/>
+            </a:fontRef>
+          </p:style>
+          <p:txBody>
+            <a:bodyPr rtlCol="0" anchor="ctr"/>
+            <a:lstStyle/>
+            <a:p>
+              <a:pPr algn="ctr"/>
+              <a:endParaRPr lang="zh-TW" altLang="en-US"/>
+            </a:p>
+          </p:txBody>
+        </p:sp>
+        <p:sp>
+          <p:nvSpPr>
+            <p:cNvPr id="41" name="矩形: 圓角 40">
+              <a:extLst>
+                <a:ext uri="{FF2B5EF4-FFF2-40B4-BE49-F238E27FC236}">
+                  <a16:creationId xmlns:a16="http://schemas.microsoft.com/office/drawing/2014/main" id="{175970B6-FA71-4E7B-BB46-39719A84E189}"/>
+                </a:ext>
+              </a:extLst>
+            </p:cNvPr>
+            <p:cNvSpPr/>
+            <p:nvPr/>
+          </p:nvSpPr>
+          <p:spPr>
+            <a:xfrm rot="1061356" flipH="1">
+              <a:off x="2802901" y="2788735"/>
+              <a:ext cx="195685" cy="659239"/>
+            </a:xfrm>
+            <a:prstGeom prst="roundRect">
+              <a:avLst>
+                <a:gd name="adj" fmla="val 30556"/>
+              </a:avLst>
+            </a:prstGeom>
+            <a:solidFill>
+              <a:srgbClr val="DCD2EA"/>
+            </a:solidFill>
+            <a:ln>
+              <a:noFill/>
+            </a:ln>
+          </p:spPr>
+          <p:style>
+            <a:lnRef idx="2">
+              <a:schemeClr val="accent1">
+                <a:shade val="50000"/>
+              </a:schemeClr>
+            </a:lnRef>
+            <a:fillRef idx="1">
+              <a:schemeClr val="accent1"/>
+            </a:fillRef>
+            <a:effectRef idx="0">
+              <a:schemeClr val="accent1"/>
+            </a:effectRef>
+            <a:fontRef idx="minor">
+              <a:schemeClr val="lt1"/>
+            </a:fontRef>
+          </p:style>
+          <p:txBody>
+            <a:bodyPr rtlCol="0" anchor="ctr"/>
+            <a:lstStyle/>
+            <a:p>
+              <a:pPr algn="ctr"/>
+              <a:endParaRPr lang="zh-TW" altLang="en-US"/>
+            </a:p>
+          </p:txBody>
+        </p:sp>
+        <p:sp>
+          <p:nvSpPr>
+            <p:cNvPr id="42" name="矩形: 圓角 41">
+              <a:extLst>
+                <a:ext uri="{FF2B5EF4-FFF2-40B4-BE49-F238E27FC236}">
+                  <a16:creationId xmlns:a16="http://schemas.microsoft.com/office/drawing/2014/main" id="{276E4AC7-A574-4101-8533-D2BA29C49662}"/>
+                </a:ext>
+              </a:extLst>
+            </p:cNvPr>
+            <p:cNvSpPr/>
+            <p:nvPr/>
+          </p:nvSpPr>
+          <p:spPr>
+            <a:xfrm rot="3860417" flipH="1">
+              <a:off x="2778404" y="2310799"/>
+              <a:ext cx="135357" cy="399886"/>
+            </a:xfrm>
+            <a:prstGeom prst="roundRect">
+              <a:avLst>
+                <a:gd name="adj" fmla="val 30556"/>
+              </a:avLst>
+            </a:prstGeom>
+            <a:solidFill>
+              <a:srgbClr val="DCD2EA"/>
+            </a:solidFill>
+            <a:ln>
+              <a:noFill/>
+            </a:ln>
+          </p:spPr>
+          <p:style>
+            <a:lnRef idx="2">
+              <a:schemeClr val="accent1">
+                <a:shade val="50000"/>
+              </a:schemeClr>
+            </a:lnRef>
+            <a:fillRef idx="1">
+              <a:schemeClr val="accent1"/>
+            </a:fillRef>
+            <a:effectRef idx="0">
+              <a:schemeClr val="accent1"/>
+            </a:effectRef>
+            <a:fontRef idx="minor">
+              <a:schemeClr val="lt1"/>
+            </a:fontRef>
+          </p:style>
+          <p:txBody>
+            <a:bodyPr rtlCol="0" anchor="ctr"/>
+            <a:lstStyle/>
+            <a:p>
+              <a:pPr algn="ctr"/>
+              <a:endParaRPr lang="zh-TW" altLang="en-US"/>
+            </a:p>
+          </p:txBody>
+        </p:sp>
+        <p:sp>
+          <p:nvSpPr>
+            <p:cNvPr id="43" name="矩形: 圓角 42">
+              <a:extLst>
+                <a:ext uri="{FF2B5EF4-FFF2-40B4-BE49-F238E27FC236}">
+                  <a16:creationId xmlns:a16="http://schemas.microsoft.com/office/drawing/2014/main" id="{1D02DC47-8752-44BA-85F3-5EF359709D9B}"/>
+                </a:ext>
+              </a:extLst>
+            </p:cNvPr>
+            <p:cNvSpPr/>
+            <p:nvPr/>
+          </p:nvSpPr>
+          <p:spPr>
+            <a:xfrm rot="2199336" flipH="1">
+              <a:off x="2991854" y="2230261"/>
+              <a:ext cx="125406" cy="265341"/>
+            </a:xfrm>
+            <a:prstGeom prst="roundRect">
+              <a:avLst>
+                <a:gd name="adj" fmla="val 30556"/>
+              </a:avLst>
+            </a:prstGeom>
+            <a:solidFill>
+              <a:srgbClr val="DCD2EA"/>
+            </a:solidFill>
+            <a:ln>
+              <a:noFill/>
+            </a:ln>
+          </p:spPr>
+          <p:style>
+            <a:lnRef idx="2">
+              <a:schemeClr val="accent1">
+                <a:shade val="50000"/>
+              </a:schemeClr>
+            </a:lnRef>
+            <a:fillRef idx="1">
+              <a:schemeClr val="accent1"/>
+            </a:fillRef>
+            <a:effectRef idx="0">
+              <a:schemeClr val="accent1"/>
+            </a:effectRef>
+            <a:fontRef idx="minor">
+              <a:schemeClr val="lt1"/>
+            </a:fontRef>
+          </p:style>
+          <p:txBody>
+            <a:bodyPr rtlCol="0" anchor="ctr"/>
+            <a:lstStyle/>
+            <a:p>
+              <a:pPr algn="ctr"/>
+              <a:endParaRPr lang="zh-TW" altLang="en-US"/>
+            </a:p>
+          </p:txBody>
+        </p:sp>
+        <p:sp>
+          <p:nvSpPr>
+            <p:cNvPr id="44" name="語音泡泡: 圓角矩形 43">
+              <a:extLst>
+                <a:ext uri="{FF2B5EF4-FFF2-40B4-BE49-F238E27FC236}">
+                  <a16:creationId xmlns:a16="http://schemas.microsoft.com/office/drawing/2014/main" id="{29732F06-8A46-4446-9D2A-4B8CDDAA4282}"/>
+                </a:ext>
+              </a:extLst>
+            </p:cNvPr>
+            <p:cNvSpPr/>
+            <p:nvPr/>
+          </p:nvSpPr>
+          <p:spPr>
+            <a:xfrm>
+              <a:off x="1539377" y="1082693"/>
+              <a:ext cx="996681" cy="469251"/>
+            </a:xfrm>
+            <a:custGeom>
+              <a:avLst/>
+              <a:gdLst>
+                <a:gd name="connsiteX0" fmla="*/ 0 w 1326582"/>
+                <a:gd name="connsiteY0" fmla="*/ 80537 h 483210"/>
+                <a:gd name="connsiteX1" fmla="*/ 80537 w 1326582"/>
+                <a:gd name="connsiteY1" fmla="*/ 0 h 483210"/>
+                <a:gd name="connsiteX2" fmla="*/ 221097 w 1326582"/>
+                <a:gd name="connsiteY2" fmla="*/ 0 h 483210"/>
+                <a:gd name="connsiteX3" fmla="*/ 221097 w 1326582"/>
+                <a:gd name="connsiteY3" fmla="*/ 0 h 483210"/>
+                <a:gd name="connsiteX4" fmla="*/ 552743 w 1326582"/>
+                <a:gd name="connsiteY4" fmla="*/ 0 h 483210"/>
+                <a:gd name="connsiteX5" fmla="*/ 1246045 w 1326582"/>
+                <a:gd name="connsiteY5" fmla="*/ 0 h 483210"/>
+                <a:gd name="connsiteX6" fmla="*/ 1326582 w 1326582"/>
+                <a:gd name="connsiteY6" fmla="*/ 80537 h 483210"/>
+                <a:gd name="connsiteX7" fmla="*/ 1326582 w 1326582"/>
+                <a:gd name="connsiteY7" fmla="*/ 281873 h 483210"/>
+                <a:gd name="connsiteX8" fmla="*/ 1326582 w 1326582"/>
+                <a:gd name="connsiteY8" fmla="*/ 281873 h 483210"/>
+                <a:gd name="connsiteX9" fmla="*/ 1326582 w 1326582"/>
+                <a:gd name="connsiteY9" fmla="*/ 402675 h 483210"/>
+                <a:gd name="connsiteX10" fmla="*/ 1326582 w 1326582"/>
+                <a:gd name="connsiteY10" fmla="*/ 402673 h 483210"/>
+                <a:gd name="connsiteX11" fmla="*/ 1246045 w 1326582"/>
+                <a:gd name="connsiteY11" fmla="*/ 483210 h 483210"/>
+                <a:gd name="connsiteX12" fmla="*/ 552743 w 1326582"/>
+                <a:gd name="connsiteY12" fmla="*/ 483210 h 483210"/>
+                <a:gd name="connsiteX13" fmla="*/ 215477 w 1326582"/>
+                <a:gd name="connsiteY13" fmla="*/ 624573 h 483210"/>
+                <a:gd name="connsiteX14" fmla="*/ 221097 w 1326582"/>
+                <a:gd name="connsiteY14" fmla="*/ 483210 h 483210"/>
+                <a:gd name="connsiteX15" fmla="*/ 80537 w 1326582"/>
+                <a:gd name="connsiteY15" fmla="*/ 483210 h 483210"/>
+                <a:gd name="connsiteX16" fmla="*/ 0 w 1326582"/>
+                <a:gd name="connsiteY16" fmla="*/ 402673 h 483210"/>
+                <a:gd name="connsiteX17" fmla="*/ 0 w 1326582"/>
+                <a:gd name="connsiteY17" fmla="*/ 402675 h 483210"/>
+                <a:gd name="connsiteX18" fmla="*/ 0 w 1326582"/>
+                <a:gd name="connsiteY18" fmla="*/ 281873 h 483210"/>
+                <a:gd name="connsiteX19" fmla="*/ 0 w 1326582"/>
+                <a:gd name="connsiteY19" fmla="*/ 281873 h 483210"/>
+                <a:gd name="connsiteX20" fmla="*/ 0 w 1326582"/>
+                <a:gd name="connsiteY20" fmla="*/ 80537 h 483210"/>
+                <a:gd name="connsiteX0" fmla="*/ 0 w 1326582"/>
+                <a:gd name="connsiteY0" fmla="*/ 80537 h 624573"/>
+                <a:gd name="connsiteX1" fmla="*/ 80537 w 1326582"/>
+                <a:gd name="connsiteY1" fmla="*/ 0 h 624573"/>
+                <a:gd name="connsiteX2" fmla="*/ 221097 w 1326582"/>
+                <a:gd name="connsiteY2" fmla="*/ 0 h 624573"/>
+                <a:gd name="connsiteX3" fmla="*/ 221097 w 1326582"/>
+                <a:gd name="connsiteY3" fmla="*/ 0 h 624573"/>
+                <a:gd name="connsiteX4" fmla="*/ 552743 w 1326582"/>
+                <a:gd name="connsiteY4" fmla="*/ 0 h 624573"/>
+                <a:gd name="connsiteX5" fmla="*/ 1246045 w 1326582"/>
+                <a:gd name="connsiteY5" fmla="*/ 0 h 624573"/>
+                <a:gd name="connsiteX6" fmla="*/ 1326582 w 1326582"/>
+                <a:gd name="connsiteY6" fmla="*/ 80537 h 624573"/>
+                <a:gd name="connsiteX7" fmla="*/ 1326582 w 1326582"/>
+                <a:gd name="connsiteY7" fmla="*/ 281873 h 624573"/>
+                <a:gd name="connsiteX8" fmla="*/ 1326582 w 1326582"/>
+                <a:gd name="connsiteY8" fmla="*/ 281873 h 624573"/>
+                <a:gd name="connsiteX9" fmla="*/ 1326582 w 1326582"/>
+                <a:gd name="connsiteY9" fmla="*/ 402675 h 624573"/>
+                <a:gd name="connsiteX10" fmla="*/ 1326582 w 1326582"/>
+                <a:gd name="connsiteY10" fmla="*/ 402673 h 624573"/>
+                <a:gd name="connsiteX11" fmla="*/ 1246045 w 1326582"/>
+                <a:gd name="connsiteY11" fmla="*/ 483210 h 624573"/>
+                <a:gd name="connsiteX12" fmla="*/ 338430 w 1326582"/>
+                <a:gd name="connsiteY12" fmla="*/ 487973 h 624573"/>
+                <a:gd name="connsiteX13" fmla="*/ 215477 w 1326582"/>
+                <a:gd name="connsiteY13" fmla="*/ 624573 h 624573"/>
+                <a:gd name="connsiteX14" fmla="*/ 221097 w 1326582"/>
+                <a:gd name="connsiteY14" fmla="*/ 483210 h 624573"/>
+                <a:gd name="connsiteX15" fmla="*/ 80537 w 1326582"/>
+                <a:gd name="connsiteY15" fmla="*/ 483210 h 624573"/>
+                <a:gd name="connsiteX16" fmla="*/ 0 w 1326582"/>
+                <a:gd name="connsiteY16" fmla="*/ 402673 h 624573"/>
+                <a:gd name="connsiteX17" fmla="*/ 0 w 1326582"/>
+                <a:gd name="connsiteY17" fmla="*/ 402675 h 624573"/>
+                <a:gd name="connsiteX18" fmla="*/ 0 w 1326582"/>
+                <a:gd name="connsiteY18" fmla="*/ 281873 h 624573"/>
+                <a:gd name="connsiteX19" fmla="*/ 0 w 1326582"/>
+                <a:gd name="connsiteY19" fmla="*/ 281873 h 624573"/>
+                <a:gd name="connsiteX20" fmla="*/ 0 w 1326582"/>
+                <a:gd name="connsiteY20" fmla="*/ 80537 h 624573"/>
+              </a:gdLst>
+              <a:ahLst/>
+              <a:cxnLst>
+                <a:cxn ang="0">
+                  <a:pos x="connsiteX0" y="connsiteY0"/>
+                </a:cxn>
+                <a:cxn ang="0">
+                  <a:pos x="connsiteX1" y="connsiteY1"/>
+                </a:cxn>
+                <a:cxn ang="0">
+                  <a:pos x="connsiteX2" y="connsiteY2"/>
+                </a:cxn>
+                <a:cxn ang="0">
+                  <a:pos x="connsiteX3" y="connsiteY3"/>
+                </a:cxn>
+                <a:cxn ang="0">
+                  <a:pos x="connsiteX4" y="connsiteY4"/>
+                </a:cxn>
+                <a:cxn ang="0">
+                  <a:pos x="connsiteX5" y="connsiteY5"/>
+                </a:cxn>
+                <a:cxn ang="0">
+                  <a:pos x="connsiteX6" y="connsiteY6"/>
+                </a:cxn>
+                <a:cxn ang="0">
+                  <a:pos x="connsiteX7" y="connsiteY7"/>
+                </a:cxn>
+                <a:cxn ang="0">
+                  <a:pos x="connsiteX8" y="connsiteY8"/>
+                </a:cxn>
+                <a:cxn ang="0">
+                  <a:pos x="connsiteX9" y="connsiteY9"/>
+                </a:cxn>
+                <a:cxn ang="0">
+                  <a:pos x="connsiteX10" y="connsiteY10"/>
+                </a:cxn>
+                <a:cxn ang="0">
+                  <a:pos x="connsiteX11" y="connsiteY11"/>
+                </a:cxn>
+                <a:cxn ang="0">
+                  <a:pos x="connsiteX12" y="connsiteY12"/>
+                </a:cxn>
+                <a:cxn ang="0">
+                  <a:pos x="connsiteX13" y="connsiteY13"/>
+                </a:cxn>
+                <a:cxn ang="0">
+                  <a:pos x="connsiteX14" y="connsiteY14"/>
+                </a:cxn>
+                <a:cxn ang="0">
+                  <a:pos x="connsiteX15" y="connsiteY15"/>
+                </a:cxn>
+                <a:cxn ang="0">
+                  <a:pos x="connsiteX16" y="connsiteY16"/>
+                </a:cxn>
+                <a:cxn ang="0">
+                  <a:pos x="connsiteX17" y="connsiteY17"/>
+                </a:cxn>
+                <a:cxn ang="0">
+                  <a:pos x="connsiteX18" y="connsiteY18"/>
+                </a:cxn>
+                <a:cxn ang="0">
+                  <a:pos x="connsiteX19" y="connsiteY19"/>
+                </a:cxn>
+                <a:cxn ang="0">
+                  <a:pos x="connsiteX20" y="connsiteY20"/>
+                </a:cxn>
+              </a:cxnLst>
+              <a:rect l="l" t="t" r="r" b="b"/>
+              <a:pathLst>
+                <a:path w="1326582" h="624573">
+                  <a:moveTo>
+                    <a:pt x="0" y="80537"/>
+                  </a:moveTo>
+                  <a:cubicBezTo>
+                    <a:pt x="0" y="36058"/>
+                    <a:pt x="36058" y="0"/>
+                    <a:pt x="80537" y="0"/>
+                  </a:cubicBezTo>
+                  <a:lnTo>
+                    <a:pt x="221097" y="0"/>
+                  </a:lnTo>
+                  <a:lnTo>
+                    <a:pt x="221097" y="0"/>
+                  </a:lnTo>
+                  <a:lnTo>
+                    <a:pt x="552743" y="0"/>
+                  </a:lnTo>
+                  <a:lnTo>
+                    <a:pt x="1246045" y="0"/>
+                  </a:lnTo>
+                  <a:cubicBezTo>
+                    <a:pt x="1290524" y="0"/>
+                    <a:pt x="1326582" y="36058"/>
+                    <a:pt x="1326582" y="80537"/>
+                  </a:cubicBezTo>
+                  <a:lnTo>
+                    <a:pt x="1326582" y="281873"/>
+                  </a:lnTo>
+                  <a:lnTo>
+                    <a:pt x="1326582" y="281873"/>
+                  </a:lnTo>
+                  <a:lnTo>
+                    <a:pt x="1326582" y="402675"/>
+                  </a:lnTo>
+                  <a:lnTo>
+                    <a:pt x="1326582" y="402673"/>
+                  </a:lnTo>
+                  <a:cubicBezTo>
+                    <a:pt x="1326582" y="447152"/>
+                    <a:pt x="1290524" y="483210"/>
+                    <a:pt x="1246045" y="483210"/>
+                  </a:cubicBezTo>
+                  <a:lnTo>
+                    <a:pt x="338430" y="487973"/>
+                  </a:lnTo>
+                  <a:lnTo>
+                    <a:pt x="215477" y="624573"/>
+                  </a:lnTo>
+                  <a:lnTo>
+                    <a:pt x="221097" y="483210"/>
+                  </a:lnTo>
+                  <a:lnTo>
+                    <a:pt x="80537" y="483210"/>
+                  </a:lnTo>
+                  <a:cubicBezTo>
+                    <a:pt x="36058" y="483210"/>
+                    <a:pt x="0" y="447152"/>
+                    <a:pt x="0" y="402673"/>
+                  </a:cubicBezTo>
+                  <a:lnTo>
+                    <a:pt x="0" y="402675"/>
+                  </a:lnTo>
+                  <a:lnTo>
+                    <a:pt x="0" y="281873"/>
+                  </a:lnTo>
+                  <a:lnTo>
+                    <a:pt x="0" y="281873"/>
+                  </a:lnTo>
+                  <a:lnTo>
+                    <a:pt x="0" y="80537"/>
+                  </a:lnTo>
+                  <a:close/>
+                </a:path>
+              </a:pathLst>
+            </a:custGeom>
+            <a:solidFill>
+              <a:srgbClr val="9575CD"/>
+            </a:solidFill>
+            <a:ln w="28575">
+              <a:solidFill>
+                <a:schemeClr val="bg1"/>
+              </a:solidFill>
+            </a:ln>
+          </p:spPr>
+          <p:style>
+            <a:lnRef idx="2">
+              <a:schemeClr val="accent1">
+                <a:shade val="50000"/>
+              </a:schemeClr>
+            </a:lnRef>
+            <a:fillRef idx="1">
+              <a:schemeClr val="accent1"/>
+            </a:fillRef>
+            <a:effectRef idx="0">
+              <a:schemeClr val="accent1"/>
+            </a:effectRef>
+            <a:fontRef idx="minor">
+              <a:schemeClr val="lt1"/>
+            </a:fontRef>
+          </p:style>
+          <p:txBody>
+            <a:bodyPr rtlCol="0" anchor="ctr"/>
+            <a:lstStyle/>
+            <a:p>
+              <a:pPr algn="ctr"/>
+              <a:endParaRPr lang="zh-TW" altLang="en-US"/>
+            </a:p>
+          </p:txBody>
+        </p:sp>
+      </p:grpSp>
+      <p:grpSp>
+        <p:nvGrpSpPr>
+          <p:cNvPr id="112" name="群組 111">
+            <a:extLst>
+              <a:ext uri="{FF2B5EF4-FFF2-40B4-BE49-F238E27FC236}">
+                <a16:creationId xmlns:a16="http://schemas.microsoft.com/office/drawing/2014/main" id="{3D9915E6-88F9-4532-82B6-A9BFDACB2075}"/>
+              </a:ext>
+            </a:extLst>
+          </p:cNvPr>
+          <p:cNvGrpSpPr/>
+          <p:nvPr/>
+        </p:nvGrpSpPr>
+        <p:grpSpPr>
+          <a:xfrm>
+            <a:off x="378491" y="3675261"/>
+            <a:ext cx="2637353" cy="2471941"/>
+            <a:chOff x="378491" y="3675261"/>
+            <a:chExt cx="2637353" cy="2471941"/>
+          </a:xfrm>
+        </p:grpSpPr>
+        <p:sp>
+          <p:nvSpPr>
+            <p:cNvPr id="92" name="手繪多邊形: 圖案 91">
+              <a:extLst>
+                <a:ext uri="{FF2B5EF4-FFF2-40B4-BE49-F238E27FC236}">
+                  <a16:creationId xmlns:a16="http://schemas.microsoft.com/office/drawing/2014/main" id="{F9034F6B-7FC1-4299-873D-F2E64BBF937E}"/>
+                </a:ext>
+              </a:extLst>
+            </p:cNvPr>
+            <p:cNvSpPr/>
+            <p:nvPr/>
+          </p:nvSpPr>
+          <p:spPr>
+            <a:xfrm>
+              <a:off x="2017122" y="5355285"/>
+              <a:ext cx="998722" cy="791917"/>
+            </a:xfrm>
+            <a:custGeom>
+              <a:avLst/>
+              <a:gdLst>
+                <a:gd name="connsiteX0" fmla="*/ 427143 w 998722"/>
+                <a:gd name="connsiteY0" fmla="*/ 167 h 791917"/>
+                <a:gd name="connsiteX1" fmla="*/ 442231 w 998722"/>
+                <a:gd name="connsiteY1" fmla="*/ 2164 h 791917"/>
+                <a:gd name="connsiteX2" fmla="*/ 609286 w 998722"/>
+                <a:gd name="connsiteY2" fmla="*/ 384769 h 791917"/>
+                <a:gd name="connsiteX3" fmla="*/ 625793 w 998722"/>
+                <a:gd name="connsiteY3" fmla="*/ 423965 h 791917"/>
+                <a:gd name="connsiteX4" fmla="*/ 627089 w 998722"/>
+                <a:gd name="connsiteY4" fmla="*/ 442630 h 791917"/>
+                <a:gd name="connsiteX5" fmla="*/ 649796 w 998722"/>
+                <a:gd name="connsiteY5" fmla="*/ 623824 h 791917"/>
+                <a:gd name="connsiteX6" fmla="*/ 664633 w 998722"/>
+                <a:gd name="connsiteY6" fmla="*/ 539804 h 791917"/>
+                <a:gd name="connsiteX7" fmla="*/ 667520 w 998722"/>
+                <a:gd name="connsiteY7" fmla="*/ 506205 h 791917"/>
+                <a:gd name="connsiteX8" fmla="*/ 673322 w 998722"/>
+                <a:gd name="connsiteY8" fmla="*/ 516426 h 791917"/>
+                <a:gd name="connsiteX9" fmla="*/ 998722 w 998722"/>
+                <a:gd name="connsiteY9" fmla="*/ 791917 h 791917"/>
+                <a:gd name="connsiteX10" fmla="*/ 0 w 998722"/>
+                <a:gd name="connsiteY10" fmla="*/ 436706 h 791917"/>
+                <a:gd name="connsiteX11" fmla="*/ 195411 w 998722"/>
+                <a:gd name="connsiteY11" fmla="*/ 336115 h 791917"/>
+                <a:gd name="connsiteX12" fmla="*/ 427143 w 998722"/>
+                <a:gd name="connsiteY12" fmla="*/ 167 h 791917"/>
+              </a:gdLst>
+              <a:ahLst/>
+              <a:cxnLst>
+                <a:cxn ang="0">
+                  <a:pos x="connsiteX0" y="connsiteY0"/>
+                </a:cxn>
+                <a:cxn ang="0">
+                  <a:pos x="connsiteX1" y="connsiteY1"/>
+                </a:cxn>
+                <a:cxn ang="0">
+                  <a:pos x="connsiteX2" y="connsiteY2"/>
+                </a:cxn>
+                <a:cxn ang="0">
+                  <a:pos x="connsiteX3" y="connsiteY3"/>
+                </a:cxn>
+                <a:cxn ang="0">
+                  <a:pos x="connsiteX4" y="connsiteY4"/>
+                </a:cxn>
+                <a:cxn ang="0">
+                  <a:pos x="connsiteX5" y="connsiteY5"/>
+                </a:cxn>
+                <a:cxn ang="0">
+                  <a:pos x="connsiteX6" y="connsiteY6"/>
+                </a:cxn>
+                <a:cxn ang="0">
+                  <a:pos x="connsiteX7" y="connsiteY7"/>
+                </a:cxn>
+                <a:cxn ang="0">
+                  <a:pos x="connsiteX8" y="connsiteY8"/>
+                </a:cxn>
+                <a:cxn ang="0">
+                  <a:pos x="connsiteX9" y="connsiteY9"/>
+                </a:cxn>
+                <a:cxn ang="0">
+                  <a:pos x="connsiteX10" y="connsiteY10"/>
+                </a:cxn>
+                <a:cxn ang="0">
+                  <a:pos x="connsiteX11" y="connsiteY11"/>
+                </a:cxn>
+                <a:cxn ang="0">
+                  <a:pos x="connsiteX12" y="connsiteY12"/>
+                </a:cxn>
+              </a:cxnLst>
+              <a:rect l="l" t="t" r="r" b="b"/>
+              <a:pathLst>
+                <a:path w="998722" h="791917">
+                  <a:moveTo>
+                    <a:pt x="427143" y="167"/>
+                  </a:moveTo>
+                  <a:cubicBezTo>
+                    <a:pt x="432220" y="-336"/>
+                    <a:pt x="437253" y="286"/>
+                    <a:pt x="442231" y="2164"/>
+                  </a:cubicBezTo>
+                  <a:cubicBezTo>
+                    <a:pt x="501970" y="24703"/>
+                    <a:pt x="549918" y="228667"/>
+                    <a:pt x="609286" y="384769"/>
+                  </a:cubicBezTo>
+                  <a:lnTo>
+                    <a:pt x="625793" y="423965"/>
+                  </a:lnTo>
+                  <a:lnTo>
+                    <a:pt x="627089" y="442630"/>
+                  </a:lnTo>
+                  <a:cubicBezTo>
+                    <a:pt x="634736" y="545587"/>
+                    <a:pt x="642548" y="624319"/>
+                    <a:pt x="649796" y="623824"/>
+                  </a:cubicBezTo>
+                  <a:cubicBezTo>
+                    <a:pt x="654628" y="623494"/>
+                    <a:pt x="659599" y="590756"/>
+                    <a:pt x="664633" y="539804"/>
+                  </a:cubicBezTo>
+                  <a:lnTo>
+                    <a:pt x="667520" y="506205"/>
+                  </a:lnTo>
+                  <a:lnTo>
+                    <a:pt x="673322" y="516426"/>
+                  </a:lnTo>
+                  <a:cubicBezTo>
+                    <a:pt x="766070" y="648052"/>
+                    <a:pt x="832387" y="727659"/>
+                    <a:pt x="998722" y="791917"/>
+                  </a:cubicBezTo>
+                  <a:lnTo>
+                    <a:pt x="0" y="436706"/>
+                  </a:lnTo>
+                  <a:cubicBezTo>
+                    <a:pt x="68985" y="434850"/>
+                    <a:pt x="121706" y="408539"/>
+                    <a:pt x="195411" y="336115"/>
+                  </a:cubicBezTo>
+                  <a:cubicBezTo>
+                    <a:pt x="264510" y="268218"/>
+                    <a:pt x="350973" y="7704"/>
+                    <a:pt x="427143" y="167"/>
+                  </a:cubicBezTo>
+                  <a:close/>
+                </a:path>
+              </a:pathLst>
+            </a:custGeom>
+            <a:solidFill>
+              <a:srgbClr val="DCD2EA"/>
+            </a:solidFill>
+            <a:ln w="12700">
+              <a:solidFill>
+                <a:schemeClr val="bg1"/>
+              </a:solidFill>
+            </a:ln>
+          </p:spPr>
+          <p:style>
+            <a:lnRef idx="2">
+              <a:schemeClr val="accent1">
+                <a:shade val="50000"/>
+              </a:schemeClr>
+            </a:lnRef>
+            <a:fillRef idx="1">
+              <a:schemeClr val="accent1"/>
+            </a:fillRef>
+            <a:effectRef idx="0">
+              <a:schemeClr val="accent1"/>
+            </a:effectRef>
+            <a:fontRef idx="minor">
+              <a:schemeClr val="lt1"/>
+            </a:fontRef>
+          </p:style>
+          <p:txBody>
+            <a:bodyPr rtlCol="0" anchor="ctr"/>
+            <a:lstStyle/>
+            <a:p>
+              <a:pPr algn="ctr"/>
+              <a:endParaRPr lang="zh-TW" altLang="en-US"/>
+            </a:p>
+          </p:txBody>
+        </p:sp>
+        <p:sp>
+          <p:nvSpPr>
+            <p:cNvPr id="91" name="手繪多邊形: 圖案 90">
+              <a:extLst>
+                <a:ext uri="{FF2B5EF4-FFF2-40B4-BE49-F238E27FC236}">
+                  <a16:creationId xmlns:a16="http://schemas.microsoft.com/office/drawing/2014/main" id="{507404FC-0598-4EE6-969A-CA2B773600A3}"/>
+                </a:ext>
+              </a:extLst>
+            </p:cNvPr>
+            <p:cNvSpPr/>
+            <p:nvPr/>
+          </p:nvSpPr>
+          <p:spPr>
+            <a:xfrm>
+              <a:off x="1534769" y="5355285"/>
+              <a:ext cx="998722" cy="791917"/>
+            </a:xfrm>
+            <a:custGeom>
+              <a:avLst/>
+              <a:gdLst>
+                <a:gd name="connsiteX0" fmla="*/ 427143 w 998722"/>
+                <a:gd name="connsiteY0" fmla="*/ 167 h 791917"/>
+                <a:gd name="connsiteX1" fmla="*/ 442231 w 998722"/>
+                <a:gd name="connsiteY1" fmla="*/ 2164 h 791917"/>
+                <a:gd name="connsiteX2" fmla="*/ 456933 w 998722"/>
+                <a:gd name="connsiteY2" fmla="*/ 11446 h 791917"/>
+                <a:gd name="connsiteX3" fmla="*/ 468344 w 998722"/>
+                <a:gd name="connsiteY3" fmla="*/ 24257 h 791917"/>
+                <a:gd name="connsiteX4" fmla="*/ 471017 w 998722"/>
+                <a:gd name="connsiteY4" fmla="*/ 39088 h 791917"/>
+                <a:gd name="connsiteX5" fmla="*/ 544714 w 998722"/>
+                <a:gd name="connsiteY5" fmla="*/ 387249 h 791917"/>
+                <a:gd name="connsiteX6" fmla="*/ 569326 w 998722"/>
+                <a:gd name="connsiteY6" fmla="*/ 329635 h 791917"/>
+                <a:gd name="connsiteX7" fmla="*/ 576903 w 998722"/>
+                <a:gd name="connsiteY7" fmla="*/ 293183 h 791917"/>
+                <a:gd name="connsiteX8" fmla="*/ 580446 w 998722"/>
+                <a:gd name="connsiteY8" fmla="*/ 303791 h 791917"/>
+                <a:gd name="connsiteX9" fmla="*/ 673322 w 998722"/>
+                <a:gd name="connsiteY9" fmla="*/ 516426 h 791917"/>
+                <a:gd name="connsiteX10" fmla="*/ 998722 w 998722"/>
+                <a:gd name="connsiteY10" fmla="*/ 791917 h 791917"/>
+                <a:gd name="connsiteX11" fmla="*/ 0 w 998722"/>
+                <a:gd name="connsiteY11" fmla="*/ 436706 h 791917"/>
+                <a:gd name="connsiteX12" fmla="*/ 195411 w 998722"/>
+                <a:gd name="connsiteY12" fmla="*/ 336115 h 791917"/>
+                <a:gd name="connsiteX13" fmla="*/ 427143 w 998722"/>
+                <a:gd name="connsiteY13" fmla="*/ 167 h 791917"/>
+              </a:gdLst>
+              <a:ahLst/>
+              <a:cxnLst>
+                <a:cxn ang="0">
+                  <a:pos x="connsiteX0" y="connsiteY0"/>
+                </a:cxn>
+                <a:cxn ang="0">
+                  <a:pos x="connsiteX1" y="connsiteY1"/>
+                </a:cxn>
+                <a:cxn ang="0">
+                  <a:pos x="connsiteX2" y="connsiteY2"/>
+                </a:cxn>
+                <a:cxn ang="0">
+                  <a:pos x="connsiteX3" y="connsiteY3"/>
+                </a:cxn>
+                <a:cxn ang="0">
+                  <a:pos x="connsiteX4" y="connsiteY4"/>
+                </a:cxn>
+                <a:cxn ang="0">
+                  <a:pos x="connsiteX5" y="connsiteY5"/>
+                </a:cxn>
+                <a:cxn ang="0">
+                  <a:pos x="connsiteX6" y="connsiteY6"/>
+                </a:cxn>
+                <a:cxn ang="0">
+                  <a:pos x="connsiteX7" y="connsiteY7"/>
+                </a:cxn>
+                <a:cxn ang="0">
+                  <a:pos x="connsiteX8" y="connsiteY8"/>
+                </a:cxn>
+                <a:cxn ang="0">
+                  <a:pos x="connsiteX9" y="connsiteY9"/>
+                </a:cxn>
+                <a:cxn ang="0">
+                  <a:pos x="connsiteX10" y="connsiteY10"/>
+                </a:cxn>
+                <a:cxn ang="0">
+                  <a:pos x="connsiteX11" y="connsiteY11"/>
+                </a:cxn>
+                <a:cxn ang="0">
+                  <a:pos x="connsiteX12" y="connsiteY12"/>
+                </a:cxn>
+                <a:cxn ang="0">
+                  <a:pos x="connsiteX13" y="connsiteY13"/>
+                </a:cxn>
+              </a:cxnLst>
+              <a:rect l="l" t="t" r="r" b="b"/>
+              <a:pathLst>
+                <a:path w="998722" h="791917">
+                  <a:moveTo>
+                    <a:pt x="427143" y="167"/>
+                  </a:moveTo>
+                  <a:cubicBezTo>
+                    <a:pt x="432220" y="-336"/>
+                    <a:pt x="437253" y="286"/>
+                    <a:pt x="442231" y="2164"/>
+                  </a:cubicBezTo>
+                  <a:cubicBezTo>
+                    <a:pt x="447209" y="4043"/>
+                    <a:pt x="452105" y="7181"/>
+                    <a:pt x="456933" y="11446"/>
+                  </a:cubicBezTo>
+                  <a:lnTo>
+                    <a:pt x="468344" y="24257"/>
+                  </a:lnTo>
+                  <a:lnTo>
+                    <a:pt x="471017" y="39088"/>
+                  </a:lnTo>
+                  <a:cubicBezTo>
+                    <a:pt x="492877" y="171300"/>
+                    <a:pt x="520669" y="387927"/>
+                    <a:pt x="544714" y="387249"/>
+                  </a:cubicBezTo>
+                  <a:cubicBezTo>
+                    <a:pt x="552729" y="387023"/>
+                    <a:pt x="560976" y="364574"/>
+                    <a:pt x="569326" y="329635"/>
+                  </a:cubicBezTo>
+                  <a:lnTo>
+                    <a:pt x="576903" y="293183"/>
+                  </a:lnTo>
+                  <a:lnTo>
+                    <a:pt x="580446" y="303791"/>
+                  </a:lnTo>
+                  <a:cubicBezTo>
+                    <a:pt x="608550" y="386635"/>
+                    <a:pt x="638541" y="467067"/>
+                    <a:pt x="673322" y="516426"/>
+                  </a:cubicBezTo>
+                  <a:cubicBezTo>
+                    <a:pt x="766070" y="648052"/>
+                    <a:pt x="832387" y="727659"/>
+                    <a:pt x="998722" y="791917"/>
+                  </a:cubicBezTo>
+                  <a:lnTo>
+                    <a:pt x="0" y="436706"/>
+                  </a:lnTo>
+                  <a:cubicBezTo>
+                    <a:pt x="68985" y="434850"/>
+                    <a:pt x="121706" y="408539"/>
+                    <a:pt x="195411" y="336115"/>
+                  </a:cubicBezTo>
+                  <a:cubicBezTo>
+                    <a:pt x="264510" y="268218"/>
+                    <a:pt x="350973" y="7704"/>
+                    <a:pt x="427143" y="167"/>
+                  </a:cubicBezTo>
+                  <a:close/>
+                </a:path>
+              </a:pathLst>
+            </a:custGeom>
+            <a:solidFill>
+              <a:srgbClr val="DCD2EA"/>
+            </a:solidFill>
+            <a:ln w="12700">
+              <a:solidFill>
+                <a:schemeClr val="bg1"/>
+              </a:solidFill>
+            </a:ln>
+          </p:spPr>
+          <p:style>
+            <a:lnRef idx="2">
+              <a:schemeClr val="accent1">
+                <a:shade val="50000"/>
+              </a:schemeClr>
+            </a:lnRef>
+            <a:fillRef idx="1">
+              <a:schemeClr val="accent1"/>
+            </a:fillRef>
+            <a:effectRef idx="0">
+              <a:schemeClr val="accent1"/>
+            </a:effectRef>
+            <a:fontRef idx="minor">
+              <a:schemeClr val="lt1"/>
+            </a:fontRef>
+          </p:style>
+          <p:txBody>
+            <a:bodyPr rtlCol="0" anchor="ctr"/>
+            <a:lstStyle/>
+            <a:p>
+              <a:pPr algn="ctr"/>
+              <a:endParaRPr lang="zh-TW" altLang="en-US"/>
+            </a:p>
+          </p:txBody>
+        </p:sp>
+        <p:sp>
+          <p:nvSpPr>
+            <p:cNvPr id="90" name="手繪多邊形: 圖案 89">
+              <a:extLst>
+                <a:ext uri="{FF2B5EF4-FFF2-40B4-BE49-F238E27FC236}">
+                  <a16:creationId xmlns:a16="http://schemas.microsoft.com/office/drawing/2014/main" id="{BC8EBADA-835E-4365-80DB-B0E4D8CBC4AC}"/>
+                </a:ext>
+              </a:extLst>
+            </p:cNvPr>
+            <p:cNvSpPr/>
+            <p:nvPr/>
+          </p:nvSpPr>
+          <p:spPr>
+            <a:xfrm>
+              <a:off x="994151" y="5355285"/>
+              <a:ext cx="998722" cy="791917"/>
+            </a:xfrm>
+            <a:custGeom>
+              <a:avLst/>
+              <a:gdLst>
+                <a:gd name="connsiteX0" fmla="*/ 442231 w 998722"/>
+                <a:gd name="connsiteY0" fmla="*/ 2164 h 791917"/>
+                <a:gd name="connsiteX1" fmla="*/ 673322 w 998722"/>
+                <a:gd name="connsiteY1" fmla="*/ 516426 h 791917"/>
+                <a:gd name="connsiteX2" fmla="*/ 998722 w 998722"/>
+                <a:gd name="connsiteY2" fmla="*/ 791917 h 791917"/>
+                <a:gd name="connsiteX3" fmla="*/ 0 w 998722"/>
+                <a:gd name="connsiteY3" fmla="*/ 436706 h 791917"/>
+                <a:gd name="connsiteX4" fmla="*/ 195411 w 998722"/>
+                <a:gd name="connsiteY4" fmla="*/ 336115 h 791917"/>
+                <a:gd name="connsiteX5" fmla="*/ 316591 w 998722"/>
+                <a:gd name="connsiteY5" fmla="*/ 130712 h 791917"/>
+                <a:gd name="connsiteX6" fmla="*/ 318841 w 998722"/>
+                <a:gd name="connsiteY6" fmla="*/ 126829 h 791917"/>
+                <a:gd name="connsiteX7" fmla="*/ 327756 w 998722"/>
+                <a:gd name="connsiteY7" fmla="*/ 171409 h 791917"/>
+                <a:gd name="connsiteX8" fmla="*/ 352692 w 998722"/>
+                <a:gd name="connsiteY8" fmla="*/ 231991 h 791917"/>
+                <a:gd name="connsiteX9" fmla="*/ 402541 w 998722"/>
+                <a:gd name="connsiteY9" fmla="*/ 41827 h 791917"/>
+                <a:gd name="connsiteX10" fmla="*/ 408147 w 998722"/>
+                <a:gd name="connsiteY10" fmla="*/ 7994 h 791917"/>
+                <a:gd name="connsiteX11" fmla="*/ 411780 w 998722"/>
+                <a:gd name="connsiteY11" fmla="*/ 4915 h 791917"/>
+                <a:gd name="connsiteX12" fmla="*/ 442231 w 998722"/>
+                <a:gd name="connsiteY12" fmla="*/ 2164 h 791917"/>
+              </a:gdLst>
+              <a:ahLst/>
+              <a:cxnLst>
+                <a:cxn ang="0">
+                  <a:pos x="connsiteX0" y="connsiteY0"/>
+                </a:cxn>
+                <a:cxn ang="0">
+                  <a:pos x="connsiteX1" y="connsiteY1"/>
+                </a:cxn>
+                <a:cxn ang="0">
+                  <a:pos x="connsiteX2" y="connsiteY2"/>
+                </a:cxn>
+                <a:cxn ang="0">
+                  <a:pos x="connsiteX3" y="connsiteY3"/>
+                </a:cxn>
+                <a:cxn ang="0">
+                  <a:pos x="connsiteX4" y="connsiteY4"/>
+                </a:cxn>
+                <a:cxn ang="0">
+                  <a:pos x="connsiteX5" y="connsiteY5"/>
+                </a:cxn>
+                <a:cxn ang="0">
+                  <a:pos x="connsiteX6" y="connsiteY6"/>
+                </a:cxn>
+                <a:cxn ang="0">
+                  <a:pos x="connsiteX7" y="connsiteY7"/>
+                </a:cxn>
+                <a:cxn ang="0">
+                  <a:pos x="connsiteX8" y="connsiteY8"/>
+                </a:cxn>
+                <a:cxn ang="0">
+                  <a:pos x="connsiteX9" y="connsiteY9"/>
+                </a:cxn>
+                <a:cxn ang="0">
+                  <a:pos x="connsiteX10" y="connsiteY10"/>
+                </a:cxn>
+                <a:cxn ang="0">
+                  <a:pos x="connsiteX11" y="connsiteY11"/>
+                </a:cxn>
+                <a:cxn ang="0">
+                  <a:pos x="connsiteX12" y="connsiteY12"/>
+                </a:cxn>
+              </a:cxnLst>
+              <a:rect l="l" t="t" r="r" b="b"/>
+              <a:pathLst>
+                <a:path w="998722" h="791917">
+                  <a:moveTo>
+                    <a:pt x="442231" y="2164"/>
+                  </a:moveTo>
+                  <a:cubicBezTo>
+                    <a:pt x="521883" y="32216"/>
+                    <a:pt x="580573" y="384801"/>
+                    <a:pt x="673322" y="516426"/>
+                  </a:cubicBezTo>
+                  <a:cubicBezTo>
+                    <a:pt x="766070" y="648052"/>
+                    <a:pt x="832387" y="727659"/>
+                    <a:pt x="998722" y="791917"/>
+                  </a:cubicBezTo>
+                  <a:lnTo>
+                    <a:pt x="0" y="436706"/>
+                  </a:lnTo>
+                  <a:cubicBezTo>
+                    <a:pt x="68985" y="434850"/>
+                    <a:pt x="121706" y="408539"/>
+                    <a:pt x="195411" y="336115"/>
+                  </a:cubicBezTo>
+                  <a:cubicBezTo>
+                    <a:pt x="232264" y="299904"/>
+                    <a:pt x="274056" y="208903"/>
+                    <a:pt x="316591" y="130712"/>
+                  </a:cubicBezTo>
+                  <a:lnTo>
+                    <a:pt x="318841" y="126829"/>
+                  </a:lnTo>
+                  <a:lnTo>
+                    <a:pt x="327756" y="171409"/>
+                  </a:lnTo>
+                  <a:cubicBezTo>
+                    <a:pt x="336246" y="208298"/>
+                    <a:pt x="344677" y="232217"/>
+                    <a:pt x="352692" y="231991"/>
+                  </a:cubicBezTo>
+                  <a:cubicBezTo>
+                    <a:pt x="368723" y="231538"/>
+                    <a:pt x="385678" y="142196"/>
+                    <a:pt x="402541" y="41827"/>
+                  </a:cubicBezTo>
+                  <a:lnTo>
+                    <a:pt x="408147" y="7994"/>
+                  </a:lnTo>
+                  <a:lnTo>
+                    <a:pt x="411780" y="4915"/>
+                  </a:lnTo>
+                  <a:cubicBezTo>
+                    <a:pt x="422102" y="-324"/>
+                    <a:pt x="432274" y="-1593"/>
+                    <a:pt x="442231" y="2164"/>
+                  </a:cubicBezTo>
+                  <a:close/>
+                </a:path>
+              </a:pathLst>
+            </a:custGeom>
+            <a:solidFill>
+              <a:srgbClr val="DCD2EA"/>
+            </a:solidFill>
+            <a:ln w="12700">
+              <a:solidFill>
+                <a:schemeClr val="bg1"/>
+              </a:solidFill>
+            </a:ln>
+          </p:spPr>
+          <p:style>
+            <a:lnRef idx="2">
+              <a:schemeClr val="accent1">
+                <a:shade val="50000"/>
+              </a:schemeClr>
+            </a:lnRef>
+            <a:fillRef idx="1">
+              <a:schemeClr val="accent1"/>
+            </a:fillRef>
+            <a:effectRef idx="0">
+              <a:schemeClr val="accent1"/>
+            </a:effectRef>
+            <a:fontRef idx="minor">
+              <a:schemeClr val="lt1"/>
+            </a:fontRef>
+          </p:style>
+          <p:txBody>
+            <a:bodyPr rtlCol="0" anchor="ctr"/>
+            <a:lstStyle/>
+            <a:p>
+              <a:pPr algn="ctr"/>
+              <a:endParaRPr lang="zh-TW" altLang="en-US"/>
+            </a:p>
+          </p:txBody>
+        </p:sp>
+        <p:cxnSp>
+          <p:nvCxnSpPr>
+            <p:cNvPr id="57" name="直線單箭頭接點 56">
+              <a:extLst>
+                <a:ext uri="{FF2B5EF4-FFF2-40B4-BE49-F238E27FC236}">
+                  <a16:creationId xmlns:a16="http://schemas.microsoft.com/office/drawing/2014/main" id="{4F8D310E-5A4E-4619-BE42-B4581BB92B51}"/>
+                </a:ext>
+              </a:extLst>
+            </p:cNvPr>
+            <p:cNvCxnSpPr>
+              <a:cxnSpLocks/>
+            </p:cNvCxnSpPr>
+            <p:nvPr/>
+          </p:nvCxnSpPr>
+          <p:spPr>
+            <a:xfrm flipV="1">
+              <a:off x="478223" y="4539321"/>
+              <a:ext cx="2403083" cy="1"/>
+            </a:xfrm>
+            <a:prstGeom prst="straightConnector1">
+              <a:avLst/>
+            </a:prstGeom>
+            <a:ln w="38100">
+              <a:solidFill>
+                <a:srgbClr val="9575CD"/>
+              </a:solidFill>
+              <a:tailEnd type="triangle"/>
+            </a:ln>
+          </p:spPr>
+          <p:style>
+            <a:lnRef idx="1">
+              <a:schemeClr val="accent1"/>
+            </a:lnRef>
+            <a:fillRef idx="0">
+              <a:schemeClr val="accent1"/>
+            </a:fillRef>
+            <a:effectRef idx="0">
+              <a:schemeClr val="accent1"/>
+            </a:effectRef>
+            <a:fontRef idx="minor">
+              <a:schemeClr val="tx1"/>
+            </a:fontRef>
+          </p:style>
+        </p:cxnSp>
+        <p:sp>
+          <p:nvSpPr>
+            <p:cNvPr id="49" name="手繪多邊形: 圖案 48">
+              <a:extLst>
+                <a:ext uri="{FF2B5EF4-FFF2-40B4-BE49-F238E27FC236}">
+                  <a16:creationId xmlns:a16="http://schemas.microsoft.com/office/drawing/2014/main" id="{28704650-7584-428E-849F-F5C7D0B21FB2}"/>
+                </a:ext>
+              </a:extLst>
+            </p:cNvPr>
+            <p:cNvSpPr/>
+            <p:nvPr/>
+          </p:nvSpPr>
+          <p:spPr>
+            <a:xfrm rot="20017632">
+              <a:off x="1544806" y="3848788"/>
+              <a:ext cx="186918" cy="364099"/>
+            </a:xfrm>
+            <a:custGeom>
+              <a:avLst/>
+              <a:gdLst>
+                <a:gd name="connsiteX0" fmla="*/ 0 w 4933950"/>
+                <a:gd name="connsiteY0" fmla="*/ 3753009 h 3878035"/>
+                <a:gd name="connsiteX1" fmla="*/ 1085850 w 4933950"/>
+                <a:gd name="connsiteY1" fmla="*/ 3257709 h 3878035"/>
+                <a:gd name="connsiteX2" fmla="*/ 2400300 w 4933950"/>
+                <a:gd name="connsiteY2" fmla="*/ 159 h 3878035"/>
+                <a:gd name="connsiteX3" fmla="*/ 3848100 w 4933950"/>
+                <a:gd name="connsiteY3" fmla="*/ 3400584 h 3878035"/>
+                <a:gd name="connsiteX4" fmla="*/ 4933950 w 4933950"/>
+                <a:gd name="connsiteY4" fmla="*/ 3772059 h 3878035"/>
+                <a:gd name="connsiteX0" fmla="*/ 0 w 4933950"/>
+                <a:gd name="connsiteY0" fmla="*/ 3753009 h 3878035"/>
+                <a:gd name="connsiteX1" fmla="*/ 1085850 w 4933950"/>
+                <a:gd name="connsiteY1" fmla="*/ 3257709 h 3878035"/>
+                <a:gd name="connsiteX2" fmla="*/ 2400300 w 4933950"/>
+                <a:gd name="connsiteY2" fmla="*/ 159 h 3878035"/>
+                <a:gd name="connsiteX3" fmla="*/ 3848100 w 4933950"/>
+                <a:gd name="connsiteY3" fmla="*/ 3400584 h 3878035"/>
+                <a:gd name="connsiteX4" fmla="*/ 4933950 w 4933950"/>
+                <a:gd name="connsiteY4" fmla="*/ 3772059 h 3878035"/>
+                <a:gd name="connsiteX0" fmla="*/ 0 w 4933950"/>
+                <a:gd name="connsiteY0" fmla="*/ 3753423 h 3878449"/>
+                <a:gd name="connsiteX1" fmla="*/ 1143000 w 4933950"/>
+                <a:gd name="connsiteY1" fmla="*/ 3134298 h 3878449"/>
+                <a:gd name="connsiteX2" fmla="*/ 2400300 w 4933950"/>
+                <a:gd name="connsiteY2" fmla="*/ 573 h 3878449"/>
+                <a:gd name="connsiteX3" fmla="*/ 3848100 w 4933950"/>
+                <a:gd name="connsiteY3" fmla="*/ 3400998 h 3878449"/>
+                <a:gd name="connsiteX4" fmla="*/ 4933950 w 4933950"/>
+                <a:gd name="connsiteY4" fmla="*/ 3772473 h 3878449"/>
+                <a:gd name="connsiteX0" fmla="*/ 0 w 4933950"/>
+                <a:gd name="connsiteY0" fmla="*/ 3752863 h 3877889"/>
+                <a:gd name="connsiteX1" fmla="*/ 1143000 w 4933950"/>
+                <a:gd name="connsiteY1" fmla="*/ 3133738 h 3877889"/>
+                <a:gd name="connsiteX2" fmla="*/ 2400300 w 4933950"/>
+                <a:gd name="connsiteY2" fmla="*/ 13 h 3877889"/>
+                <a:gd name="connsiteX3" fmla="*/ 3848100 w 4933950"/>
+                <a:gd name="connsiteY3" fmla="*/ 3400438 h 3877889"/>
+                <a:gd name="connsiteX4" fmla="*/ 4933950 w 4933950"/>
+                <a:gd name="connsiteY4" fmla="*/ 3771913 h 3877889"/>
+                <a:gd name="connsiteX0" fmla="*/ 0 w 4933950"/>
+                <a:gd name="connsiteY0" fmla="*/ 3752863 h 3877889"/>
+                <a:gd name="connsiteX1" fmla="*/ 1143000 w 4933950"/>
+                <a:gd name="connsiteY1" fmla="*/ 3133738 h 3877889"/>
+                <a:gd name="connsiteX2" fmla="*/ 2438400 w 4933950"/>
+                <a:gd name="connsiteY2" fmla="*/ 13 h 3877889"/>
+                <a:gd name="connsiteX3" fmla="*/ 3848100 w 4933950"/>
+                <a:gd name="connsiteY3" fmla="*/ 3400438 h 3877889"/>
+                <a:gd name="connsiteX4" fmla="*/ 4933950 w 4933950"/>
+                <a:gd name="connsiteY4" fmla="*/ 3771913 h 3877889"/>
+                <a:gd name="connsiteX0" fmla="*/ 0 w 4933950"/>
+                <a:gd name="connsiteY0" fmla="*/ 3752863 h 3826215"/>
+                <a:gd name="connsiteX1" fmla="*/ 1143000 w 4933950"/>
+                <a:gd name="connsiteY1" fmla="*/ 3133738 h 3826215"/>
+                <a:gd name="connsiteX2" fmla="*/ 2438400 w 4933950"/>
+                <a:gd name="connsiteY2" fmla="*/ 13 h 3826215"/>
+                <a:gd name="connsiteX3" fmla="*/ 3848100 w 4933950"/>
+                <a:gd name="connsiteY3" fmla="*/ 3400438 h 3826215"/>
+                <a:gd name="connsiteX4" fmla="*/ 4933950 w 4933950"/>
+                <a:gd name="connsiteY4" fmla="*/ 3771913 h 3826215"/>
+                <a:gd name="connsiteX0" fmla="*/ 0 w 4933950"/>
+                <a:gd name="connsiteY0" fmla="*/ 3752868 h 3801392"/>
+                <a:gd name="connsiteX1" fmla="*/ 1143000 w 4933950"/>
+                <a:gd name="connsiteY1" fmla="*/ 3133743 h 3801392"/>
+                <a:gd name="connsiteX2" fmla="*/ 2438400 w 4933950"/>
+                <a:gd name="connsiteY2" fmla="*/ 18 h 3801392"/>
+                <a:gd name="connsiteX3" fmla="*/ 3705225 w 4933950"/>
+                <a:gd name="connsiteY3" fmla="*/ 3181368 h 3801392"/>
+                <a:gd name="connsiteX4" fmla="*/ 4933950 w 4933950"/>
+                <a:gd name="connsiteY4" fmla="*/ 3771918 h 3801392"/>
+                <a:gd name="connsiteX0" fmla="*/ 0 w 4933950"/>
+                <a:gd name="connsiteY0" fmla="*/ 3752868 h 3771918"/>
+                <a:gd name="connsiteX1" fmla="*/ 1143000 w 4933950"/>
+                <a:gd name="connsiteY1" fmla="*/ 3133743 h 3771918"/>
+                <a:gd name="connsiteX2" fmla="*/ 2438400 w 4933950"/>
+                <a:gd name="connsiteY2" fmla="*/ 18 h 3771918"/>
+                <a:gd name="connsiteX3" fmla="*/ 3705225 w 4933950"/>
+                <a:gd name="connsiteY3" fmla="*/ 3181368 h 3771918"/>
+                <a:gd name="connsiteX4" fmla="*/ 4933950 w 4933950"/>
+                <a:gd name="connsiteY4" fmla="*/ 3771918 h 3771918"/>
+                <a:gd name="connsiteX0" fmla="*/ 0 w 4895850"/>
+                <a:gd name="connsiteY0" fmla="*/ 3752868 h 3752868"/>
+                <a:gd name="connsiteX1" fmla="*/ 1143000 w 4895850"/>
+                <a:gd name="connsiteY1" fmla="*/ 3133743 h 3752868"/>
+                <a:gd name="connsiteX2" fmla="*/ 2438400 w 4895850"/>
+                <a:gd name="connsiteY2" fmla="*/ 18 h 3752868"/>
+                <a:gd name="connsiteX3" fmla="*/ 3705225 w 4895850"/>
+                <a:gd name="connsiteY3" fmla="*/ 3181368 h 3752868"/>
+                <a:gd name="connsiteX4" fmla="*/ 4895850 w 4895850"/>
+                <a:gd name="connsiteY4" fmla="*/ 3752868 h 3752868"/>
+                <a:gd name="connsiteX0" fmla="*/ 0 w 4895850"/>
+                <a:gd name="connsiteY0" fmla="*/ 3752868 h 3752868"/>
+                <a:gd name="connsiteX1" fmla="*/ 1143000 w 4895850"/>
+                <a:gd name="connsiteY1" fmla="*/ 3133743 h 3752868"/>
+                <a:gd name="connsiteX2" fmla="*/ 2438400 w 4895850"/>
+                <a:gd name="connsiteY2" fmla="*/ 18 h 3752868"/>
+                <a:gd name="connsiteX3" fmla="*/ 3705225 w 4895850"/>
+                <a:gd name="connsiteY3" fmla="*/ 3181368 h 3752868"/>
+                <a:gd name="connsiteX4" fmla="*/ 4895850 w 4895850"/>
+                <a:gd name="connsiteY4" fmla="*/ 3752868 h 3752868"/>
+                <a:gd name="connsiteX0" fmla="*/ 0 w 4895850"/>
+                <a:gd name="connsiteY0" fmla="*/ 3752854 h 3752854"/>
+                <a:gd name="connsiteX1" fmla="*/ 1143000 w 4895850"/>
+                <a:gd name="connsiteY1" fmla="*/ 3133729 h 3752854"/>
+                <a:gd name="connsiteX2" fmla="*/ 2438400 w 4895850"/>
+                <a:gd name="connsiteY2" fmla="*/ 4 h 3752854"/>
+                <a:gd name="connsiteX3" fmla="*/ 3676650 w 4895850"/>
+                <a:gd name="connsiteY3" fmla="*/ 3114679 h 3752854"/>
+                <a:gd name="connsiteX4" fmla="*/ 4895850 w 4895850"/>
+                <a:gd name="connsiteY4" fmla="*/ 3752854 h 3752854"/>
+                <a:gd name="connsiteX0" fmla="*/ 0 w 4895850"/>
+                <a:gd name="connsiteY0" fmla="*/ 3762378 h 3762378"/>
+                <a:gd name="connsiteX1" fmla="*/ 1143000 w 4895850"/>
+                <a:gd name="connsiteY1" fmla="*/ 3143253 h 3762378"/>
+                <a:gd name="connsiteX2" fmla="*/ 2400300 w 4895850"/>
+                <a:gd name="connsiteY2" fmla="*/ 3 h 3762378"/>
+                <a:gd name="connsiteX3" fmla="*/ 3676650 w 4895850"/>
+                <a:gd name="connsiteY3" fmla="*/ 3124203 h 3762378"/>
+                <a:gd name="connsiteX4" fmla="*/ 4895850 w 4895850"/>
+                <a:gd name="connsiteY4" fmla="*/ 3762378 h 3762378"/>
+                <a:gd name="connsiteX0" fmla="*/ 0 w 4895850"/>
+                <a:gd name="connsiteY0" fmla="*/ 3752854 h 3752854"/>
+                <a:gd name="connsiteX1" fmla="*/ 1143000 w 4895850"/>
+                <a:gd name="connsiteY1" fmla="*/ 3133729 h 3752854"/>
+                <a:gd name="connsiteX2" fmla="*/ 2438400 w 4895850"/>
+                <a:gd name="connsiteY2" fmla="*/ 4 h 3752854"/>
+                <a:gd name="connsiteX3" fmla="*/ 3676650 w 4895850"/>
+                <a:gd name="connsiteY3" fmla="*/ 3114679 h 3752854"/>
+                <a:gd name="connsiteX4" fmla="*/ 4895850 w 4895850"/>
+                <a:gd name="connsiteY4" fmla="*/ 3752854 h 3752854"/>
+                <a:gd name="connsiteX0" fmla="*/ 0 w 4895850"/>
+                <a:gd name="connsiteY0" fmla="*/ 3752854 h 3752854"/>
+                <a:gd name="connsiteX1" fmla="*/ 1143000 w 4895850"/>
+                <a:gd name="connsiteY1" fmla="*/ 3133729 h 3752854"/>
+                <a:gd name="connsiteX2" fmla="*/ 2419350 w 4895850"/>
+                <a:gd name="connsiteY2" fmla="*/ 4 h 3752854"/>
+                <a:gd name="connsiteX3" fmla="*/ 3676650 w 4895850"/>
+                <a:gd name="connsiteY3" fmla="*/ 3114679 h 3752854"/>
+                <a:gd name="connsiteX4" fmla="*/ 4895850 w 4895850"/>
+                <a:gd name="connsiteY4" fmla="*/ 3752854 h 3752854"/>
+                <a:gd name="connsiteX0" fmla="*/ 0 w 4895850"/>
+                <a:gd name="connsiteY0" fmla="*/ 3752853 h 3752853"/>
+                <a:gd name="connsiteX1" fmla="*/ 1143000 w 4895850"/>
+                <a:gd name="connsiteY1" fmla="*/ 3133728 h 3752853"/>
+                <a:gd name="connsiteX2" fmla="*/ 2419350 w 4895850"/>
+                <a:gd name="connsiteY2" fmla="*/ 3 h 3752853"/>
+                <a:gd name="connsiteX3" fmla="*/ 3676650 w 4895850"/>
+                <a:gd name="connsiteY3" fmla="*/ 3114678 h 3752853"/>
+                <a:gd name="connsiteX4" fmla="*/ 4895850 w 4895850"/>
+                <a:gd name="connsiteY4" fmla="*/ 3752853 h 3752853"/>
+                <a:gd name="connsiteX0" fmla="*/ 0 w 4895850"/>
+                <a:gd name="connsiteY0" fmla="*/ 3752861 h 3752861"/>
+                <a:gd name="connsiteX1" fmla="*/ 1143000 w 4895850"/>
+                <a:gd name="connsiteY1" fmla="*/ 3133736 h 3752861"/>
+                <a:gd name="connsiteX2" fmla="*/ 2419350 w 4895850"/>
+                <a:gd name="connsiteY2" fmla="*/ 11 h 3752861"/>
+                <a:gd name="connsiteX3" fmla="*/ 3619500 w 4895850"/>
+                <a:gd name="connsiteY3" fmla="*/ 3095636 h 3752861"/>
+                <a:gd name="connsiteX4" fmla="*/ 4895850 w 4895850"/>
+                <a:gd name="connsiteY4" fmla="*/ 3752861 h 3752861"/>
+                <a:gd name="connsiteX0" fmla="*/ 0 w 4895850"/>
+                <a:gd name="connsiteY0" fmla="*/ 3752861 h 3752924"/>
+                <a:gd name="connsiteX1" fmla="*/ 1143000 w 4895850"/>
+                <a:gd name="connsiteY1" fmla="*/ 3133736 h 3752924"/>
+                <a:gd name="connsiteX2" fmla="*/ 2419350 w 4895850"/>
+                <a:gd name="connsiteY2" fmla="*/ 11 h 3752924"/>
+                <a:gd name="connsiteX3" fmla="*/ 3619500 w 4895850"/>
+                <a:gd name="connsiteY3" fmla="*/ 3095636 h 3752924"/>
+                <a:gd name="connsiteX4" fmla="*/ 4895850 w 4895850"/>
+                <a:gd name="connsiteY4" fmla="*/ 3752861 h 3752924"/>
+              </a:gdLst>
+              <a:ahLst/>
+              <a:cxnLst>
+                <a:cxn ang="0">
+                  <a:pos x="connsiteX0" y="connsiteY0"/>
+                </a:cxn>
+                <a:cxn ang="0">
+                  <a:pos x="connsiteX1" y="connsiteY1"/>
+                </a:cxn>
+                <a:cxn ang="0">
+                  <a:pos x="connsiteX2" y="connsiteY2"/>
+                </a:cxn>
+                <a:cxn ang="0">
+                  <a:pos x="connsiteX3" y="connsiteY3"/>
+                </a:cxn>
+                <a:cxn ang="0">
+                  <a:pos x="connsiteX4" y="connsiteY4"/>
+                </a:cxn>
+              </a:cxnLst>
+              <a:rect l="l" t="t" r="r" b="b"/>
+              <a:pathLst>
+                <a:path w="4895850" h="3752924">
+                  <a:moveTo>
+                    <a:pt x="0" y="3752861"/>
+                  </a:moveTo>
+                  <a:cubicBezTo>
+                    <a:pt x="409575" y="3741748"/>
+                    <a:pt x="739775" y="3759211"/>
+                    <a:pt x="1143000" y="3133736"/>
+                  </a:cubicBezTo>
+                  <a:cubicBezTo>
+                    <a:pt x="1546225" y="2508261"/>
+                    <a:pt x="2006600" y="6361"/>
+                    <a:pt x="2419350" y="11"/>
+                  </a:cubicBezTo>
+                  <a:cubicBezTo>
+                    <a:pt x="2832100" y="-6339"/>
+                    <a:pt x="3330575" y="2698761"/>
+                    <a:pt x="3619500" y="3095636"/>
+                  </a:cubicBezTo>
+                  <a:cubicBezTo>
+                    <a:pt x="3908425" y="3492511"/>
+                    <a:pt x="4097337" y="3757623"/>
+                    <a:pt x="4895850" y="3752861"/>
+                  </a:cubicBezTo>
+                </a:path>
+              </a:pathLst>
+            </a:custGeom>
+            <a:solidFill>
+              <a:srgbClr val="DCD2EA"/>
+            </a:solidFill>
+            <a:ln w="28575">
+              <a:noFill/>
+            </a:ln>
+          </p:spPr>
+          <p:style>
+            <a:lnRef idx="2">
+              <a:schemeClr val="accent1">
+                <a:shade val="50000"/>
+              </a:schemeClr>
+            </a:lnRef>
+            <a:fillRef idx="1">
+              <a:schemeClr val="accent1"/>
+            </a:fillRef>
+            <a:effectRef idx="0">
+              <a:schemeClr val="accent1"/>
+            </a:effectRef>
+            <a:fontRef idx="minor">
+              <a:schemeClr val="lt1"/>
+            </a:fontRef>
+          </p:style>
+          <p:txBody>
+            <a:bodyPr rtlCol="0" anchor="ctr"/>
+            <a:lstStyle/>
+            <a:p>
+              <a:pPr algn="ctr"/>
+              <a:endParaRPr lang="zh-TW" altLang="en-US"/>
+            </a:p>
+          </p:txBody>
+        </p:sp>
+        <p:cxnSp>
+          <p:nvCxnSpPr>
+            <p:cNvPr id="52" name="直線單箭頭接點 51">
+              <a:extLst>
+                <a:ext uri="{FF2B5EF4-FFF2-40B4-BE49-F238E27FC236}">
+                  <a16:creationId xmlns:a16="http://schemas.microsoft.com/office/drawing/2014/main" id="{9293C435-BB4F-4631-8D0C-2702E29DA94E}"/>
+                </a:ext>
+              </a:extLst>
+            </p:cNvPr>
+            <p:cNvCxnSpPr>
+              <a:cxnSpLocks/>
+            </p:cNvCxnSpPr>
+            <p:nvPr/>
+          </p:nvCxnSpPr>
+          <p:spPr>
+            <a:xfrm flipV="1">
+              <a:off x="463246" y="4030839"/>
+              <a:ext cx="1668369" cy="823877"/>
+            </a:xfrm>
+            <a:prstGeom prst="straightConnector1">
+              <a:avLst/>
+            </a:prstGeom>
+            <a:ln w="38100">
+              <a:solidFill>
+                <a:srgbClr val="DCD2EA"/>
+              </a:solidFill>
+              <a:tailEnd type="triangle"/>
+            </a:ln>
+          </p:spPr>
+          <p:style>
+            <a:lnRef idx="1">
+              <a:schemeClr val="accent1"/>
+            </a:lnRef>
+            <a:fillRef idx="0">
+              <a:schemeClr val="accent1"/>
+            </a:fillRef>
+            <a:effectRef idx="0">
+              <a:schemeClr val="accent1"/>
+            </a:effectRef>
+            <a:fontRef idx="minor">
+              <a:schemeClr val="tx1"/>
+            </a:fontRef>
+          </p:style>
+        </p:cxnSp>
+        <p:sp>
+          <p:nvSpPr>
+            <p:cNvPr id="50" name="矩形 49">
+              <a:extLst>
+                <a:ext uri="{FF2B5EF4-FFF2-40B4-BE49-F238E27FC236}">
+                  <a16:creationId xmlns:a16="http://schemas.microsoft.com/office/drawing/2014/main" id="{3BFB3FC2-FCCA-493C-BAB1-4AEBBD119743}"/>
+                </a:ext>
+              </a:extLst>
+            </p:cNvPr>
+            <p:cNvSpPr/>
+            <p:nvPr/>
+          </p:nvSpPr>
+          <p:spPr>
+            <a:xfrm>
+              <a:off x="1050661" y="4194713"/>
+              <a:ext cx="85931" cy="703086"/>
+            </a:xfrm>
+            <a:prstGeom prst="rect">
+              <a:avLst/>
+            </a:prstGeom>
+            <a:solidFill>
+              <a:srgbClr val="DCD2EA"/>
+            </a:solidFill>
+            <a:ln w="28575">
+              <a:solidFill>
+                <a:schemeClr val="bg1"/>
+              </a:solidFill>
+            </a:ln>
+          </p:spPr>
+          <p:style>
+            <a:lnRef idx="2">
+              <a:schemeClr val="accent1">
+                <a:shade val="50000"/>
+              </a:schemeClr>
+            </a:lnRef>
+            <a:fillRef idx="1">
+              <a:schemeClr val="accent1"/>
+            </a:fillRef>
+            <a:effectRef idx="0">
+              <a:schemeClr val="accent1"/>
+            </a:effectRef>
+            <a:fontRef idx="minor">
+              <a:schemeClr val="lt1"/>
+            </a:fontRef>
+          </p:style>
+          <p:txBody>
+            <a:bodyPr rtlCol="0" anchor="ctr"/>
+            <a:lstStyle/>
+            <a:p>
+              <a:pPr algn="ctr"/>
+              <a:endParaRPr lang="zh-TW" altLang="en-US"/>
+            </a:p>
+          </p:txBody>
+        </p:sp>
+        <p:sp>
+          <p:nvSpPr>
+            <p:cNvPr id="89" name="手繪多邊形: 圖案 88">
+              <a:extLst>
+                <a:ext uri="{FF2B5EF4-FFF2-40B4-BE49-F238E27FC236}">
+                  <a16:creationId xmlns:a16="http://schemas.microsoft.com/office/drawing/2014/main" id="{8121FDB4-B4CF-4A57-8AC7-50A3BC0C59D7}"/>
+                </a:ext>
+              </a:extLst>
+            </p:cNvPr>
+            <p:cNvSpPr/>
+            <p:nvPr/>
+          </p:nvSpPr>
+          <p:spPr>
+            <a:xfrm>
+              <a:off x="453533" y="5355285"/>
+              <a:ext cx="998722" cy="791917"/>
+            </a:xfrm>
+            <a:custGeom>
+              <a:avLst/>
+              <a:gdLst>
+                <a:gd name="connsiteX0" fmla="*/ 427142 w 998722"/>
+                <a:gd name="connsiteY0" fmla="*/ 167 h 791917"/>
+                <a:gd name="connsiteX1" fmla="*/ 442231 w 998722"/>
+                <a:gd name="connsiteY1" fmla="*/ 2164 h 791917"/>
+                <a:gd name="connsiteX2" fmla="*/ 673322 w 998722"/>
+                <a:gd name="connsiteY2" fmla="*/ 516426 h 791917"/>
+                <a:gd name="connsiteX3" fmla="*/ 998722 w 998722"/>
+                <a:gd name="connsiteY3" fmla="*/ 791917 h 791917"/>
+                <a:gd name="connsiteX4" fmla="*/ 0 w 998722"/>
+                <a:gd name="connsiteY4" fmla="*/ 436706 h 791917"/>
+                <a:gd name="connsiteX5" fmla="*/ 195411 w 998722"/>
+                <a:gd name="connsiteY5" fmla="*/ 336115 h 791917"/>
+                <a:gd name="connsiteX6" fmla="*/ 202748 w 998722"/>
+                <a:gd name="connsiteY6" fmla="*/ 326750 h 791917"/>
+                <a:gd name="connsiteX7" fmla="*/ 209500 w 998722"/>
+                <a:gd name="connsiteY7" fmla="*/ 360513 h 791917"/>
+                <a:gd name="connsiteX8" fmla="*/ 234436 w 998722"/>
+                <a:gd name="connsiteY8" fmla="*/ 421095 h 791917"/>
+                <a:gd name="connsiteX9" fmla="*/ 284285 w 998722"/>
+                <a:gd name="connsiteY9" fmla="*/ 230931 h 791917"/>
+                <a:gd name="connsiteX10" fmla="*/ 293717 w 998722"/>
+                <a:gd name="connsiteY10" fmla="*/ 174002 h 791917"/>
+                <a:gd name="connsiteX11" fmla="*/ 316591 w 998722"/>
+                <a:gd name="connsiteY11" fmla="*/ 130712 h 791917"/>
+                <a:gd name="connsiteX12" fmla="*/ 427142 w 998722"/>
+                <a:gd name="connsiteY12" fmla="*/ 167 h 791917"/>
+              </a:gdLst>
+              <a:ahLst/>
+              <a:cxnLst>
+                <a:cxn ang="0">
+                  <a:pos x="connsiteX0" y="connsiteY0"/>
+                </a:cxn>
+                <a:cxn ang="0">
+                  <a:pos x="connsiteX1" y="connsiteY1"/>
+                </a:cxn>
+                <a:cxn ang="0">
+                  <a:pos x="connsiteX2" y="connsiteY2"/>
+                </a:cxn>
+                <a:cxn ang="0">
+                  <a:pos x="connsiteX3" y="connsiteY3"/>
+                </a:cxn>
+                <a:cxn ang="0">
+                  <a:pos x="connsiteX4" y="connsiteY4"/>
+                </a:cxn>
+                <a:cxn ang="0">
+                  <a:pos x="connsiteX5" y="connsiteY5"/>
+                </a:cxn>
+                <a:cxn ang="0">
+                  <a:pos x="connsiteX6" y="connsiteY6"/>
+                </a:cxn>
+                <a:cxn ang="0">
+                  <a:pos x="connsiteX7" y="connsiteY7"/>
+                </a:cxn>
+                <a:cxn ang="0">
+                  <a:pos x="connsiteX8" y="connsiteY8"/>
+                </a:cxn>
+                <a:cxn ang="0">
+                  <a:pos x="connsiteX9" y="connsiteY9"/>
+                </a:cxn>
+                <a:cxn ang="0">
+                  <a:pos x="connsiteX10" y="connsiteY10"/>
+                </a:cxn>
+                <a:cxn ang="0">
+                  <a:pos x="connsiteX11" y="connsiteY11"/>
+                </a:cxn>
+                <a:cxn ang="0">
+                  <a:pos x="connsiteX12" y="connsiteY12"/>
+                </a:cxn>
+              </a:cxnLst>
+              <a:rect l="l" t="t" r="r" b="b"/>
+              <a:pathLst>
+                <a:path w="998722" h="791917">
+                  <a:moveTo>
+                    <a:pt x="427142" y="167"/>
+                  </a:moveTo>
+                  <a:cubicBezTo>
+                    <a:pt x="432220" y="-336"/>
+                    <a:pt x="437253" y="286"/>
+                    <a:pt x="442231" y="2164"/>
+                  </a:cubicBezTo>
+                  <a:cubicBezTo>
+                    <a:pt x="521883" y="32216"/>
+                    <a:pt x="580573" y="384801"/>
+                    <a:pt x="673322" y="516426"/>
+                  </a:cubicBezTo>
+                  <a:cubicBezTo>
+                    <a:pt x="766070" y="648052"/>
+                    <a:pt x="832386" y="727659"/>
+                    <a:pt x="998722" y="791917"/>
+                  </a:cubicBezTo>
+                  <a:lnTo>
+                    <a:pt x="0" y="436706"/>
+                  </a:lnTo>
+                  <a:cubicBezTo>
+                    <a:pt x="68985" y="434850"/>
+                    <a:pt x="121706" y="408539"/>
+                    <a:pt x="195411" y="336115"/>
+                  </a:cubicBezTo>
+                  <a:lnTo>
+                    <a:pt x="202748" y="326750"/>
+                  </a:lnTo>
+                  <a:lnTo>
+                    <a:pt x="209500" y="360513"/>
+                  </a:lnTo>
+                  <a:cubicBezTo>
+                    <a:pt x="217990" y="397402"/>
+                    <a:pt x="226421" y="421321"/>
+                    <a:pt x="234436" y="421095"/>
+                  </a:cubicBezTo>
+                  <a:cubicBezTo>
+                    <a:pt x="250467" y="420642"/>
+                    <a:pt x="267422" y="331300"/>
+                    <a:pt x="284285" y="230931"/>
+                  </a:cubicBezTo>
+                  <a:lnTo>
+                    <a:pt x="293717" y="174002"/>
+                  </a:lnTo>
+                  <a:lnTo>
+                    <a:pt x="316591" y="130712"/>
+                  </a:lnTo>
+                  <a:cubicBezTo>
+                    <a:pt x="353809" y="62294"/>
+                    <a:pt x="391597" y="3684"/>
+                    <a:pt x="427142" y="167"/>
+                  </a:cubicBezTo>
+                  <a:close/>
+                </a:path>
+              </a:pathLst>
+            </a:custGeom>
+            <a:solidFill>
+              <a:srgbClr val="DCD2EA"/>
+            </a:solidFill>
+            <a:ln w="12700">
+              <a:solidFill>
+                <a:schemeClr val="bg1"/>
+              </a:solidFill>
+            </a:ln>
+          </p:spPr>
+          <p:style>
+            <a:lnRef idx="2">
+              <a:schemeClr val="accent1">
+                <a:shade val="50000"/>
+              </a:schemeClr>
+            </a:lnRef>
+            <a:fillRef idx="1">
+              <a:schemeClr val="accent1"/>
+            </a:fillRef>
+            <a:effectRef idx="0">
+              <a:schemeClr val="accent1"/>
+            </a:effectRef>
+            <a:fontRef idx="minor">
+              <a:schemeClr val="lt1"/>
+            </a:fontRef>
+          </p:style>
+          <p:txBody>
+            <a:bodyPr rtlCol="0" anchor="ctr"/>
+            <a:lstStyle/>
+            <a:p>
+              <a:pPr algn="ctr"/>
+              <a:endParaRPr lang="zh-TW" altLang="en-US"/>
+            </a:p>
+          </p:txBody>
+        </p:sp>
+        <p:cxnSp>
+          <p:nvCxnSpPr>
+            <p:cNvPr id="74" name="直線接點 73">
+              <a:extLst>
+                <a:ext uri="{FF2B5EF4-FFF2-40B4-BE49-F238E27FC236}">
+                  <a16:creationId xmlns:a16="http://schemas.microsoft.com/office/drawing/2014/main" id="{11C13DF8-503B-49F9-913C-7FC040BB0079}"/>
+                </a:ext>
+              </a:extLst>
+            </p:cNvPr>
+            <p:cNvCxnSpPr>
+              <a:cxnSpLocks/>
+            </p:cNvCxnSpPr>
+            <p:nvPr/>
+          </p:nvCxnSpPr>
+          <p:spPr>
+            <a:xfrm flipH="1">
+              <a:off x="994152" y="4692942"/>
+              <a:ext cx="1022970" cy="571208"/>
+            </a:xfrm>
+            <a:prstGeom prst="line">
+              <a:avLst/>
+            </a:prstGeom>
+            <a:ln>
+              <a:solidFill>
+                <a:schemeClr val="tx1">
+                  <a:lumMod val="50000"/>
+                  <a:lumOff val="50000"/>
+                </a:schemeClr>
+              </a:solidFill>
+              <a:prstDash val="dash"/>
+            </a:ln>
+          </p:spPr>
+          <p:style>
+            <a:lnRef idx="1">
+              <a:schemeClr val="accent1"/>
+            </a:lnRef>
+            <a:fillRef idx="0">
+              <a:schemeClr val="accent1"/>
+            </a:fillRef>
+            <a:effectRef idx="0">
+              <a:schemeClr val="accent1"/>
+            </a:effectRef>
+            <a:fontRef idx="minor">
+              <a:schemeClr val="tx1"/>
+            </a:fontRef>
+          </p:style>
+        </p:cxnSp>
+        <p:cxnSp>
+          <p:nvCxnSpPr>
+            <p:cNvPr id="76" name="直線接點 75">
+              <a:extLst>
+                <a:ext uri="{FF2B5EF4-FFF2-40B4-BE49-F238E27FC236}">
+                  <a16:creationId xmlns:a16="http://schemas.microsoft.com/office/drawing/2014/main" id="{D931DA4A-DF76-4AF5-9289-53C42F811554}"/>
+                </a:ext>
+              </a:extLst>
+            </p:cNvPr>
+            <p:cNvCxnSpPr>
+              <a:cxnSpLocks/>
+            </p:cNvCxnSpPr>
+            <p:nvPr/>
+          </p:nvCxnSpPr>
+          <p:spPr>
+            <a:xfrm>
+              <a:off x="2378329" y="4726608"/>
+              <a:ext cx="226208" cy="472716"/>
+            </a:xfrm>
+            <a:prstGeom prst="line">
+              <a:avLst/>
+            </a:prstGeom>
+            <a:ln>
+              <a:solidFill>
+                <a:schemeClr val="tx1">
+                  <a:lumMod val="50000"/>
+                  <a:lumOff val="50000"/>
+                </a:schemeClr>
+              </a:solidFill>
+              <a:prstDash val="dash"/>
+            </a:ln>
+          </p:spPr>
+          <p:style>
+            <a:lnRef idx="1">
+              <a:schemeClr val="accent1"/>
+            </a:lnRef>
+            <a:fillRef idx="0">
+              <a:schemeClr val="accent1"/>
+            </a:fillRef>
+            <a:effectRef idx="0">
+              <a:schemeClr val="accent1"/>
+            </a:effectRef>
+            <a:fontRef idx="minor">
+              <a:schemeClr val="tx1"/>
+            </a:fontRef>
+          </p:style>
+        </p:cxnSp>
+        <p:sp>
+          <p:nvSpPr>
+            <p:cNvPr id="94" name="文字方塊 93">
+              <a:extLst>
+                <a:ext uri="{FF2B5EF4-FFF2-40B4-BE49-F238E27FC236}">
+                  <a16:creationId xmlns:a16="http://schemas.microsoft.com/office/drawing/2014/main" id="{3CCA8175-3A93-4E6E-91F9-E6C01C530491}"/>
+                </a:ext>
+              </a:extLst>
+            </p:cNvPr>
+            <p:cNvSpPr txBox="1"/>
+            <p:nvPr/>
+          </p:nvSpPr>
+          <p:spPr>
+            <a:xfrm>
+              <a:off x="378491" y="3675261"/>
+              <a:ext cx="955774" cy="523220"/>
+            </a:xfrm>
+            <a:prstGeom prst="rect">
+              <a:avLst/>
+            </a:prstGeom>
+            <a:noFill/>
+          </p:spPr>
+          <p:txBody>
+            <a:bodyPr wrap="none" rtlCol="0">
+              <a:spAutoFit/>
+            </a:bodyPr>
+            <a:lstStyle/>
+            <a:p>
+              <a:r>
+                <a:rPr lang="en-US" altLang="zh-TW" sz="2800" dirty="0">
+                  <a:solidFill>
+                    <a:srgbClr val="9575CD"/>
+                  </a:solidFill>
+                </a:rPr>
+                <a:t>&gt; 3 fs</a:t>
+              </a:r>
+              <a:endParaRPr lang="zh-TW" altLang="en-US" sz="2800" dirty="0">
+                <a:solidFill>
+                  <a:srgbClr val="9575CD"/>
+                </a:solidFill>
+              </a:endParaRPr>
+            </a:p>
+          </p:txBody>
+        </p:sp>
+        <p:sp>
+          <p:nvSpPr>
+            <p:cNvPr id="111" name="手繪多邊形: 圖案 110">
+              <a:extLst>
+                <a:ext uri="{FF2B5EF4-FFF2-40B4-BE49-F238E27FC236}">
+                  <a16:creationId xmlns:a16="http://schemas.microsoft.com/office/drawing/2014/main" id="{A43CC754-5889-4B92-83C5-129B69381958}"/>
+                </a:ext>
+              </a:extLst>
+            </p:cNvPr>
+            <p:cNvSpPr/>
+            <p:nvPr/>
+          </p:nvSpPr>
+          <p:spPr>
+            <a:xfrm>
+              <a:off x="2233034" y="4144112"/>
+              <a:ext cx="186918" cy="364099"/>
+            </a:xfrm>
+            <a:custGeom>
+              <a:avLst/>
+              <a:gdLst>
+                <a:gd name="connsiteX0" fmla="*/ 0 w 4933950"/>
+                <a:gd name="connsiteY0" fmla="*/ 3753009 h 3878035"/>
+                <a:gd name="connsiteX1" fmla="*/ 1085850 w 4933950"/>
+                <a:gd name="connsiteY1" fmla="*/ 3257709 h 3878035"/>
+                <a:gd name="connsiteX2" fmla="*/ 2400300 w 4933950"/>
+                <a:gd name="connsiteY2" fmla="*/ 159 h 3878035"/>
+                <a:gd name="connsiteX3" fmla="*/ 3848100 w 4933950"/>
+                <a:gd name="connsiteY3" fmla="*/ 3400584 h 3878035"/>
+                <a:gd name="connsiteX4" fmla="*/ 4933950 w 4933950"/>
+                <a:gd name="connsiteY4" fmla="*/ 3772059 h 3878035"/>
+                <a:gd name="connsiteX0" fmla="*/ 0 w 4933950"/>
+                <a:gd name="connsiteY0" fmla="*/ 3753009 h 3878035"/>
+                <a:gd name="connsiteX1" fmla="*/ 1085850 w 4933950"/>
+                <a:gd name="connsiteY1" fmla="*/ 3257709 h 3878035"/>
+                <a:gd name="connsiteX2" fmla="*/ 2400300 w 4933950"/>
+                <a:gd name="connsiteY2" fmla="*/ 159 h 3878035"/>
+                <a:gd name="connsiteX3" fmla="*/ 3848100 w 4933950"/>
+                <a:gd name="connsiteY3" fmla="*/ 3400584 h 3878035"/>
+                <a:gd name="connsiteX4" fmla="*/ 4933950 w 4933950"/>
+                <a:gd name="connsiteY4" fmla="*/ 3772059 h 3878035"/>
+                <a:gd name="connsiteX0" fmla="*/ 0 w 4933950"/>
+                <a:gd name="connsiteY0" fmla="*/ 3753423 h 3878449"/>
+                <a:gd name="connsiteX1" fmla="*/ 1143000 w 4933950"/>
+                <a:gd name="connsiteY1" fmla="*/ 3134298 h 3878449"/>
+                <a:gd name="connsiteX2" fmla="*/ 2400300 w 4933950"/>
+                <a:gd name="connsiteY2" fmla="*/ 573 h 3878449"/>
+                <a:gd name="connsiteX3" fmla="*/ 3848100 w 4933950"/>
+                <a:gd name="connsiteY3" fmla="*/ 3400998 h 3878449"/>
+                <a:gd name="connsiteX4" fmla="*/ 4933950 w 4933950"/>
+                <a:gd name="connsiteY4" fmla="*/ 3772473 h 3878449"/>
+                <a:gd name="connsiteX0" fmla="*/ 0 w 4933950"/>
+                <a:gd name="connsiteY0" fmla="*/ 3752863 h 3877889"/>
+                <a:gd name="connsiteX1" fmla="*/ 1143000 w 4933950"/>
+                <a:gd name="connsiteY1" fmla="*/ 3133738 h 3877889"/>
+                <a:gd name="connsiteX2" fmla="*/ 2400300 w 4933950"/>
+                <a:gd name="connsiteY2" fmla="*/ 13 h 3877889"/>
+                <a:gd name="connsiteX3" fmla="*/ 3848100 w 4933950"/>
+                <a:gd name="connsiteY3" fmla="*/ 3400438 h 3877889"/>
+                <a:gd name="connsiteX4" fmla="*/ 4933950 w 4933950"/>
+                <a:gd name="connsiteY4" fmla="*/ 3771913 h 3877889"/>
+                <a:gd name="connsiteX0" fmla="*/ 0 w 4933950"/>
+                <a:gd name="connsiteY0" fmla="*/ 3752863 h 3877889"/>
+                <a:gd name="connsiteX1" fmla="*/ 1143000 w 4933950"/>
+                <a:gd name="connsiteY1" fmla="*/ 3133738 h 3877889"/>
+                <a:gd name="connsiteX2" fmla="*/ 2438400 w 4933950"/>
+                <a:gd name="connsiteY2" fmla="*/ 13 h 3877889"/>
+                <a:gd name="connsiteX3" fmla="*/ 3848100 w 4933950"/>
+                <a:gd name="connsiteY3" fmla="*/ 3400438 h 3877889"/>
+                <a:gd name="connsiteX4" fmla="*/ 4933950 w 4933950"/>
+                <a:gd name="connsiteY4" fmla="*/ 3771913 h 3877889"/>
+                <a:gd name="connsiteX0" fmla="*/ 0 w 4933950"/>
+                <a:gd name="connsiteY0" fmla="*/ 3752863 h 3826215"/>
+                <a:gd name="connsiteX1" fmla="*/ 1143000 w 4933950"/>
+                <a:gd name="connsiteY1" fmla="*/ 3133738 h 3826215"/>
+                <a:gd name="connsiteX2" fmla="*/ 2438400 w 4933950"/>
+                <a:gd name="connsiteY2" fmla="*/ 13 h 3826215"/>
+                <a:gd name="connsiteX3" fmla="*/ 3848100 w 4933950"/>
+                <a:gd name="connsiteY3" fmla="*/ 3400438 h 3826215"/>
+                <a:gd name="connsiteX4" fmla="*/ 4933950 w 4933950"/>
+                <a:gd name="connsiteY4" fmla="*/ 3771913 h 3826215"/>
+                <a:gd name="connsiteX0" fmla="*/ 0 w 4933950"/>
+                <a:gd name="connsiteY0" fmla="*/ 3752868 h 3801392"/>
+                <a:gd name="connsiteX1" fmla="*/ 1143000 w 4933950"/>
+                <a:gd name="connsiteY1" fmla="*/ 3133743 h 3801392"/>
+                <a:gd name="connsiteX2" fmla="*/ 2438400 w 4933950"/>
+                <a:gd name="connsiteY2" fmla="*/ 18 h 3801392"/>
+                <a:gd name="connsiteX3" fmla="*/ 3705225 w 4933950"/>
+                <a:gd name="connsiteY3" fmla="*/ 3181368 h 3801392"/>
+                <a:gd name="connsiteX4" fmla="*/ 4933950 w 4933950"/>
+                <a:gd name="connsiteY4" fmla="*/ 3771918 h 3801392"/>
+                <a:gd name="connsiteX0" fmla="*/ 0 w 4933950"/>
+                <a:gd name="connsiteY0" fmla="*/ 3752868 h 3771918"/>
+                <a:gd name="connsiteX1" fmla="*/ 1143000 w 4933950"/>
+                <a:gd name="connsiteY1" fmla="*/ 3133743 h 3771918"/>
+                <a:gd name="connsiteX2" fmla="*/ 2438400 w 4933950"/>
+                <a:gd name="connsiteY2" fmla="*/ 18 h 3771918"/>
+                <a:gd name="connsiteX3" fmla="*/ 3705225 w 4933950"/>
+                <a:gd name="connsiteY3" fmla="*/ 3181368 h 3771918"/>
+                <a:gd name="connsiteX4" fmla="*/ 4933950 w 4933950"/>
+                <a:gd name="connsiteY4" fmla="*/ 3771918 h 3771918"/>
+                <a:gd name="connsiteX0" fmla="*/ 0 w 4895850"/>
+                <a:gd name="connsiteY0" fmla="*/ 3752868 h 3752868"/>
+                <a:gd name="connsiteX1" fmla="*/ 1143000 w 4895850"/>
+                <a:gd name="connsiteY1" fmla="*/ 3133743 h 3752868"/>
+                <a:gd name="connsiteX2" fmla="*/ 2438400 w 4895850"/>
+                <a:gd name="connsiteY2" fmla="*/ 18 h 3752868"/>
+                <a:gd name="connsiteX3" fmla="*/ 3705225 w 4895850"/>
+                <a:gd name="connsiteY3" fmla="*/ 3181368 h 3752868"/>
+                <a:gd name="connsiteX4" fmla="*/ 4895850 w 4895850"/>
+                <a:gd name="connsiteY4" fmla="*/ 3752868 h 3752868"/>
+                <a:gd name="connsiteX0" fmla="*/ 0 w 4895850"/>
+                <a:gd name="connsiteY0" fmla="*/ 3752868 h 3752868"/>
+                <a:gd name="connsiteX1" fmla="*/ 1143000 w 4895850"/>
+                <a:gd name="connsiteY1" fmla="*/ 3133743 h 3752868"/>
+                <a:gd name="connsiteX2" fmla="*/ 2438400 w 4895850"/>
+                <a:gd name="connsiteY2" fmla="*/ 18 h 3752868"/>
+                <a:gd name="connsiteX3" fmla="*/ 3705225 w 4895850"/>
+                <a:gd name="connsiteY3" fmla="*/ 3181368 h 3752868"/>
+                <a:gd name="connsiteX4" fmla="*/ 4895850 w 4895850"/>
+                <a:gd name="connsiteY4" fmla="*/ 3752868 h 3752868"/>
+                <a:gd name="connsiteX0" fmla="*/ 0 w 4895850"/>
+                <a:gd name="connsiteY0" fmla="*/ 3752854 h 3752854"/>
+                <a:gd name="connsiteX1" fmla="*/ 1143000 w 4895850"/>
+                <a:gd name="connsiteY1" fmla="*/ 3133729 h 3752854"/>
+                <a:gd name="connsiteX2" fmla="*/ 2438400 w 4895850"/>
+                <a:gd name="connsiteY2" fmla="*/ 4 h 3752854"/>
+                <a:gd name="connsiteX3" fmla="*/ 3676650 w 4895850"/>
+                <a:gd name="connsiteY3" fmla="*/ 3114679 h 3752854"/>
+                <a:gd name="connsiteX4" fmla="*/ 4895850 w 4895850"/>
+                <a:gd name="connsiteY4" fmla="*/ 3752854 h 3752854"/>
+                <a:gd name="connsiteX0" fmla="*/ 0 w 4895850"/>
+                <a:gd name="connsiteY0" fmla="*/ 3762378 h 3762378"/>
+                <a:gd name="connsiteX1" fmla="*/ 1143000 w 4895850"/>
+                <a:gd name="connsiteY1" fmla="*/ 3143253 h 3762378"/>
+                <a:gd name="connsiteX2" fmla="*/ 2400300 w 4895850"/>
+                <a:gd name="connsiteY2" fmla="*/ 3 h 3762378"/>
+                <a:gd name="connsiteX3" fmla="*/ 3676650 w 4895850"/>
+                <a:gd name="connsiteY3" fmla="*/ 3124203 h 3762378"/>
+                <a:gd name="connsiteX4" fmla="*/ 4895850 w 4895850"/>
+                <a:gd name="connsiteY4" fmla="*/ 3762378 h 3762378"/>
+                <a:gd name="connsiteX0" fmla="*/ 0 w 4895850"/>
+                <a:gd name="connsiteY0" fmla="*/ 3752854 h 3752854"/>
+                <a:gd name="connsiteX1" fmla="*/ 1143000 w 4895850"/>
+                <a:gd name="connsiteY1" fmla="*/ 3133729 h 3752854"/>
+                <a:gd name="connsiteX2" fmla="*/ 2438400 w 4895850"/>
+                <a:gd name="connsiteY2" fmla="*/ 4 h 3752854"/>
+                <a:gd name="connsiteX3" fmla="*/ 3676650 w 4895850"/>
+                <a:gd name="connsiteY3" fmla="*/ 3114679 h 3752854"/>
+                <a:gd name="connsiteX4" fmla="*/ 4895850 w 4895850"/>
+                <a:gd name="connsiteY4" fmla="*/ 3752854 h 3752854"/>
+                <a:gd name="connsiteX0" fmla="*/ 0 w 4895850"/>
+                <a:gd name="connsiteY0" fmla="*/ 3752854 h 3752854"/>
+                <a:gd name="connsiteX1" fmla="*/ 1143000 w 4895850"/>
+                <a:gd name="connsiteY1" fmla="*/ 3133729 h 3752854"/>
+                <a:gd name="connsiteX2" fmla="*/ 2419350 w 4895850"/>
+                <a:gd name="connsiteY2" fmla="*/ 4 h 3752854"/>
+                <a:gd name="connsiteX3" fmla="*/ 3676650 w 4895850"/>
+                <a:gd name="connsiteY3" fmla="*/ 3114679 h 3752854"/>
+                <a:gd name="connsiteX4" fmla="*/ 4895850 w 4895850"/>
+                <a:gd name="connsiteY4" fmla="*/ 3752854 h 3752854"/>
+                <a:gd name="connsiteX0" fmla="*/ 0 w 4895850"/>
+                <a:gd name="connsiteY0" fmla="*/ 3752853 h 3752853"/>
+                <a:gd name="connsiteX1" fmla="*/ 1143000 w 4895850"/>
+                <a:gd name="connsiteY1" fmla="*/ 3133728 h 3752853"/>
+                <a:gd name="connsiteX2" fmla="*/ 2419350 w 4895850"/>
+                <a:gd name="connsiteY2" fmla="*/ 3 h 3752853"/>
+                <a:gd name="connsiteX3" fmla="*/ 3676650 w 4895850"/>
+                <a:gd name="connsiteY3" fmla="*/ 3114678 h 3752853"/>
+                <a:gd name="connsiteX4" fmla="*/ 4895850 w 4895850"/>
+                <a:gd name="connsiteY4" fmla="*/ 3752853 h 3752853"/>
+                <a:gd name="connsiteX0" fmla="*/ 0 w 4895850"/>
+                <a:gd name="connsiteY0" fmla="*/ 3752861 h 3752861"/>
+                <a:gd name="connsiteX1" fmla="*/ 1143000 w 4895850"/>
+                <a:gd name="connsiteY1" fmla="*/ 3133736 h 3752861"/>
+                <a:gd name="connsiteX2" fmla="*/ 2419350 w 4895850"/>
+                <a:gd name="connsiteY2" fmla="*/ 11 h 3752861"/>
+                <a:gd name="connsiteX3" fmla="*/ 3619500 w 4895850"/>
+                <a:gd name="connsiteY3" fmla="*/ 3095636 h 3752861"/>
+                <a:gd name="connsiteX4" fmla="*/ 4895850 w 4895850"/>
+                <a:gd name="connsiteY4" fmla="*/ 3752861 h 3752861"/>
+                <a:gd name="connsiteX0" fmla="*/ 0 w 4895850"/>
+                <a:gd name="connsiteY0" fmla="*/ 3752861 h 3752924"/>
+                <a:gd name="connsiteX1" fmla="*/ 1143000 w 4895850"/>
+                <a:gd name="connsiteY1" fmla="*/ 3133736 h 3752924"/>
+                <a:gd name="connsiteX2" fmla="*/ 2419350 w 4895850"/>
+                <a:gd name="connsiteY2" fmla="*/ 11 h 3752924"/>
+                <a:gd name="connsiteX3" fmla="*/ 3619500 w 4895850"/>
+                <a:gd name="connsiteY3" fmla="*/ 3095636 h 3752924"/>
+                <a:gd name="connsiteX4" fmla="*/ 4895850 w 4895850"/>
+                <a:gd name="connsiteY4" fmla="*/ 3752861 h 3752924"/>
+              </a:gdLst>
+              <a:ahLst/>
+              <a:cxnLst>
+                <a:cxn ang="0">
+                  <a:pos x="connsiteX0" y="connsiteY0"/>
+                </a:cxn>
+                <a:cxn ang="0">
+                  <a:pos x="connsiteX1" y="connsiteY1"/>
+                </a:cxn>
+                <a:cxn ang="0">
+                  <a:pos x="connsiteX2" y="connsiteY2"/>
+                </a:cxn>
+                <a:cxn ang="0">
+                  <a:pos x="connsiteX3" y="connsiteY3"/>
+                </a:cxn>
+                <a:cxn ang="0">
+                  <a:pos x="connsiteX4" y="connsiteY4"/>
+                </a:cxn>
+              </a:cxnLst>
+              <a:rect l="l" t="t" r="r" b="b"/>
+              <a:pathLst>
+                <a:path w="4895850" h="3752924">
+                  <a:moveTo>
+                    <a:pt x="0" y="3752861"/>
+                  </a:moveTo>
+                  <a:cubicBezTo>
+                    <a:pt x="409575" y="3741748"/>
+                    <a:pt x="739775" y="3759211"/>
+                    <a:pt x="1143000" y="3133736"/>
+                  </a:cubicBezTo>
+                  <a:cubicBezTo>
+                    <a:pt x="1546225" y="2508261"/>
+                    <a:pt x="2006600" y="6361"/>
+                    <a:pt x="2419350" y="11"/>
+                  </a:cubicBezTo>
+                  <a:cubicBezTo>
+                    <a:pt x="2832100" y="-6339"/>
+                    <a:pt x="3330575" y="2698761"/>
+                    <a:pt x="3619500" y="3095636"/>
+                  </a:cubicBezTo>
+                  <a:cubicBezTo>
+                    <a:pt x="3908425" y="3492511"/>
+                    <a:pt x="4097337" y="3757623"/>
+                    <a:pt x="4895850" y="3752861"/>
+                  </a:cubicBezTo>
+                </a:path>
+              </a:pathLst>
+            </a:custGeom>
+            <a:solidFill>
+              <a:srgbClr val="9575CD"/>
+            </a:solidFill>
+            <a:ln w="28575">
+              <a:noFill/>
+            </a:ln>
+          </p:spPr>
+          <p:style>
+            <a:lnRef idx="2">
+              <a:schemeClr val="accent1">
+                <a:shade val="50000"/>
+              </a:schemeClr>
+            </a:lnRef>
+            <a:fillRef idx="1">
+              <a:schemeClr val="accent1"/>
+            </a:fillRef>
+            <a:effectRef idx="0">
+              <a:schemeClr val="accent1"/>
+            </a:effectRef>
+            <a:fontRef idx="minor">
+              <a:schemeClr val="lt1"/>
+            </a:fontRef>
+          </p:style>
+          <p:txBody>
+            <a:bodyPr rtlCol="0" anchor="ctr"/>
+            <a:lstStyle/>
+            <a:p>
+              <a:pPr algn="ctr"/>
+              <a:endParaRPr lang="zh-TW" altLang="en-US"/>
+            </a:p>
+          </p:txBody>
+        </p:sp>
+        <p:pic>
+          <p:nvPicPr>
+            <p:cNvPr id="61" name="圖形 60" descr="放大鏡">
+              <a:extLst>
+                <a:ext uri="{FF2B5EF4-FFF2-40B4-BE49-F238E27FC236}">
+                  <a16:creationId xmlns:a16="http://schemas.microsoft.com/office/drawing/2014/main" id="{3C3BD373-8270-4028-9BEE-2755A7A528C3}"/>
+                </a:ext>
+              </a:extLst>
+            </p:cNvPr>
+            <p:cNvPicPr>
+              <a:picLocks noChangeAspect="1"/>
+            </p:cNvPicPr>
+            <p:nvPr/>
+          </p:nvPicPr>
+          <p:blipFill>
+            <a:blip r:embed="rId6">
+              <a:extLst>
+                <a:ext uri="{28A0092B-C50C-407E-A947-70E740481C1C}">
+                  <a14:useLocalDpi xmlns:a14="http://schemas.microsoft.com/office/drawing/2010/main" val="0"/>
+                </a:ext>
+                <a:ext uri="{96DAC541-7B7A-43D3-8B79-37D633B846F1}">
+                  <asvg:svgBlip xmlns:asvg="http://schemas.microsoft.com/office/drawing/2016/SVG/main" r:embed="rId7"/>
+                </a:ext>
+              </a:extLst>
+            </a:blip>
+            <a:stretch>
+              <a:fillRect/>
+            </a:stretch>
+          </p:blipFill>
+          <p:spPr>
+            <a:xfrm>
+              <a:off x="2109459" y="4316975"/>
+              <a:ext cx="537741" cy="537741"/>
+            </a:xfrm>
+            <a:prstGeom prst="rect">
+              <a:avLst/>
+            </a:prstGeom>
+          </p:spPr>
+        </p:pic>
+      </p:grpSp>
+      <p:grpSp>
+        <p:nvGrpSpPr>
+          <p:cNvPr id="4" name="群組 3">
+            <a:extLst>
+              <a:ext uri="{FF2B5EF4-FFF2-40B4-BE49-F238E27FC236}">
+                <a16:creationId xmlns:a16="http://schemas.microsoft.com/office/drawing/2014/main" id="{5A4AB60F-0D4A-4528-9CDD-61FF1E623014}"/>
+              </a:ext>
+            </a:extLst>
+          </p:cNvPr>
+          <p:cNvGrpSpPr/>
+          <p:nvPr/>
+        </p:nvGrpSpPr>
+        <p:grpSpPr>
+          <a:xfrm>
+            <a:off x="3481702" y="3552604"/>
+            <a:ext cx="2454700" cy="2594599"/>
+            <a:chOff x="3481702" y="3552604"/>
+            <a:chExt cx="2454700" cy="2594599"/>
+          </a:xfrm>
+        </p:grpSpPr>
+        <p:grpSp>
+          <p:nvGrpSpPr>
+            <p:cNvPr id="126" name="群組 125">
+              <a:extLst>
+                <a:ext uri="{FF2B5EF4-FFF2-40B4-BE49-F238E27FC236}">
+                  <a16:creationId xmlns:a16="http://schemas.microsoft.com/office/drawing/2014/main" id="{C7BAC1C5-7E0A-43F9-83C6-0716B9F08D5A}"/>
+                </a:ext>
+              </a:extLst>
+            </p:cNvPr>
+            <p:cNvGrpSpPr/>
+            <p:nvPr/>
+          </p:nvGrpSpPr>
+          <p:grpSpPr>
+            <a:xfrm>
+              <a:off x="3481702" y="3552604"/>
+              <a:ext cx="2454700" cy="2594599"/>
+              <a:chOff x="3481702" y="3552604"/>
+              <a:chExt cx="2454700" cy="2594599"/>
+            </a:xfrm>
+          </p:grpSpPr>
+          <p:sp>
+            <p:nvSpPr>
+              <p:cNvPr id="125" name="手繪多邊形: 圖案 124">
+                <a:extLst>
+                  <a:ext uri="{FF2B5EF4-FFF2-40B4-BE49-F238E27FC236}">
+                    <a16:creationId xmlns:a16="http://schemas.microsoft.com/office/drawing/2014/main" id="{C0967F27-F2A5-409A-AAA4-4D21F7585C3B}"/>
+                  </a:ext>
+                </a:extLst>
+              </p:cNvPr>
+              <p:cNvSpPr/>
+              <p:nvPr/>
+            </p:nvSpPr>
+            <p:spPr>
+              <a:xfrm>
+                <a:off x="4167475" y="4306467"/>
+                <a:ext cx="226405" cy="465708"/>
+              </a:xfrm>
+              <a:custGeom>
+                <a:avLst/>
+                <a:gdLst>
+                  <a:gd name="connsiteX0" fmla="*/ 59395 w 226405"/>
+                  <a:gd name="connsiteY0" fmla="*/ 0 h 465708"/>
+                  <a:gd name="connsiteX1" fmla="*/ 50735 w 226405"/>
+                  <a:gd name="connsiteY1" fmla="*/ 125647 h 465708"/>
+                  <a:gd name="connsiteX2" fmla="*/ 150427 w 226405"/>
+                  <a:gd name="connsiteY2" fmla="*/ 105166 h 465708"/>
+                  <a:gd name="connsiteX3" fmla="*/ 110834 w 226405"/>
+                  <a:gd name="connsiteY3" fmla="*/ 172603 h 465708"/>
+                  <a:gd name="connsiteX4" fmla="*/ 214537 w 226405"/>
+                  <a:gd name="connsiteY4" fmla="*/ 191998 h 465708"/>
+                  <a:gd name="connsiteX5" fmla="*/ 132188 w 226405"/>
+                  <a:gd name="connsiteY5" fmla="*/ 247165 h 465708"/>
+                  <a:gd name="connsiteX6" fmla="*/ 226405 w 226405"/>
+                  <a:gd name="connsiteY6" fmla="*/ 313587 h 465708"/>
+                  <a:gd name="connsiteX7" fmla="*/ 114019 w 226405"/>
+                  <a:gd name="connsiteY7" fmla="*/ 305376 h 465708"/>
+                  <a:gd name="connsiteX8" fmla="*/ 144882 w 226405"/>
+                  <a:gd name="connsiteY8" fmla="*/ 426964 h 465708"/>
+                  <a:gd name="connsiteX9" fmla="*/ 47550 w 226405"/>
+                  <a:gd name="connsiteY9" fmla="*/ 341123 h 465708"/>
+                  <a:gd name="connsiteX10" fmla="*/ 29310 w 226405"/>
+                  <a:gd name="connsiteY10" fmla="*/ 465708 h 465708"/>
+                  <a:gd name="connsiteX11" fmla="*/ 0 w 226405"/>
+                  <a:gd name="connsiteY11" fmla="*/ 413868 h 465708"/>
+                  <a:gd name="connsiteX12" fmla="*/ 0 w 226405"/>
+                  <a:gd name="connsiteY12" fmla="*/ 92555 h 465708"/>
+                </a:gdLst>
+                <a:ahLst/>
+                <a:cxnLst>
+                  <a:cxn ang="0">
+                    <a:pos x="connsiteX0" y="connsiteY0"/>
+                  </a:cxn>
+                  <a:cxn ang="0">
+                    <a:pos x="connsiteX1" y="connsiteY1"/>
+                  </a:cxn>
+                  <a:cxn ang="0">
+                    <a:pos x="connsiteX2" y="connsiteY2"/>
+                  </a:cxn>
+                  <a:cxn ang="0">
+                    <a:pos x="connsiteX3" y="connsiteY3"/>
+                  </a:cxn>
+                  <a:cxn ang="0">
+                    <a:pos x="connsiteX4" y="connsiteY4"/>
+                  </a:cxn>
+                  <a:cxn ang="0">
+                    <a:pos x="connsiteX5" y="connsiteY5"/>
+                  </a:cxn>
+                  <a:cxn ang="0">
+                    <a:pos x="connsiteX6" y="connsiteY6"/>
+                  </a:cxn>
+                  <a:cxn ang="0">
+                    <a:pos x="connsiteX7" y="connsiteY7"/>
+                  </a:cxn>
+                  <a:cxn ang="0">
+                    <a:pos x="connsiteX8" y="connsiteY8"/>
+                  </a:cxn>
+                  <a:cxn ang="0">
+                    <a:pos x="connsiteX9" y="connsiteY9"/>
+                  </a:cxn>
+                  <a:cxn ang="0">
+                    <a:pos x="connsiteX10" y="connsiteY10"/>
+                  </a:cxn>
+                  <a:cxn ang="0">
+                    <a:pos x="connsiteX11" y="connsiteY11"/>
+                  </a:cxn>
+                  <a:cxn ang="0">
+                    <a:pos x="connsiteX12" y="connsiteY12"/>
+                  </a:cxn>
+                </a:cxnLst>
+                <a:rect l="l" t="t" r="r" b="b"/>
+                <a:pathLst>
+                  <a:path w="226405" h="465708">
+                    <a:moveTo>
+                      <a:pt x="59395" y="0"/>
+                    </a:moveTo>
+                    <a:cubicBezTo>
+                      <a:pt x="56516" y="41882"/>
+                      <a:pt x="53614" y="83765"/>
+                      <a:pt x="50735" y="125647"/>
+                    </a:cubicBezTo>
+                    <a:lnTo>
+                      <a:pt x="150427" y="105166"/>
+                    </a:lnTo>
+                    <a:lnTo>
+                      <a:pt x="110834" y="172603"/>
+                    </a:lnTo>
+                    <a:lnTo>
+                      <a:pt x="214537" y="191998"/>
+                    </a:lnTo>
+                    <a:lnTo>
+                      <a:pt x="132188" y="247165"/>
+                    </a:lnTo>
+                    <a:lnTo>
+                      <a:pt x="226405" y="313587"/>
+                    </a:lnTo>
+                    <a:lnTo>
+                      <a:pt x="114019" y="305376"/>
+                    </a:lnTo>
+                    <a:lnTo>
+                      <a:pt x="144882" y="426964"/>
+                    </a:lnTo>
+                    <a:lnTo>
+                      <a:pt x="47550" y="341123"/>
+                    </a:lnTo>
+                    <a:lnTo>
+                      <a:pt x="29310" y="465708"/>
+                    </a:lnTo>
+                    <a:lnTo>
+                      <a:pt x="0" y="413868"/>
+                    </a:lnTo>
+                    <a:lnTo>
+                      <a:pt x="0" y="92555"/>
+                    </a:lnTo>
+                    <a:close/>
+                  </a:path>
+                </a:pathLst>
+              </a:custGeom>
+              <a:solidFill>
+                <a:srgbClr val="9575CD"/>
+              </a:solidFill>
+              <a:ln>
+                <a:noFill/>
+              </a:ln>
+            </p:spPr>
+            <p:style>
+              <a:lnRef idx="2">
+                <a:schemeClr val="accent1">
+                  <a:shade val="50000"/>
+                </a:schemeClr>
+              </a:lnRef>
+              <a:fillRef idx="1">
+                <a:schemeClr val="accent1"/>
+              </a:fillRef>
+              <a:effectRef idx="0">
+                <a:schemeClr val="accent1"/>
+              </a:effectRef>
+              <a:fontRef idx="minor">
+                <a:schemeClr val="lt1"/>
+              </a:fontRef>
+            </p:style>
+            <p:txBody>
+              <a:bodyPr rtlCol="0" anchor="ctr"/>
+              <a:lstStyle/>
+              <a:p>
+                <a:pPr algn="ctr"/>
+                <a:endParaRPr lang="zh-TW" altLang="en-US"/>
+              </a:p>
+            </p:txBody>
+          </p:sp>
+          <p:sp>
+            <p:nvSpPr>
+              <p:cNvPr id="113" name="手繪多邊形: 圖案 112">
+                <a:extLst>
+                  <a:ext uri="{FF2B5EF4-FFF2-40B4-BE49-F238E27FC236}">
+                    <a16:creationId xmlns:a16="http://schemas.microsoft.com/office/drawing/2014/main" id="{C83B58B3-472C-4230-8394-D5362BC482C5}"/>
+                  </a:ext>
+                </a:extLst>
+              </p:cNvPr>
+              <p:cNvSpPr/>
+              <p:nvPr/>
+            </p:nvSpPr>
+            <p:spPr>
+              <a:xfrm flipH="1">
+                <a:off x="4968020" y="4226039"/>
+                <a:ext cx="769466" cy="302325"/>
+              </a:xfrm>
+              <a:custGeom>
+                <a:avLst/>
+                <a:gdLst>
+                  <a:gd name="connsiteX0" fmla="*/ 0 w 4933950"/>
+                  <a:gd name="connsiteY0" fmla="*/ 3753009 h 3878035"/>
+                  <a:gd name="connsiteX1" fmla="*/ 1085850 w 4933950"/>
+                  <a:gd name="connsiteY1" fmla="*/ 3257709 h 3878035"/>
+                  <a:gd name="connsiteX2" fmla="*/ 2400300 w 4933950"/>
+                  <a:gd name="connsiteY2" fmla="*/ 159 h 3878035"/>
+                  <a:gd name="connsiteX3" fmla="*/ 3848100 w 4933950"/>
+                  <a:gd name="connsiteY3" fmla="*/ 3400584 h 3878035"/>
+                  <a:gd name="connsiteX4" fmla="*/ 4933950 w 4933950"/>
+                  <a:gd name="connsiteY4" fmla="*/ 3772059 h 3878035"/>
+                  <a:gd name="connsiteX0" fmla="*/ 0 w 4933950"/>
+                  <a:gd name="connsiteY0" fmla="*/ 3753009 h 3878035"/>
+                  <a:gd name="connsiteX1" fmla="*/ 1085850 w 4933950"/>
+                  <a:gd name="connsiteY1" fmla="*/ 3257709 h 3878035"/>
+                  <a:gd name="connsiteX2" fmla="*/ 2400300 w 4933950"/>
+                  <a:gd name="connsiteY2" fmla="*/ 159 h 3878035"/>
+                  <a:gd name="connsiteX3" fmla="*/ 3848100 w 4933950"/>
+                  <a:gd name="connsiteY3" fmla="*/ 3400584 h 3878035"/>
+                  <a:gd name="connsiteX4" fmla="*/ 4933950 w 4933950"/>
+                  <a:gd name="connsiteY4" fmla="*/ 3772059 h 3878035"/>
+                  <a:gd name="connsiteX0" fmla="*/ 0 w 4933950"/>
+                  <a:gd name="connsiteY0" fmla="*/ 3753423 h 3878449"/>
+                  <a:gd name="connsiteX1" fmla="*/ 1143000 w 4933950"/>
+                  <a:gd name="connsiteY1" fmla="*/ 3134298 h 3878449"/>
+                  <a:gd name="connsiteX2" fmla="*/ 2400300 w 4933950"/>
+                  <a:gd name="connsiteY2" fmla="*/ 573 h 3878449"/>
+                  <a:gd name="connsiteX3" fmla="*/ 3848100 w 4933950"/>
+                  <a:gd name="connsiteY3" fmla="*/ 3400998 h 3878449"/>
+                  <a:gd name="connsiteX4" fmla="*/ 4933950 w 4933950"/>
+                  <a:gd name="connsiteY4" fmla="*/ 3772473 h 3878449"/>
+                  <a:gd name="connsiteX0" fmla="*/ 0 w 4933950"/>
+                  <a:gd name="connsiteY0" fmla="*/ 3752863 h 3877889"/>
+                  <a:gd name="connsiteX1" fmla="*/ 1143000 w 4933950"/>
+                  <a:gd name="connsiteY1" fmla="*/ 3133738 h 3877889"/>
+                  <a:gd name="connsiteX2" fmla="*/ 2400300 w 4933950"/>
+                  <a:gd name="connsiteY2" fmla="*/ 13 h 3877889"/>
+                  <a:gd name="connsiteX3" fmla="*/ 3848100 w 4933950"/>
+                  <a:gd name="connsiteY3" fmla="*/ 3400438 h 3877889"/>
+                  <a:gd name="connsiteX4" fmla="*/ 4933950 w 4933950"/>
+                  <a:gd name="connsiteY4" fmla="*/ 3771913 h 3877889"/>
+                  <a:gd name="connsiteX0" fmla="*/ 0 w 4933950"/>
+                  <a:gd name="connsiteY0" fmla="*/ 3752863 h 3877889"/>
+                  <a:gd name="connsiteX1" fmla="*/ 1143000 w 4933950"/>
+                  <a:gd name="connsiteY1" fmla="*/ 3133738 h 3877889"/>
+                  <a:gd name="connsiteX2" fmla="*/ 2438400 w 4933950"/>
+                  <a:gd name="connsiteY2" fmla="*/ 13 h 3877889"/>
+                  <a:gd name="connsiteX3" fmla="*/ 3848100 w 4933950"/>
+                  <a:gd name="connsiteY3" fmla="*/ 3400438 h 3877889"/>
+                  <a:gd name="connsiteX4" fmla="*/ 4933950 w 4933950"/>
+                  <a:gd name="connsiteY4" fmla="*/ 3771913 h 3877889"/>
+                  <a:gd name="connsiteX0" fmla="*/ 0 w 4933950"/>
+                  <a:gd name="connsiteY0" fmla="*/ 3752863 h 3826215"/>
+                  <a:gd name="connsiteX1" fmla="*/ 1143000 w 4933950"/>
+                  <a:gd name="connsiteY1" fmla="*/ 3133738 h 3826215"/>
+                  <a:gd name="connsiteX2" fmla="*/ 2438400 w 4933950"/>
+                  <a:gd name="connsiteY2" fmla="*/ 13 h 3826215"/>
+                  <a:gd name="connsiteX3" fmla="*/ 3848100 w 4933950"/>
+                  <a:gd name="connsiteY3" fmla="*/ 3400438 h 3826215"/>
+                  <a:gd name="connsiteX4" fmla="*/ 4933950 w 4933950"/>
+                  <a:gd name="connsiteY4" fmla="*/ 3771913 h 3826215"/>
+                  <a:gd name="connsiteX0" fmla="*/ 0 w 4933950"/>
+                  <a:gd name="connsiteY0" fmla="*/ 3752868 h 3801392"/>
+                  <a:gd name="connsiteX1" fmla="*/ 1143000 w 4933950"/>
+                  <a:gd name="connsiteY1" fmla="*/ 3133743 h 3801392"/>
+                  <a:gd name="connsiteX2" fmla="*/ 2438400 w 4933950"/>
+                  <a:gd name="connsiteY2" fmla="*/ 18 h 3801392"/>
+                  <a:gd name="connsiteX3" fmla="*/ 3705225 w 4933950"/>
+                  <a:gd name="connsiteY3" fmla="*/ 3181368 h 3801392"/>
+                  <a:gd name="connsiteX4" fmla="*/ 4933950 w 4933950"/>
+                  <a:gd name="connsiteY4" fmla="*/ 3771918 h 3801392"/>
+                  <a:gd name="connsiteX0" fmla="*/ 0 w 4933950"/>
+                  <a:gd name="connsiteY0" fmla="*/ 3752868 h 3771918"/>
+                  <a:gd name="connsiteX1" fmla="*/ 1143000 w 4933950"/>
+                  <a:gd name="connsiteY1" fmla="*/ 3133743 h 3771918"/>
+                  <a:gd name="connsiteX2" fmla="*/ 2438400 w 4933950"/>
+                  <a:gd name="connsiteY2" fmla="*/ 18 h 3771918"/>
+                  <a:gd name="connsiteX3" fmla="*/ 3705225 w 4933950"/>
+                  <a:gd name="connsiteY3" fmla="*/ 3181368 h 3771918"/>
+                  <a:gd name="connsiteX4" fmla="*/ 4933950 w 4933950"/>
+                  <a:gd name="connsiteY4" fmla="*/ 3771918 h 3771918"/>
+                  <a:gd name="connsiteX0" fmla="*/ 0 w 4895850"/>
+                  <a:gd name="connsiteY0" fmla="*/ 3752868 h 3752868"/>
+                  <a:gd name="connsiteX1" fmla="*/ 1143000 w 4895850"/>
+                  <a:gd name="connsiteY1" fmla="*/ 3133743 h 3752868"/>
+                  <a:gd name="connsiteX2" fmla="*/ 2438400 w 4895850"/>
+                  <a:gd name="connsiteY2" fmla="*/ 18 h 3752868"/>
+                  <a:gd name="connsiteX3" fmla="*/ 3705225 w 4895850"/>
+                  <a:gd name="connsiteY3" fmla="*/ 3181368 h 3752868"/>
+                  <a:gd name="connsiteX4" fmla="*/ 4895850 w 4895850"/>
+                  <a:gd name="connsiteY4" fmla="*/ 3752868 h 3752868"/>
+                  <a:gd name="connsiteX0" fmla="*/ 0 w 4895850"/>
+                  <a:gd name="connsiteY0" fmla="*/ 3752868 h 3752868"/>
+                  <a:gd name="connsiteX1" fmla="*/ 1143000 w 4895850"/>
+                  <a:gd name="connsiteY1" fmla="*/ 3133743 h 3752868"/>
+                  <a:gd name="connsiteX2" fmla="*/ 2438400 w 4895850"/>
+                  <a:gd name="connsiteY2" fmla="*/ 18 h 3752868"/>
+                  <a:gd name="connsiteX3" fmla="*/ 3705225 w 4895850"/>
+                  <a:gd name="connsiteY3" fmla="*/ 3181368 h 3752868"/>
+                  <a:gd name="connsiteX4" fmla="*/ 4895850 w 4895850"/>
+                  <a:gd name="connsiteY4" fmla="*/ 3752868 h 3752868"/>
+                  <a:gd name="connsiteX0" fmla="*/ 0 w 4895850"/>
+                  <a:gd name="connsiteY0" fmla="*/ 3752854 h 3752854"/>
+                  <a:gd name="connsiteX1" fmla="*/ 1143000 w 4895850"/>
+                  <a:gd name="connsiteY1" fmla="*/ 3133729 h 3752854"/>
+                  <a:gd name="connsiteX2" fmla="*/ 2438400 w 4895850"/>
+                  <a:gd name="connsiteY2" fmla="*/ 4 h 3752854"/>
+                  <a:gd name="connsiteX3" fmla="*/ 3676650 w 4895850"/>
+                  <a:gd name="connsiteY3" fmla="*/ 3114679 h 3752854"/>
+                  <a:gd name="connsiteX4" fmla="*/ 4895850 w 4895850"/>
+                  <a:gd name="connsiteY4" fmla="*/ 3752854 h 3752854"/>
+                  <a:gd name="connsiteX0" fmla="*/ 0 w 4895850"/>
+                  <a:gd name="connsiteY0" fmla="*/ 3762378 h 3762378"/>
+                  <a:gd name="connsiteX1" fmla="*/ 1143000 w 4895850"/>
+                  <a:gd name="connsiteY1" fmla="*/ 3143253 h 3762378"/>
+                  <a:gd name="connsiteX2" fmla="*/ 2400300 w 4895850"/>
+                  <a:gd name="connsiteY2" fmla="*/ 3 h 3762378"/>
+                  <a:gd name="connsiteX3" fmla="*/ 3676650 w 4895850"/>
+                  <a:gd name="connsiteY3" fmla="*/ 3124203 h 3762378"/>
+                  <a:gd name="connsiteX4" fmla="*/ 4895850 w 4895850"/>
+                  <a:gd name="connsiteY4" fmla="*/ 3762378 h 3762378"/>
+                  <a:gd name="connsiteX0" fmla="*/ 0 w 4895850"/>
+                  <a:gd name="connsiteY0" fmla="*/ 3752854 h 3752854"/>
+                  <a:gd name="connsiteX1" fmla="*/ 1143000 w 4895850"/>
+                  <a:gd name="connsiteY1" fmla="*/ 3133729 h 3752854"/>
+                  <a:gd name="connsiteX2" fmla="*/ 2438400 w 4895850"/>
+                  <a:gd name="connsiteY2" fmla="*/ 4 h 3752854"/>
+                  <a:gd name="connsiteX3" fmla="*/ 3676650 w 4895850"/>
+                  <a:gd name="connsiteY3" fmla="*/ 3114679 h 3752854"/>
+                  <a:gd name="connsiteX4" fmla="*/ 4895850 w 4895850"/>
+                  <a:gd name="connsiteY4" fmla="*/ 3752854 h 3752854"/>
+                  <a:gd name="connsiteX0" fmla="*/ 0 w 4895850"/>
+                  <a:gd name="connsiteY0" fmla="*/ 3752854 h 3752854"/>
+                  <a:gd name="connsiteX1" fmla="*/ 1143000 w 4895850"/>
+                  <a:gd name="connsiteY1" fmla="*/ 3133729 h 3752854"/>
+                  <a:gd name="connsiteX2" fmla="*/ 2419350 w 4895850"/>
+                  <a:gd name="connsiteY2" fmla="*/ 4 h 3752854"/>
+                  <a:gd name="connsiteX3" fmla="*/ 3676650 w 4895850"/>
+                  <a:gd name="connsiteY3" fmla="*/ 3114679 h 3752854"/>
+                  <a:gd name="connsiteX4" fmla="*/ 4895850 w 4895850"/>
+                  <a:gd name="connsiteY4" fmla="*/ 3752854 h 3752854"/>
+                  <a:gd name="connsiteX0" fmla="*/ 0 w 4895850"/>
+                  <a:gd name="connsiteY0" fmla="*/ 3752853 h 3752853"/>
+                  <a:gd name="connsiteX1" fmla="*/ 1143000 w 4895850"/>
+                  <a:gd name="connsiteY1" fmla="*/ 3133728 h 3752853"/>
+                  <a:gd name="connsiteX2" fmla="*/ 2419350 w 4895850"/>
+                  <a:gd name="connsiteY2" fmla="*/ 3 h 3752853"/>
+                  <a:gd name="connsiteX3" fmla="*/ 3676650 w 4895850"/>
+                  <a:gd name="connsiteY3" fmla="*/ 3114678 h 3752853"/>
+                  <a:gd name="connsiteX4" fmla="*/ 4895850 w 4895850"/>
+                  <a:gd name="connsiteY4" fmla="*/ 3752853 h 3752853"/>
+                  <a:gd name="connsiteX0" fmla="*/ 0 w 4895850"/>
+                  <a:gd name="connsiteY0" fmla="*/ 3752861 h 3752861"/>
+                  <a:gd name="connsiteX1" fmla="*/ 1143000 w 4895850"/>
+                  <a:gd name="connsiteY1" fmla="*/ 3133736 h 3752861"/>
+                  <a:gd name="connsiteX2" fmla="*/ 2419350 w 4895850"/>
+                  <a:gd name="connsiteY2" fmla="*/ 11 h 3752861"/>
+                  <a:gd name="connsiteX3" fmla="*/ 3619500 w 4895850"/>
+                  <a:gd name="connsiteY3" fmla="*/ 3095636 h 3752861"/>
+                  <a:gd name="connsiteX4" fmla="*/ 4895850 w 4895850"/>
+                  <a:gd name="connsiteY4" fmla="*/ 3752861 h 3752861"/>
+                  <a:gd name="connsiteX0" fmla="*/ 0 w 4895850"/>
+                  <a:gd name="connsiteY0" fmla="*/ 3752861 h 3752924"/>
+                  <a:gd name="connsiteX1" fmla="*/ 1143000 w 4895850"/>
+                  <a:gd name="connsiteY1" fmla="*/ 3133736 h 3752924"/>
+                  <a:gd name="connsiteX2" fmla="*/ 2419350 w 4895850"/>
+                  <a:gd name="connsiteY2" fmla="*/ 11 h 3752924"/>
+                  <a:gd name="connsiteX3" fmla="*/ 3619500 w 4895850"/>
+                  <a:gd name="connsiteY3" fmla="*/ 3095636 h 3752924"/>
+                  <a:gd name="connsiteX4" fmla="*/ 4895850 w 4895850"/>
+                  <a:gd name="connsiteY4" fmla="*/ 3752861 h 3752924"/>
+                  <a:gd name="connsiteX0" fmla="*/ 0 w 20488587"/>
+                  <a:gd name="connsiteY0" fmla="*/ 3728320 h 3752924"/>
+                  <a:gd name="connsiteX1" fmla="*/ 16735737 w 20488587"/>
+                  <a:gd name="connsiteY1" fmla="*/ 3133736 h 3752924"/>
+                  <a:gd name="connsiteX2" fmla="*/ 18012087 w 20488587"/>
+                  <a:gd name="connsiteY2" fmla="*/ 11 h 3752924"/>
+                  <a:gd name="connsiteX3" fmla="*/ 19212237 w 20488587"/>
+                  <a:gd name="connsiteY3" fmla="*/ 3095636 h 3752924"/>
+                  <a:gd name="connsiteX4" fmla="*/ 20488587 w 20488587"/>
+                  <a:gd name="connsiteY4" fmla="*/ 3752861 h 3752924"/>
+                  <a:gd name="connsiteX0" fmla="*/ 0 w 20488587"/>
+                  <a:gd name="connsiteY0" fmla="*/ 3728310 h 3752914"/>
+                  <a:gd name="connsiteX1" fmla="*/ 9874914 w 20488587"/>
+                  <a:gd name="connsiteY1" fmla="*/ 3084642 h 3752914"/>
+                  <a:gd name="connsiteX2" fmla="*/ 18012087 w 20488587"/>
+                  <a:gd name="connsiteY2" fmla="*/ 1 h 3752914"/>
+                  <a:gd name="connsiteX3" fmla="*/ 19212237 w 20488587"/>
+                  <a:gd name="connsiteY3" fmla="*/ 3095626 h 3752914"/>
+                  <a:gd name="connsiteX4" fmla="*/ 20488587 w 20488587"/>
+                  <a:gd name="connsiteY4" fmla="*/ 3752851 h 3752914"/>
+                  <a:gd name="connsiteX0" fmla="*/ 0 w 20488587"/>
+                  <a:gd name="connsiteY0" fmla="*/ 2967436 h 2992081"/>
+                  <a:gd name="connsiteX1" fmla="*/ 9874914 w 20488587"/>
+                  <a:gd name="connsiteY1" fmla="*/ 2323768 h 2992081"/>
+                  <a:gd name="connsiteX2" fmla="*/ 15392495 w 20488587"/>
+                  <a:gd name="connsiteY2" fmla="*/ 0 h 2992081"/>
+                  <a:gd name="connsiteX3" fmla="*/ 19212237 w 20488587"/>
+                  <a:gd name="connsiteY3" fmla="*/ 2334752 h 2992081"/>
+                  <a:gd name="connsiteX4" fmla="*/ 20488587 w 20488587"/>
+                  <a:gd name="connsiteY4" fmla="*/ 2991977 h 2992081"/>
+                  <a:gd name="connsiteX0" fmla="*/ 0 w 20488587"/>
+                  <a:gd name="connsiteY0" fmla="*/ 2971899 h 2996462"/>
+                  <a:gd name="connsiteX1" fmla="*/ 9874914 w 20488587"/>
+                  <a:gd name="connsiteY1" fmla="*/ 2328231 h 2996462"/>
+                  <a:gd name="connsiteX2" fmla="*/ 15392495 w 20488587"/>
+                  <a:gd name="connsiteY2" fmla="*/ 4463 h 2996462"/>
+                  <a:gd name="connsiteX3" fmla="*/ 17964808 w 20488587"/>
+                  <a:gd name="connsiteY3" fmla="*/ 1774691 h 2996462"/>
+                  <a:gd name="connsiteX4" fmla="*/ 20488587 w 20488587"/>
+                  <a:gd name="connsiteY4" fmla="*/ 2996440 h 2996462"/>
+                  <a:gd name="connsiteX0" fmla="*/ 0 w 21611276"/>
+                  <a:gd name="connsiteY0" fmla="*/ 2971920 h 3045567"/>
+                  <a:gd name="connsiteX1" fmla="*/ 9874914 w 21611276"/>
+                  <a:gd name="connsiteY1" fmla="*/ 2328252 h 3045567"/>
+                  <a:gd name="connsiteX2" fmla="*/ 15392495 w 21611276"/>
+                  <a:gd name="connsiteY2" fmla="*/ 4484 h 3045567"/>
+                  <a:gd name="connsiteX3" fmla="*/ 17964808 w 21611276"/>
+                  <a:gd name="connsiteY3" fmla="*/ 1774712 h 3045567"/>
+                  <a:gd name="connsiteX4" fmla="*/ 21611276 w 21611276"/>
+                  <a:gd name="connsiteY4" fmla="*/ 3045546 h 3045567"/>
+                  <a:gd name="connsiteX0" fmla="*/ 0 w 21611276"/>
+                  <a:gd name="connsiteY0" fmla="*/ 2968673 h 3042330"/>
+                  <a:gd name="connsiteX1" fmla="*/ 9874914 w 21611276"/>
+                  <a:gd name="connsiteY1" fmla="*/ 2325005 h 3042330"/>
+                  <a:gd name="connsiteX2" fmla="*/ 15392495 w 21611276"/>
+                  <a:gd name="connsiteY2" fmla="*/ 1237 h 3042330"/>
+                  <a:gd name="connsiteX3" fmla="*/ 17840053 w 21611276"/>
+                  <a:gd name="connsiteY3" fmla="*/ 2016916 h 3042330"/>
+                  <a:gd name="connsiteX4" fmla="*/ 21611276 w 21611276"/>
+                  <a:gd name="connsiteY4" fmla="*/ 3042299 h 3042330"/>
+                  <a:gd name="connsiteX0" fmla="*/ 0 w 21611276"/>
+                  <a:gd name="connsiteY0" fmla="*/ 2968024 h 3041681"/>
+                  <a:gd name="connsiteX1" fmla="*/ 10062007 w 21611276"/>
+                  <a:gd name="connsiteY1" fmla="*/ 2226178 h 3041681"/>
+                  <a:gd name="connsiteX2" fmla="*/ 15392495 w 21611276"/>
+                  <a:gd name="connsiteY2" fmla="*/ 588 h 3041681"/>
+                  <a:gd name="connsiteX3" fmla="*/ 17840053 w 21611276"/>
+                  <a:gd name="connsiteY3" fmla="*/ 2016267 h 3041681"/>
+                  <a:gd name="connsiteX4" fmla="*/ 21611276 w 21611276"/>
+                  <a:gd name="connsiteY4" fmla="*/ 3041650 h 3041681"/>
+                  <a:gd name="connsiteX0" fmla="*/ 0 w 21611276"/>
+                  <a:gd name="connsiteY0" fmla="*/ 2967488 h 3041145"/>
+                  <a:gd name="connsiteX1" fmla="*/ 10062007 w 21611276"/>
+                  <a:gd name="connsiteY1" fmla="*/ 2225642 h 3041145"/>
+                  <a:gd name="connsiteX2" fmla="*/ 15392495 w 21611276"/>
+                  <a:gd name="connsiteY2" fmla="*/ 52 h 3041145"/>
+                  <a:gd name="connsiteX3" fmla="*/ 17840053 w 21611276"/>
+                  <a:gd name="connsiteY3" fmla="*/ 2015731 h 3041145"/>
+                  <a:gd name="connsiteX4" fmla="*/ 21611276 w 21611276"/>
+                  <a:gd name="connsiteY4" fmla="*/ 3041114 h 3041145"/>
+                  <a:gd name="connsiteX0" fmla="*/ 0 w 21611276"/>
+                  <a:gd name="connsiteY0" fmla="*/ 2942936 h 3016593"/>
+                  <a:gd name="connsiteX1" fmla="*/ 10062007 w 21611276"/>
+                  <a:gd name="connsiteY1" fmla="*/ 2201090 h 3016593"/>
+                  <a:gd name="connsiteX2" fmla="*/ 14644044 w 21611276"/>
+                  <a:gd name="connsiteY2" fmla="*/ 52 h 3016593"/>
+                  <a:gd name="connsiteX3" fmla="*/ 17840053 w 21611276"/>
+                  <a:gd name="connsiteY3" fmla="*/ 1991179 h 3016593"/>
+                  <a:gd name="connsiteX4" fmla="*/ 21611276 w 21611276"/>
+                  <a:gd name="connsiteY4" fmla="*/ 3016562 h 3016593"/>
+                  <a:gd name="connsiteX0" fmla="*/ 0 w 21611276"/>
+                  <a:gd name="connsiteY0" fmla="*/ 2943225 h 3016882"/>
+                  <a:gd name="connsiteX1" fmla="*/ 10062007 w 21611276"/>
+                  <a:gd name="connsiteY1" fmla="*/ 2201379 h 3016882"/>
+                  <a:gd name="connsiteX2" fmla="*/ 14644044 w 21611276"/>
+                  <a:gd name="connsiteY2" fmla="*/ 341 h 3016882"/>
+                  <a:gd name="connsiteX3" fmla="*/ 18151901 w 21611276"/>
+                  <a:gd name="connsiteY3" fmla="*/ 2040562 h 3016882"/>
+                  <a:gd name="connsiteX4" fmla="*/ 21611276 w 21611276"/>
+                  <a:gd name="connsiteY4" fmla="*/ 3016851 h 3016882"/>
+                  <a:gd name="connsiteX0" fmla="*/ 0 w 21548885"/>
+                  <a:gd name="connsiteY0" fmla="*/ 2992309 h 3016882"/>
+                  <a:gd name="connsiteX1" fmla="*/ 9999616 w 21548885"/>
+                  <a:gd name="connsiteY1" fmla="*/ 2201379 h 3016882"/>
+                  <a:gd name="connsiteX2" fmla="*/ 14581653 w 21548885"/>
+                  <a:gd name="connsiteY2" fmla="*/ 341 h 3016882"/>
+                  <a:gd name="connsiteX3" fmla="*/ 18089510 w 21548885"/>
+                  <a:gd name="connsiteY3" fmla="*/ 2040562 h 3016882"/>
+                  <a:gd name="connsiteX4" fmla="*/ 21548885 w 21548885"/>
+                  <a:gd name="connsiteY4" fmla="*/ 3016851 h 3016882"/>
+                  <a:gd name="connsiteX0" fmla="*/ 0 w 21673640"/>
+                  <a:gd name="connsiteY0" fmla="*/ 3041393 h 3041393"/>
+                  <a:gd name="connsiteX1" fmla="*/ 10124371 w 21673640"/>
+                  <a:gd name="connsiteY1" fmla="*/ 2201379 h 3041393"/>
+                  <a:gd name="connsiteX2" fmla="*/ 14706408 w 21673640"/>
+                  <a:gd name="connsiteY2" fmla="*/ 341 h 3041393"/>
+                  <a:gd name="connsiteX3" fmla="*/ 18214265 w 21673640"/>
+                  <a:gd name="connsiteY3" fmla="*/ 2040562 h 3041393"/>
+                  <a:gd name="connsiteX4" fmla="*/ 21673640 w 21673640"/>
+                  <a:gd name="connsiteY4" fmla="*/ 3016851 h 3041393"/>
+                </a:gdLst>
+                <a:ahLst/>
+                <a:cxnLst>
+                  <a:cxn ang="0">
+                    <a:pos x="connsiteX0" y="connsiteY0"/>
+                  </a:cxn>
+                  <a:cxn ang="0">
+                    <a:pos x="connsiteX1" y="connsiteY1"/>
+                  </a:cxn>
+                  <a:cxn ang="0">
+                    <a:pos x="connsiteX2" y="connsiteY2"/>
+                  </a:cxn>
+                  <a:cxn ang="0">
+                    <a:pos x="connsiteX3" y="connsiteY3"/>
+                  </a:cxn>
+                  <a:cxn ang="0">
+                    <a:pos x="connsiteX4" y="connsiteY4"/>
+                  </a:cxn>
+                </a:cxnLst>
+                <a:rect l="l" t="t" r="r" b="b"/>
+                <a:pathLst>
+                  <a:path w="21673640" h="3041393">
+                    <a:moveTo>
+                      <a:pt x="0" y="3041393"/>
+                    </a:moveTo>
+                    <a:cubicBezTo>
+                      <a:pt x="409575" y="3030280"/>
+                      <a:pt x="7673303" y="2708221"/>
+                      <a:pt x="10124371" y="2201379"/>
+                    </a:cubicBezTo>
+                    <a:cubicBezTo>
+                      <a:pt x="12575439" y="1694537"/>
+                      <a:pt x="13358092" y="27144"/>
+                      <a:pt x="14706408" y="341"/>
+                    </a:cubicBezTo>
+                    <a:cubicBezTo>
+                      <a:pt x="16054724" y="-26462"/>
+                      <a:pt x="17053060" y="1537810"/>
+                      <a:pt x="18214265" y="2040562"/>
+                    </a:cubicBezTo>
+                    <a:cubicBezTo>
+                      <a:pt x="19375470" y="2543314"/>
+                      <a:pt x="20875127" y="3021613"/>
+                      <a:pt x="21673640" y="3016851"/>
+                    </a:cubicBezTo>
+                  </a:path>
+                </a:pathLst>
+              </a:custGeom>
+              <a:solidFill>
+                <a:srgbClr val="9575CD"/>
+              </a:solidFill>
+              <a:ln w="28575">
+                <a:noFill/>
+              </a:ln>
+            </p:spPr>
+            <p:style>
+              <a:lnRef idx="2">
+                <a:schemeClr val="accent1">
+                  <a:shade val="50000"/>
+                </a:schemeClr>
+              </a:lnRef>
+              <a:fillRef idx="1">
+                <a:schemeClr val="accent1"/>
+              </a:fillRef>
+              <a:effectRef idx="0">
+                <a:schemeClr val="accent1"/>
+              </a:effectRef>
+              <a:fontRef idx="minor">
+                <a:schemeClr val="lt1"/>
+              </a:fontRef>
+            </p:style>
+            <p:txBody>
+              <a:bodyPr rtlCol="0" anchor="ctr"/>
+              <a:lstStyle/>
+              <a:p>
+                <a:pPr algn="ctr"/>
+                <a:endParaRPr lang="zh-TW" altLang="en-US"/>
+              </a:p>
+            </p:txBody>
+          </p:sp>
+          <p:cxnSp>
+            <p:nvCxnSpPr>
+              <p:cNvPr id="102" name="直線單箭頭接點 101">
+                <a:extLst>
+                  <a:ext uri="{FF2B5EF4-FFF2-40B4-BE49-F238E27FC236}">
+                    <a16:creationId xmlns:a16="http://schemas.microsoft.com/office/drawing/2014/main" id="{897E242B-92E3-413D-B025-F32E30607DD6}"/>
+                  </a:ext>
+                </a:extLst>
+              </p:cNvPr>
+              <p:cNvCxnSpPr>
+                <a:cxnSpLocks/>
+                <a:stCxn id="105" idx="3"/>
+              </p:cNvCxnSpPr>
+              <p:nvPr/>
+            </p:nvCxnSpPr>
+            <p:spPr>
+              <a:xfrm flipV="1">
+                <a:off x="4155048" y="4539322"/>
+                <a:ext cx="1744714" cy="6934"/>
+              </a:xfrm>
+              <a:prstGeom prst="straightConnector1">
+                <a:avLst/>
+              </a:prstGeom>
+              <a:ln w="12700">
+                <a:solidFill>
+                  <a:srgbClr val="9575CD"/>
+                </a:solidFill>
+                <a:tailEnd type="triangle"/>
+              </a:ln>
+            </p:spPr>
+            <p:style>
+              <a:lnRef idx="1">
+                <a:schemeClr val="accent1"/>
+              </a:lnRef>
+              <a:fillRef idx="0">
+                <a:schemeClr val="accent1"/>
+              </a:fillRef>
+              <a:effectRef idx="0">
+                <a:schemeClr val="accent1"/>
+              </a:effectRef>
+              <a:fontRef idx="minor">
+                <a:schemeClr val="tx1"/>
+              </a:fontRef>
+            </p:style>
+          </p:cxnSp>
+          <p:sp>
+            <p:nvSpPr>
+              <p:cNvPr id="103" name="手繪多邊形: 圖案 102">
+                <a:extLst>
+                  <a:ext uri="{FF2B5EF4-FFF2-40B4-BE49-F238E27FC236}">
+                    <a16:creationId xmlns:a16="http://schemas.microsoft.com/office/drawing/2014/main" id="{C24C5D0C-8848-480C-8B7B-AFD78474E704}"/>
+                  </a:ext>
+                </a:extLst>
+              </p:cNvPr>
+              <p:cNvSpPr/>
+              <p:nvPr/>
+            </p:nvSpPr>
+            <p:spPr>
+              <a:xfrm rot="20017632">
+                <a:off x="5160447" y="3552604"/>
+                <a:ext cx="186918" cy="364099"/>
+              </a:xfrm>
+              <a:custGeom>
+                <a:avLst/>
+                <a:gdLst>
+                  <a:gd name="connsiteX0" fmla="*/ 0 w 4933950"/>
+                  <a:gd name="connsiteY0" fmla="*/ 3753009 h 3878035"/>
+                  <a:gd name="connsiteX1" fmla="*/ 1085850 w 4933950"/>
+                  <a:gd name="connsiteY1" fmla="*/ 3257709 h 3878035"/>
+                  <a:gd name="connsiteX2" fmla="*/ 2400300 w 4933950"/>
+                  <a:gd name="connsiteY2" fmla="*/ 159 h 3878035"/>
+                  <a:gd name="connsiteX3" fmla="*/ 3848100 w 4933950"/>
+                  <a:gd name="connsiteY3" fmla="*/ 3400584 h 3878035"/>
+                  <a:gd name="connsiteX4" fmla="*/ 4933950 w 4933950"/>
+                  <a:gd name="connsiteY4" fmla="*/ 3772059 h 3878035"/>
+                  <a:gd name="connsiteX0" fmla="*/ 0 w 4933950"/>
+                  <a:gd name="connsiteY0" fmla="*/ 3753009 h 3878035"/>
+                  <a:gd name="connsiteX1" fmla="*/ 1085850 w 4933950"/>
+                  <a:gd name="connsiteY1" fmla="*/ 3257709 h 3878035"/>
+                  <a:gd name="connsiteX2" fmla="*/ 2400300 w 4933950"/>
+                  <a:gd name="connsiteY2" fmla="*/ 159 h 3878035"/>
+                  <a:gd name="connsiteX3" fmla="*/ 3848100 w 4933950"/>
+                  <a:gd name="connsiteY3" fmla="*/ 3400584 h 3878035"/>
+                  <a:gd name="connsiteX4" fmla="*/ 4933950 w 4933950"/>
+                  <a:gd name="connsiteY4" fmla="*/ 3772059 h 3878035"/>
+                  <a:gd name="connsiteX0" fmla="*/ 0 w 4933950"/>
+                  <a:gd name="connsiteY0" fmla="*/ 3753423 h 3878449"/>
+                  <a:gd name="connsiteX1" fmla="*/ 1143000 w 4933950"/>
+                  <a:gd name="connsiteY1" fmla="*/ 3134298 h 3878449"/>
+                  <a:gd name="connsiteX2" fmla="*/ 2400300 w 4933950"/>
+                  <a:gd name="connsiteY2" fmla="*/ 573 h 3878449"/>
+                  <a:gd name="connsiteX3" fmla="*/ 3848100 w 4933950"/>
+                  <a:gd name="connsiteY3" fmla="*/ 3400998 h 3878449"/>
+                  <a:gd name="connsiteX4" fmla="*/ 4933950 w 4933950"/>
+                  <a:gd name="connsiteY4" fmla="*/ 3772473 h 3878449"/>
+                  <a:gd name="connsiteX0" fmla="*/ 0 w 4933950"/>
+                  <a:gd name="connsiteY0" fmla="*/ 3752863 h 3877889"/>
+                  <a:gd name="connsiteX1" fmla="*/ 1143000 w 4933950"/>
+                  <a:gd name="connsiteY1" fmla="*/ 3133738 h 3877889"/>
+                  <a:gd name="connsiteX2" fmla="*/ 2400300 w 4933950"/>
+                  <a:gd name="connsiteY2" fmla="*/ 13 h 3877889"/>
+                  <a:gd name="connsiteX3" fmla="*/ 3848100 w 4933950"/>
+                  <a:gd name="connsiteY3" fmla="*/ 3400438 h 3877889"/>
+                  <a:gd name="connsiteX4" fmla="*/ 4933950 w 4933950"/>
+                  <a:gd name="connsiteY4" fmla="*/ 3771913 h 3877889"/>
+                  <a:gd name="connsiteX0" fmla="*/ 0 w 4933950"/>
+                  <a:gd name="connsiteY0" fmla="*/ 3752863 h 3877889"/>
+                  <a:gd name="connsiteX1" fmla="*/ 1143000 w 4933950"/>
+                  <a:gd name="connsiteY1" fmla="*/ 3133738 h 3877889"/>
+                  <a:gd name="connsiteX2" fmla="*/ 2438400 w 4933950"/>
+                  <a:gd name="connsiteY2" fmla="*/ 13 h 3877889"/>
+                  <a:gd name="connsiteX3" fmla="*/ 3848100 w 4933950"/>
+                  <a:gd name="connsiteY3" fmla="*/ 3400438 h 3877889"/>
+                  <a:gd name="connsiteX4" fmla="*/ 4933950 w 4933950"/>
+                  <a:gd name="connsiteY4" fmla="*/ 3771913 h 3877889"/>
+                  <a:gd name="connsiteX0" fmla="*/ 0 w 4933950"/>
+                  <a:gd name="connsiteY0" fmla="*/ 3752863 h 3826215"/>
+                  <a:gd name="connsiteX1" fmla="*/ 1143000 w 4933950"/>
+                  <a:gd name="connsiteY1" fmla="*/ 3133738 h 3826215"/>
+                  <a:gd name="connsiteX2" fmla="*/ 2438400 w 4933950"/>
+                  <a:gd name="connsiteY2" fmla="*/ 13 h 3826215"/>
+                  <a:gd name="connsiteX3" fmla="*/ 3848100 w 4933950"/>
+                  <a:gd name="connsiteY3" fmla="*/ 3400438 h 3826215"/>
+                  <a:gd name="connsiteX4" fmla="*/ 4933950 w 4933950"/>
+                  <a:gd name="connsiteY4" fmla="*/ 3771913 h 3826215"/>
+                  <a:gd name="connsiteX0" fmla="*/ 0 w 4933950"/>
+                  <a:gd name="connsiteY0" fmla="*/ 3752868 h 3801392"/>
+                  <a:gd name="connsiteX1" fmla="*/ 1143000 w 4933950"/>
+                  <a:gd name="connsiteY1" fmla="*/ 3133743 h 3801392"/>
+                  <a:gd name="connsiteX2" fmla="*/ 2438400 w 4933950"/>
+                  <a:gd name="connsiteY2" fmla="*/ 18 h 3801392"/>
+                  <a:gd name="connsiteX3" fmla="*/ 3705225 w 4933950"/>
+                  <a:gd name="connsiteY3" fmla="*/ 3181368 h 3801392"/>
+                  <a:gd name="connsiteX4" fmla="*/ 4933950 w 4933950"/>
+                  <a:gd name="connsiteY4" fmla="*/ 3771918 h 3801392"/>
+                  <a:gd name="connsiteX0" fmla="*/ 0 w 4933950"/>
+                  <a:gd name="connsiteY0" fmla="*/ 3752868 h 3771918"/>
+                  <a:gd name="connsiteX1" fmla="*/ 1143000 w 4933950"/>
+                  <a:gd name="connsiteY1" fmla="*/ 3133743 h 3771918"/>
+                  <a:gd name="connsiteX2" fmla="*/ 2438400 w 4933950"/>
+                  <a:gd name="connsiteY2" fmla="*/ 18 h 3771918"/>
+                  <a:gd name="connsiteX3" fmla="*/ 3705225 w 4933950"/>
+                  <a:gd name="connsiteY3" fmla="*/ 3181368 h 3771918"/>
+                  <a:gd name="connsiteX4" fmla="*/ 4933950 w 4933950"/>
+                  <a:gd name="connsiteY4" fmla="*/ 3771918 h 3771918"/>
+                  <a:gd name="connsiteX0" fmla="*/ 0 w 4895850"/>
+                  <a:gd name="connsiteY0" fmla="*/ 3752868 h 3752868"/>
+                  <a:gd name="connsiteX1" fmla="*/ 1143000 w 4895850"/>
+                  <a:gd name="connsiteY1" fmla="*/ 3133743 h 3752868"/>
+                  <a:gd name="connsiteX2" fmla="*/ 2438400 w 4895850"/>
+                  <a:gd name="connsiteY2" fmla="*/ 18 h 3752868"/>
+                  <a:gd name="connsiteX3" fmla="*/ 3705225 w 4895850"/>
+                  <a:gd name="connsiteY3" fmla="*/ 3181368 h 3752868"/>
+                  <a:gd name="connsiteX4" fmla="*/ 4895850 w 4895850"/>
+                  <a:gd name="connsiteY4" fmla="*/ 3752868 h 3752868"/>
+                  <a:gd name="connsiteX0" fmla="*/ 0 w 4895850"/>
+                  <a:gd name="connsiteY0" fmla="*/ 3752868 h 3752868"/>
+                  <a:gd name="connsiteX1" fmla="*/ 1143000 w 4895850"/>
+                  <a:gd name="connsiteY1" fmla="*/ 3133743 h 3752868"/>
+                  <a:gd name="connsiteX2" fmla="*/ 2438400 w 4895850"/>
+                  <a:gd name="connsiteY2" fmla="*/ 18 h 3752868"/>
+                  <a:gd name="connsiteX3" fmla="*/ 3705225 w 4895850"/>
+                  <a:gd name="connsiteY3" fmla="*/ 3181368 h 3752868"/>
+                  <a:gd name="connsiteX4" fmla="*/ 4895850 w 4895850"/>
+                  <a:gd name="connsiteY4" fmla="*/ 3752868 h 3752868"/>
+                  <a:gd name="connsiteX0" fmla="*/ 0 w 4895850"/>
+                  <a:gd name="connsiteY0" fmla="*/ 3752854 h 3752854"/>
+                  <a:gd name="connsiteX1" fmla="*/ 1143000 w 4895850"/>
+                  <a:gd name="connsiteY1" fmla="*/ 3133729 h 3752854"/>
+                  <a:gd name="connsiteX2" fmla="*/ 2438400 w 4895850"/>
+                  <a:gd name="connsiteY2" fmla="*/ 4 h 3752854"/>
+                  <a:gd name="connsiteX3" fmla="*/ 3676650 w 4895850"/>
+                  <a:gd name="connsiteY3" fmla="*/ 3114679 h 3752854"/>
+                  <a:gd name="connsiteX4" fmla="*/ 4895850 w 4895850"/>
+                  <a:gd name="connsiteY4" fmla="*/ 3752854 h 3752854"/>
+                  <a:gd name="connsiteX0" fmla="*/ 0 w 4895850"/>
+                  <a:gd name="connsiteY0" fmla="*/ 3762378 h 3762378"/>
+                  <a:gd name="connsiteX1" fmla="*/ 1143000 w 4895850"/>
+                  <a:gd name="connsiteY1" fmla="*/ 3143253 h 3762378"/>
+                  <a:gd name="connsiteX2" fmla="*/ 2400300 w 4895850"/>
+                  <a:gd name="connsiteY2" fmla="*/ 3 h 3762378"/>
+                  <a:gd name="connsiteX3" fmla="*/ 3676650 w 4895850"/>
+                  <a:gd name="connsiteY3" fmla="*/ 3124203 h 3762378"/>
+                  <a:gd name="connsiteX4" fmla="*/ 4895850 w 4895850"/>
+                  <a:gd name="connsiteY4" fmla="*/ 3762378 h 3762378"/>
+                  <a:gd name="connsiteX0" fmla="*/ 0 w 4895850"/>
+                  <a:gd name="connsiteY0" fmla="*/ 3752854 h 3752854"/>
+                  <a:gd name="connsiteX1" fmla="*/ 1143000 w 4895850"/>
+                  <a:gd name="connsiteY1" fmla="*/ 3133729 h 3752854"/>
+                  <a:gd name="connsiteX2" fmla="*/ 2438400 w 4895850"/>
+                  <a:gd name="connsiteY2" fmla="*/ 4 h 3752854"/>
+                  <a:gd name="connsiteX3" fmla="*/ 3676650 w 4895850"/>
+                  <a:gd name="connsiteY3" fmla="*/ 3114679 h 3752854"/>
+                  <a:gd name="connsiteX4" fmla="*/ 4895850 w 4895850"/>
+                  <a:gd name="connsiteY4" fmla="*/ 3752854 h 3752854"/>
+                  <a:gd name="connsiteX0" fmla="*/ 0 w 4895850"/>
+                  <a:gd name="connsiteY0" fmla="*/ 3752854 h 3752854"/>
+                  <a:gd name="connsiteX1" fmla="*/ 1143000 w 4895850"/>
+                  <a:gd name="connsiteY1" fmla="*/ 3133729 h 3752854"/>
+                  <a:gd name="connsiteX2" fmla="*/ 2419350 w 4895850"/>
+                  <a:gd name="connsiteY2" fmla="*/ 4 h 3752854"/>
+                  <a:gd name="connsiteX3" fmla="*/ 3676650 w 4895850"/>
+                  <a:gd name="connsiteY3" fmla="*/ 3114679 h 3752854"/>
+                  <a:gd name="connsiteX4" fmla="*/ 4895850 w 4895850"/>
+                  <a:gd name="connsiteY4" fmla="*/ 3752854 h 3752854"/>
+                  <a:gd name="connsiteX0" fmla="*/ 0 w 4895850"/>
+                  <a:gd name="connsiteY0" fmla="*/ 3752853 h 3752853"/>
+                  <a:gd name="connsiteX1" fmla="*/ 1143000 w 4895850"/>
+                  <a:gd name="connsiteY1" fmla="*/ 3133728 h 3752853"/>
+                  <a:gd name="connsiteX2" fmla="*/ 2419350 w 4895850"/>
+                  <a:gd name="connsiteY2" fmla="*/ 3 h 3752853"/>
+                  <a:gd name="connsiteX3" fmla="*/ 3676650 w 4895850"/>
+                  <a:gd name="connsiteY3" fmla="*/ 3114678 h 3752853"/>
+                  <a:gd name="connsiteX4" fmla="*/ 4895850 w 4895850"/>
+                  <a:gd name="connsiteY4" fmla="*/ 3752853 h 3752853"/>
+                  <a:gd name="connsiteX0" fmla="*/ 0 w 4895850"/>
+                  <a:gd name="connsiteY0" fmla="*/ 3752861 h 3752861"/>
+                  <a:gd name="connsiteX1" fmla="*/ 1143000 w 4895850"/>
+                  <a:gd name="connsiteY1" fmla="*/ 3133736 h 3752861"/>
+                  <a:gd name="connsiteX2" fmla="*/ 2419350 w 4895850"/>
+                  <a:gd name="connsiteY2" fmla="*/ 11 h 3752861"/>
+                  <a:gd name="connsiteX3" fmla="*/ 3619500 w 4895850"/>
+                  <a:gd name="connsiteY3" fmla="*/ 3095636 h 3752861"/>
+                  <a:gd name="connsiteX4" fmla="*/ 4895850 w 4895850"/>
+                  <a:gd name="connsiteY4" fmla="*/ 3752861 h 3752861"/>
+                  <a:gd name="connsiteX0" fmla="*/ 0 w 4895850"/>
+                  <a:gd name="connsiteY0" fmla="*/ 3752861 h 3752924"/>
+                  <a:gd name="connsiteX1" fmla="*/ 1143000 w 4895850"/>
+                  <a:gd name="connsiteY1" fmla="*/ 3133736 h 3752924"/>
+                  <a:gd name="connsiteX2" fmla="*/ 2419350 w 4895850"/>
+                  <a:gd name="connsiteY2" fmla="*/ 11 h 3752924"/>
+                  <a:gd name="connsiteX3" fmla="*/ 3619500 w 4895850"/>
+                  <a:gd name="connsiteY3" fmla="*/ 3095636 h 3752924"/>
+                  <a:gd name="connsiteX4" fmla="*/ 4895850 w 4895850"/>
+                  <a:gd name="connsiteY4" fmla="*/ 3752861 h 3752924"/>
+                </a:gdLst>
+                <a:ahLst/>
+                <a:cxnLst>
+                  <a:cxn ang="0">
+                    <a:pos x="connsiteX0" y="connsiteY0"/>
+                  </a:cxn>
+                  <a:cxn ang="0">
+                    <a:pos x="connsiteX1" y="connsiteY1"/>
+                  </a:cxn>
+                  <a:cxn ang="0">
+                    <a:pos x="connsiteX2" y="connsiteY2"/>
+                  </a:cxn>
+                  <a:cxn ang="0">
+                    <a:pos x="connsiteX3" y="connsiteY3"/>
+                  </a:cxn>
+                  <a:cxn ang="0">
+                    <a:pos x="connsiteX4" y="connsiteY4"/>
+                  </a:cxn>
+                </a:cxnLst>
+                <a:rect l="l" t="t" r="r" b="b"/>
+                <a:pathLst>
+                  <a:path w="4895850" h="3752924">
+                    <a:moveTo>
+                      <a:pt x="0" y="3752861"/>
+                    </a:moveTo>
+                    <a:cubicBezTo>
+                      <a:pt x="409575" y="3741748"/>
+                      <a:pt x="739775" y="3759211"/>
+                      <a:pt x="1143000" y="3133736"/>
+                    </a:cubicBezTo>
+                    <a:cubicBezTo>
+                      <a:pt x="1546225" y="2508261"/>
+                      <a:pt x="2006600" y="6361"/>
+                      <a:pt x="2419350" y="11"/>
+                    </a:cubicBezTo>
+                    <a:cubicBezTo>
+                      <a:pt x="2832100" y="-6339"/>
+                      <a:pt x="3330575" y="2698761"/>
+                      <a:pt x="3619500" y="3095636"/>
+                    </a:cubicBezTo>
+                    <a:cubicBezTo>
+                      <a:pt x="3908425" y="3492511"/>
+                      <a:pt x="4097337" y="3757623"/>
+                      <a:pt x="4895850" y="3752861"/>
+                    </a:cubicBezTo>
+                  </a:path>
+                </a:pathLst>
+              </a:custGeom>
+              <a:solidFill>
+                <a:srgbClr val="DCD2EA"/>
+              </a:solidFill>
+              <a:ln w="28575">
+                <a:noFill/>
+              </a:ln>
+            </p:spPr>
+            <p:style>
+              <a:lnRef idx="2">
+                <a:schemeClr val="accent1">
+                  <a:shade val="50000"/>
+                </a:schemeClr>
+              </a:lnRef>
+              <a:fillRef idx="1">
+                <a:schemeClr val="accent1"/>
+              </a:fillRef>
+              <a:effectRef idx="0">
+                <a:schemeClr val="accent1"/>
+              </a:effectRef>
+              <a:fontRef idx="minor">
+                <a:schemeClr val="lt1"/>
+              </a:fontRef>
+            </p:style>
+            <p:txBody>
+              <a:bodyPr rtlCol="0" anchor="ctr"/>
+              <a:lstStyle/>
+              <a:p>
+                <a:pPr algn="ctr"/>
+                <a:endParaRPr lang="zh-TW" altLang="en-US"/>
+              </a:p>
+            </p:txBody>
+          </p:sp>
+          <p:cxnSp>
+            <p:nvCxnSpPr>
+              <p:cNvPr id="104" name="直線單箭頭接點 103">
+                <a:extLst>
+                  <a:ext uri="{FF2B5EF4-FFF2-40B4-BE49-F238E27FC236}">
+                    <a16:creationId xmlns:a16="http://schemas.microsoft.com/office/drawing/2014/main" id="{E8DE7C64-591C-464B-960C-342647DDCB96}"/>
+                  </a:ext>
+                </a:extLst>
+              </p:cNvPr>
+              <p:cNvCxnSpPr>
+                <a:cxnSpLocks/>
+              </p:cNvCxnSpPr>
+              <p:nvPr/>
+            </p:nvCxnSpPr>
+            <p:spPr>
+              <a:xfrm flipV="1">
+                <a:off x="3481702" y="3762184"/>
+                <a:ext cx="2212401" cy="1092533"/>
+              </a:xfrm>
+              <a:prstGeom prst="straightConnector1">
+                <a:avLst/>
+              </a:prstGeom>
+              <a:ln w="38100">
+                <a:solidFill>
+                  <a:srgbClr val="DCD2EA"/>
+                </a:solidFill>
+                <a:tailEnd type="triangle"/>
+              </a:ln>
+            </p:spPr>
+            <p:style>
+              <a:lnRef idx="1">
+                <a:schemeClr val="accent1"/>
+              </a:lnRef>
+              <a:fillRef idx="0">
+                <a:schemeClr val="accent1"/>
+              </a:fillRef>
+              <a:effectRef idx="0">
+                <a:schemeClr val="accent1"/>
+              </a:effectRef>
+              <a:fontRef idx="minor">
+                <a:schemeClr val="tx1"/>
+              </a:fontRef>
+            </p:style>
+          </p:cxnSp>
+          <p:sp>
+            <p:nvSpPr>
+              <p:cNvPr id="105" name="矩形 104">
+                <a:extLst>
+                  <a:ext uri="{FF2B5EF4-FFF2-40B4-BE49-F238E27FC236}">
+                    <a16:creationId xmlns:a16="http://schemas.microsoft.com/office/drawing/2014/main" id="{4579480B-7706-4D24-9264-10593C1ACB6A}"/>
+                  </a:ext>
+                </a:extLst>
+              </p:cNvPr>
+              <p:cNvSpPr/>
+              <p:nvPr/>
+            </p:nvSpPr>
+            <p:spPr>
+              <a:xfrm>
+                <a:off x="4069117" y="4194713"/>
+                <a:ext cx="85931" cy="703086"/>
+              </a:xfrm>
+              <a:prstGeom prst="rect">
+                <a:avLst/>
+              </a:prstGeom>
+              <a:solidFill>
+                <a:srgbClr val="DCD2EA"/>
+              </a:solidFill>
+              <a:ln w="28575">
+                <a:solidFill>
+                  <a:schemeClr val="bg1"/>
+                </a:solidFill>
+              </a:ln>
+            </p:spPr>
+            <p:style>
+              <a:lnRef idx="2">
+                <a:schemeClr val="accent1">
+                  <a:shade val="50000"/>
+                </a:schemeClr>
+              </a:lnRef>
+              <a:fillRef idx="1">
+                <a:schemeClr val="accent1"/>
+              </a:fillRef>
+              <a:effectRef idx="0">
+                <a:schemeClr val="accent1"/>
+              </a:effectRef>
+              <a:fontRef idx="minor">
+                <a:schemeClr val="lt1"/>
+              </a:fontRef>
+            </p:style>
+            <p:txBody>
+              <a:bodyPr rtlCol="0" anchor="ctr"/>
+              <a:lstStyle/>
+              <a:p>
+                <a:pPr algn="ctr"/>
+                <a:endParaRPr lang="zh-TW" altLang="en-US"/>
+              </a:p>
+            </p:txBody>
+          </p:sp>
+          <p:pic>
+            <p:nvPicPr>
+              <p:cNvPr id="106" name="圖形 105" descr="放大鏡">
+                <a:extLst>
+                  <a:ext uri="{FF2B5EF4-FFF2-40B4-BE49-F238E27FC236}">
+                    <a16:creationId xmlns:a16="http://schemas.microsoft.com/office/drawing/2014/main" id="{D733C12A-637D-4F23-BD73-8C89B8380D3D}"/>
+                  </a:ext>
+                </a:extLst>
+              </p:cNvPr>
+              <p:cNvPicPr>
+                <a:picLocks noChangeAspect="1"/>
+              </p:cNvPicPr>
+              <p:nvPr/>
+            </p:nvPicPr>
+            <p:blipFill>
+              <a:blip r:embed="rId6">
+                <a:extLst>
+                  <a:ext uri="{28A0092B-C50C-407E-A947-70E740481C1C}">
+                    <a14:useLocalDpi xmlns:a14="http://schemas.microsoft.com/office/drawing/2010/main" val="0"/>
+                  </a:ext>
+                  <a:ext uri="{96DAC541-7B7A-43D3-8B79-37D633B846F1}">
+                    <asvg:svgBlip xmlns:asvg="http://schemas.microsoft.com/office/drawing/2016/SVG/main" r:embed="rId7"/>
+                  </a:ext>
+                </a:extLst>
+              </a:blip>
+              <a:stretch>
+                <a:fillRect/>
+              </a:stretch>
+            </p:blipFill>
+            <p:spPr>
+              <a:xfrm>
+                <a:off x="5127915" y="4316975"/>
+                <a:ext cx="537741" cy="537741"/>
+              </a:xfrm>
+              <a:prstGeom prst="rect">
+                <a:avLst/>
+              </a:prstGeom>
+            </p:spPr>
+          </p:pic>
+          <p:cxnSp>
+            <p:nvCxnSpPr>
+              <p:cNvPr id="108" name="直線接點 107">
+                <a:extLst>
+                  <a:ext uri="{FF2B5EF4-FFF2-40B4-BE49-F238E27FC236}">
+                    <a16:creationId xmlns:a16="http://schemas.microsoft.com/office/drawing/2014/main" id="{EC0BBFE6-7F03-417F-8526-024C4ABF87BA}"/>
+                  </a:ext>
+                </a:extLst>
+              </p:cNvPr>
+              <p:cNvCxnSpPr>
+                <a:cxnSpLocks/>
+              </p:cNvCxnSpPr>
+              <p:nvPr/>
+            </p:nvCxnSpPr>
+            <p:spPr>
+              <a:xfrm flipH="1">
+                <a:off x="4012608" y="4692942"/>
+                <a:ext cx="1022970" cy="571208"/>
+              </a:xfrm>
+              <a:prstGeom prst="line">
+                <a:avLst/>
+              </a:prstGeom>
+              <a:ln>
+                <a:solidFill>
+                  <a:schemeClr val="tx1">
+                    <a:lumMod val="50000"/>
+                    <a:lumOff val="50000"/>
+                  </a:schemeClr>
+                </a:solidFill>
+                <a:prstDash val="dash"/>
+              </a:ln>
+            </p:spPr>
+            <p:style>
+              <a:lnRef idx="1">
+                <a:schemeClr val="accent1"/>
+              </a:lnRef>
+              <a:fillRef idx="0">
+                <a:schemeClr val="accent1"/>
+              </a:fillRef>
+              <a:effectRef idx="0">
+                <a:schemeClr val="accent1"/>
+              </a:effectRef>
+              <a:fontRef idx="minor">
+                <a:schemeClr val="tx1"/>
+              </a:fontRef>
+            </p:style>
+          </p:cxnSp>
+          <p:cxnSp>
+            <p:nvCxnSpPr>
+              <p:cNvPr id="109" name="直線接點 108">
+                <a:extLst>
+                  <a:ext uri="{FF2B5EF4-FFF2-40B4-BE49-F238E27FC236}">
+                    <a16:creationId xmlns:a16="http://schemas.microsoft.com/office/drawing/2014/main" id="{A3791DAC-3790-4AA3-8A1E-ECFB9026FA98}"/>
+                  </a:ext>
+                </a:extLst>
+              </p:cNvPr>
+              <p:cNvCxnSpPr>
+                <a:cxnSpLocks/>
+              </p:cNvCxnSpPr>
+              <p:nvPr/>
+            </p:nvCxnSpPr>
+            <p:spPr>
+              <a:xfrm>
+                <a:off x="5396785" y="4726608"/>
+                <a:ext cx="226208" cy="472716"/>
+              </a:xfrm>
+              <a:prstGeom prst="line">
+                <a:avLst/>
+              </a:prstGeom>
+              <a:ln>
+                <a:solidFill>
+                  <a:schemeClr val="tx1">
+                    <a:lumMod val="50000"/>
+                    <a:lumOff val="50000"/>
+                  </a:schemeClr>
+                </a:solidFill>
+                <a:prstDash val="dash"/>
+              </a:ln>
+            </p:spPr>
+            <p:style>
+              <a:lnRef idx="1">
+                <a:schemeClr val="accent1"/>
+              </a:lnRef>
+              <a:fillRef idx="0">
+                <a:schemeClr val="accent1"/>
+              </a:fillRef>
+              <a:effectRef idx="0">
+                <a:schemeClr val="accent1"/>
+              </a:effectRef>
+              <a:fontRef idx="minor">
+                <a:schemeClr val="tx1"/>
+              </a:fontRef>
+            </p:style>
+          </p:cxnSp>
+          <p:sp>
+            <p:nvSpPr>
+              <p:cNvPr id="98" name="文字方塊 97">
+                <a:extLst>
+                  <a:ext uri="{FF2B5EF4-FFF2-40B4-BE49-F238E27FC236}">
+                    <a16:creationId xmlns:a16="http://schemas.microsoft.com/office/drawing/2014/main" id="{FDECA8B4-755A-43C8-AD65-EF3784047233}"/>
+                  </a:ext>
+                </a:extLst>
+              </p:cNvPr>
+              <p:cNvSpPr txBox="1"/>
+              <p:nvPr/>
+            </p:nvSpPr>
+            <p:spPr>
+              <a:xfrm>
+                <a:off x="3509832" y="3658998"/>
+                <a:ext cx="1321259" cy="523220"/>
+              </a:xfrm>
+              <a:prstGeom prst="rect">
+                <a:avLst/>
+              </a:prstGeom>
+              <a:noFill/>
+            </p:spPr>
+            <p:txBody>
+              <a:bodyPr wrap="none" rtlCol="0">
+                <a:spAutoFit/>
+              </a:bodyPr>
+              <a:lstStyle/>
+              <a:p>
+                <a:r>
+                  <a:rPr lang="en-US" altLang="zh-TW" sz="2800" dirty="0">
+                    <a:solidFill>
+                      <a:srgbClr val="9575CD"/>
+                    </a:solidFill>
+                  </a:rPr>
+                  <a:t>&gt; 120 fs</a:t>
+                </a:r>
+                <a:endParaRPr lang="zh-TW" altLang="en-US" sz="2800" dirty="0">
+                  <a:solidFill>
+                    <a:srgbClr val="9575CD"/>
+                  </a:solidFill>
+                </a:endParaRPr>
+              </a:p>
+            </p:txBody>
+          </p:sp>
+          <p:sp>
+            <p:nvSpPr>
+              <p:cNvPr id="116" name="手繪多邊形: 圖案 115">
+                <a:extLst>
+                  <a:ext uri="{FF2B5EF4-FFF2-40B4-BE49-F238E27FC236}">
+                    <a16:creationId xmlns:a16="http://schemas.microsoft.com/office/drawing/2014/main" id="{688C9A9B-7F1F-4C59-9213-F69E73576516}"/>
+                  </a:ext>
+                </a:extLst>
+              </p:cNvPr>
+              <p:cNvSpPr/>
+              <p:nvPr/>
+            </p:nvSpPr>
+            <p:spPr>
+              <a:xfrm>
+                <a:off x="5088836" y="5377941"/>
+                <a:ext cx="847566" cy="769260"/>
+              </a:xfrm>
+              <a:custGeom>
+                <a:avLst/>
+                <a:gdLst>
+                  <a:gd name="connsiteX0" fmla="*/ 0 w 4933950"/>
+                  <a:gd name="connsiteY0" fmla="*/ 3753009 h 3878035"/>
+                  <a:gd name="connsiteX1" fmla="*/ 1085850 w 4933950"/>
+                  <a:gd name="connsiteY1" fmla="*/ 3257709 h 3878035"/>
+                  <a:gd name="connsiteX2" fmla="*/ 2400300 w 4933950"/>
+                  <a:gd name="connsiteY2" fmla="*/ 159 h 3878035"/>
+                  <a:gd name="connsiteX3" fmla="*/ 3848100 w 4933950"/>
+                  <a:gd name="connsiteY3" fmla="*/ 3400584 h 3878035"/>
+                  <a:gd name="connsiteX4" fmla="*/ 4933950 w 4933950"/>
+                  <a:gd name="connsiteY4" fmla="*/ 3772059 h 3878035"/>
+                  <a:gd name="connsiteX0" fmla="*/ 0 w 4933950"/>
+                  <a:gd name="connsiteY0" fmla="*/ 3753009 h 3878035"/>
+                  <a:gd name="connsiteX1" fmla="*/ 1085850 w 4933950"/>
+                  <a:gd name="connsiteY1" fmla="*/ 3257709 h 3878035"/>
+                  <a:gd name="connsiteX2" fmla="*/ 2400300 w 4933950"/>
+                  <a:gd name="connsiteY2" fmla="*/ 159 h 3878035"/>
+                  <a:gd name="connsiteX3" fmla="*/ 3848100 w 4933950"/>
+                  <a:gd name="connsiteY3" fmla="*/ 3400584 h 3878035"/>
+                  <a:gd name="connsiteX4" fmla="*/ 4933950 w 4933950"/>
+                  <a:gd name="connsiteY4" fmla="*/ 3772059 h 3878035"/>
+                  <a:gd name="connsiteX0" fmla="*/ 0 w 4933950"/>
+                  <a:gd name="connsiteY0" fmla="*/ 3753423 h 3878449"/>
+                  <a:gd name="connsiteX1" fmla="*/ 1143000 w 4933950"/>
+                  <a:gd name="connsiteY1" fmla="*/ 3134298 h 3878449"/>
+                  <a:gd name="connsiteX2" fmla="*/ 2400300 w 4933950"/>
+                  <a:gd name="connsiteY2" fmla="*/ 573 h 3878449"/>
+                  <a:gd name="connsiteX3" fmla="*/ 3848100 w 4933950"/>
+                  <a:gd name="connsiteY3" fmla="*/ 3400998 h 3878449"/>
+                  <a:gd name="connsiteX4" fmla="*/ 4933950 w 4933950"/>
+                  <a:gd name="connsiteY4" fmla="*/ 3772473 h 3878449"/>
+                  <a:gd name="connsiteX0" fmla="*/ 0 w 4933950"/>
+                  <a:gd name="connsiteY0" fmla="*/ 3752863 h 3877889"/>
+                  <a:gd name="connsiteX1" fmla="*/ 1143000 w 4933950"/>
+                  <a:gd name="connsiteY1" fmla="*/ 3133738 h 3877889"/>
+                  <a:gd name="connsiteX2" fmla="*/ 2400300 w 4933950"/>
+                  <a:gd name="connsiteY2" fmla="*/ 13 h 3877889"/>
+                  <a:gd name="connsiteX3" fmla="*/ 3848100 w 4933950"/>
+                  <a:gd name="connsiteY3" fmla="*/ 3400438 h 3877889"/>
+                  <a:gd name="connsiteX4" fmla="*/ 4933950 w 4933950"/>
+                  <a:gd name="connsiteY4" fmla="*/ 3771913 h 3877889"/>
+                  <a:gd name="connsiteX0" fmla="*/ 0 w 4933950"/>
+                  <a:gd name="connsiteY0" fmla="*/ 3752863 h 3877889"/>
+                  <a:gd name="connsiteX1" fmla="*/ 1143000 w 4933950"/>
+                  <a:gd name="connsiteY1" fmla="*/ 3133738 h 3877889"/>
+                  <a:gd name="connsiteX2" fmla="*/ 2438400 w 4933950"/>
+                  <a:gd name="connsiteY2" fmla="*/ 13 h 3877889"/>
+                  <a:gd name="connsiteX3" fmla="*/ 3848100 w 4933950"/>
+                  <a:gd name="connsiteY3" fmla="*/ 3400438 h 3877889"/>
+                  <a:gd name="connsiteX4" fmla="*/ 4933950 w 4933950"/>
+                  <a:gd name="connsiteY4" fmla="*/ 3771913 h 3877889"/>
+                  <a:gd name="connsiteX0" fmla="*/ 0 w 4933950"/>
+                  <a:gd name="connsiteY0" fmla="*/ 3752863 h 3826215"/>
+                  <a:gd name="connsiteX1" fmla="*/ 1143000 w 4933950"/>
+                  <a:gd name="connsiteY1" fmla="*/ 3133738 h 3826215"/>
+                  <a:gd name="connsiteX2" fmla="*/ 2438400 w 4933950"/>
+                  <a:gd name="connsiteY2" fmla="*/ 13 h 3826215"/>
+                  <a:gd name="connsiteX3" fmla="*/ 3848100 w 4933950"/>
+                  <a:gd name="connsiteY3" fmla="*/ 3400438 h 3826215"/>
+                  <a:gd name="connsiteX4" fmla="*/ 4933950 w 4933950"/>
+                  <a:gd name="connsiteY4" fmla="*/ 3771913 h 3826215"/>
+                  <a:gd name="connsiteX0" fmla="*/ 0 w 4933950"/>
+                  <a:gd name="connsiteY0" fmla="*/ 3752868 h 3801392"/>
+                  <a:gd name="connsiteX1" fmla="*/ 1143000 w 4933950"/>
+                  <a:gd name="connsiteY1" fmla="*/ 3133743 h 3801392"/>
+                  <a:gd name="connsiteX2" fmla="*/ 2438400 w 4933950"/>
+                  <a:gd name="connsiteY2" fmla="*/ 18 h 3801392"/>
+                  <a:gd name="connsiteX3" fmla="*/ 3705225 w 4933950"/>
+                  <a:gd name="connsiteY3" fmla="*/ 3181368 h 3801392"/>
+                  <a:gd name="connsiteX4" fmla="*/ 4933950 w 4933950"/>
+                  <a:gd name="connsiteY4" fmla="*/ 3771918 h 3801392"/>
+                  <a:gd name="connsiteX0" fmla="*/ 0 w 4933950"/>
+                  <a:gd name="connsiteY0" fmla="*/ 3752868 h 3771918"/>
+                  <a:gd name="connsiteX1" fmla="*/ 1143000 w 4933950"/>
+                  <a:gd name="connsiteY1" fmla="*/ 3133743 h 3771918"/>
+                  <a:gd name="connsiteX2" fmla="*/ 2438400 w 4933950"/>
+                  <a:gd name="connsiteY2" fmla="*/ 18 h 3771918"/>
+                  <a:gd name="connsiteX3" fmla="*/ 3705225 w 4933950"/>
+                  <a:gd name="connsiteY3" fmla="*/ 3181368 h 3771918"/>
+                  <a:gd name="connsiteX4" fmla="*/ 4933950 w 4933950"/>
+                  <a:gd name="connsiteY4" fmla="*/ 3771918 h 3771918"/>
+                  <a:gd name="connsiteX0" fmla="*/ 0 w 4895850"/>
+                  <a:gd name="connsiteY0" fmla="*/ 3752868 h 3752868"/>
+                  <a:gd name="connsiteX1" fmla="*/ 1143000 w 4895850"/>
+                  <a:gd name="connsiteY1" fmla="*/ 3133743 h 3752868"/>
+                  <a:gd name="connsiteX2" fmla="*/ 2438400 w 4895850"/>
+                  <a:gd name="connsiteY2" fmla="*/ 18 h 3752868"/>
+                  <a:gd name="connsiteX3" fmla="*/ 3705225 w 4895850"/>
+                  <a:gd name="connsiteY3" fmla="*/ 3181368 h 3752868"/>
+                  <a:gd name="connsiteX4" fmla="*/ 4895850 w 4895850"/>
+                  <a:gd name="connsiteY4" fmla="*/ 3752868 h 3752868"/>
+                  <a:gd name="connsiteX0" fmla="*/ 0 w 4895850"/>
+                  <a:gd name="connsiteY0" fmla="*/ 3752868 h 3752868"/>
+                  <a:gd name="connsiteX1" fmla="*/ 1143000 w 4895850"/>
+                  <a:gd name="connsiteY1" fmla="*/ 3133743 h 3752868"/>
+                  <a:gd name="connsiteX2" fmla="*/ 2438400 w 4895850"/>
+                  <a:gd name="connsiteY2" fmla="*/ 18 h 3752868"/>
+                  <a:gd name="connsiteX3" fmla="*/ 3705225 w 4895850"/>
+                  <a:gd name="connsiteY3" fmla="*/ 3181368 h 3752868"/>
+                  <a:gd name="connsiteX4" fmla="*/ 4895850 w 4895850"/>
+                  <a:gd name="connsiteY4" fmla="*/ 3752868 h 3752868"/>
+                  <a:gd name="connsiteX0" fmla="*/ 0 w 4895850"/>
+                  <a:gd name="connsiteY0" fmla="*/ 3752854 h 3752854"/>
+                  <a:gd name="connsiteX1" fmla="*/ 1143000 w 4895850"/>
+                  <a:gd name="connsiteY1" fmla="*/ 3133729 h 3752854"/>
+                  <a:gd name="connsiteX2" fmla="*/ 2438400 w 4895850"/>
+                  <a:gd name="connsiteY2" fmla="*/ 4 h 3752854"/>
+                  <a:gd name="connsiteX3" fmla="*/ 3676650 w 4895850"/>
+                  <a:gd name="connsiteY3" fmla="*/ 3114679 h 3752854"/>
+                  <a:gd name="connsiteX4" fmla="*/ 4895850 w 4895850"/>
+                  <a:gd name="connsiteY4" fmla="*/ 3752854 h 3752854"/>
+                  <a:gd name="connsiteX0" fmla="*/ 0 w 4895850"/>
+                  <a:gd name="connsiteY0" fmla="*/ 3762378 h 3762378"/>
+                  <a:gd name="connsiteX1" fmla="*/ 1143000 w 4895850"/>
+                  <a:gd name="connsiteY1" fmla="*/ 3143253 h 3762378"/>
+                  <a:gd name="connsiteX2" fmla="*/ 2400300 w 4895850"/>
+                  <a:gd name="connsiteY2" fmla="*/ 3 h 3762378"/>
+                  <a:gd name="connsiteX3" fmla="*/ 3676650 w 4895850"/>
+                  <a:gd name="connsiteY3" fmla="*/ 3124203 h 3762378"/>
+                  <a:gd name="connsiteX4" fmla="*/ 4895850 w 4895850"/>
+                  <a:gd name="connsiteY4" fmla="*/ 3762378 h 3762378"/>
+                  <a:gd name="connsiteX0" fmla="*/ 0 w 4895850"/>
+                  <a:gd name="connsiteY0" fmla="*/ 3752854 h 3752854"/>
+                  <a:gd name="connsiteX1" fmla="*/ 1143000 w 4895850"/>
+                  <a:gd name="connsiteY1" fmla="*/ 3133729 h 3752854"/>
+                  <a:gd name="connsiteX2" fmla="*/ 2438400 w 4895850"/>
+                  <a:gd name="connsiteY2" fmla="*/ 4 h 3752854"/>
+                  <a:gd name="connsiteX3" fmla="*/ 3676650 w 4895850"/>
+                  <a:gd name="connsiteY3" fmla="*/ 3114679 h 3752854"/>
+                  <a:gd name="connsiteX4" fmla="*/ 4895850 w 4895850"/>
+                  <a:gd name="connsiteY4" fmla="*/ 3752854 h 3752854"/>
+                  <a:gd name="connsiteX0" fmla="*/ 0 w 4895850"/>
+                  <a:gd name="connsiteY0" fmla="*/ 3752854 h 3752854"/>
+                  <a:gd name="connsiteX1" fmla="*/ 1143000 w 4895850"/>
+                  <a:gd name="connsiteY1" fmla="*/ 3133729 h 3752854"/>
+                  <a:gd name="connsiteX2" fmla="*/ 2419350 w 4895850"/>
+                  <a:gd name="connsiteY2" fmla="*/ 4 h 3752854"/>
+                  <a:gd name="connsiteX3" fmla="*/ 3676650 w 4895850"/>
+                  <a:gd name="connsiteY3" fmla="*/ 3114679 h 3752854"/>
+                  <a:gd name="connsiteX4" fmla="*/ 4895850 w 4895850"/>
+                  <a:gd name="connsiteY4" fmla="*/ 3752854 h 3752854"/>
+                  <a:gd name="connsiteX0" fmla="*/ 0 w 4895850"/>
+                  <a:gd name="connsiteY0" fmla="*/ 3752853 h 3752853"/>
+                  <a:gd name="connsiteX1" fmla="*/ 1143000 w 4895850"/>
+                  <a:gd name="connsiteY1" fmla="*/ 3133728 h 3752853"/>
+                  <a:gd name="connsiteX2" fmla="*/ 2419350 w 4895850"/>
+                  <a:gd name="connsiteY2" fmla="*/ 3 h 3752853"/>
+                  <a:gd name="connsiteX3" fmla="*/ 3676650 w 4895850"/>
+                  <a:gd name="connsiteY3" fmla="*/ 3114678 h 3752853"/>
+                  <a:gd name="connsiteX4" fmla="*/ 4895850 w 4895850"/>
+                  <a:gd name="connsiteY4" fmla="*/ 3752853 h 3752853"/>
+                  <a:gd name="connsiteX0" fmla="*/ 0 w 4895850"/>
+                  <a:gd name="connsiteY0" fmla="*/ 3752861 h 3752861"/>
+                  <a:gd name="connsiteX1" fmla="*/ 1143000 w 4895850"/>
+                  <a:gd name="connsiteY1" fmla="*/ 3133736 h 3752861"/>
+                  <a:gd name="connsiteX2" fmla="*/ 2419350 w 4895850"/>
+                  <a:gd name="connsiteY2" fmla="*/ 11 h 3752861"/>
+                  <a:gd name="connsiteX3" fmla="*/ 3619500 w 4895850"/>
+                  <a:gd name="connsiteY3" fmla="*/ 3095636 h 3752861"/>
+                  <a:gd name="connsiteX4" fmla="*/ 4895850 w 4895850"/>
+                  <a:gd name="connsiteY4" fmla="*/ 3752861 h 3752861"/>
+                  <a:gd name="connsiteX0" fmla="*/ 0 w 4895850"/>
+                  <a:gd name="connsiteY0" fmla="*/ 3752861 h 3752924"/>
+                  <a:gd name="connsiteX1" fmla="*/ 1143000 w 4895850"/>
+                  <a:gd name="connsiteY1" fmla="*/ 3133736 h 3752924"/>
+                  <a:gd name="connsiteX2" fmla="*/ 2419350 w 4895850"/>
+                  <a:gd name="connsiteY2" fmla="*/ 11 h 3752924"/>
+                  <a:gd name="connsiteX3" fmla="*/ 3619500 w 4895850"/>
+                  <a:gd name="connsiteY3" fmla="*/ 3095636 h 3752924"/>
+                  <a:gd name="connsiteX4" fmla="*/ 4895850 w 4895850"/>
+                  <a:gd name="connsiteY4" fmla="*/ 3752861 h 3752924"/>
+                  <a:gd name="connsiteX0" fmla="*/ 0 w 4867460"/>
+                  <a:gd name="connsiteY0" fmla="*/ 2637735 h 3752924"/>
+                  <a:gd name="connsiteX1" fmla="*/ 1114610 w 4867460"/>
+                  <a:gd name="connsiteY1" fmla="*/ 3133736 h 3752924"/>
+                  <a:gd name="connsiteX2" fmla="*/ 2390960 w 4867460"/>
+                  <a:gd name="connsiteY2" fmla="*/ 11 h 3752924"/>
+                  <a:gd name="connsiteX3" fmla="*/ 3591110 w 4867460"/>
+                  <a:gd name="connsiteY3" fmla="*/ 3095636 h 3752924"/>
+                  <a:gd name="connsiteX4" fmla="*/ 4867460 w 4867460"/>
+                  <a:gd name="connsiteY4" fmla="*/ 3752861 h 3752924"/>
+                  <a:gd name="connsiteX0" fmla="*/ 0 w 5051975"/>
+                  <a:gd name="connsiteY0" fmla="*/ 2637735 h 4477001"/>
+                  <a:gd name="connsiteX1" fmla="*/ 1114610 w 5051975"/>
+                  <a:gd name="connsiteY1" fmla="*/ 3133736 h 4477001"/>
+                  <a:gd name="connsiteX2" fmla="*/ 2390960 w 5051975"/>
+                  <a:gd name="connsiteY2" fmla="*/ 11 h 4477001"/>
+                  <a:gd name="connsiteX3" fmla="*/ 3591110 w 5051975"/>
+                  <a:gd name="connsiteY3" fmla="*/ 3095636 h 4477001"/>
+                  <a:gd name="connsiteX4" fmla="*/ 5051975 w 5051975"/>
+                  <a:gd name="connsiteY4" fmla="*/ 4476976 h 4477001"/>
+                  <a:gd name="connsiteX0" fmla="*/ 0 w 5051975"/>
+                  <a:gd name="connsiteY0" fmla="*/ 2638763 h 4478023"/>
+                  <a:gd name="connsiteX1" fmla="*/ 1114610 w 5051975"/>
+                  <a:gd name="connsiteY1" fmla="*/ 3134764 h 4478023"/>
+                  <a:gd name="connsiteX2" fmla="*/ 2390960 w 5051975"/>
+                  <a:gd name="connsiteY2" fmla="*/ 1039 h 4478023"/>
+                  <a:gd name="connsiteX3" fmla="*/ 3662078 w 5051975"/>
+                  <a:gd name="connsiteY3" fmla="*/ 2807021 h 4478023"/>
+                  <a:gd name="connsiteX4" fmla="*/ 5051975 w 5051975"/>
+                  <a:gd name="connsiteY4" fmla="*/ 4478004 h 4478023"/>
+                  <a:gd name="connsiteX0" fmla="*/ 0 w 5051975"/>
+                  <a:gd name="connsiteY0" fmla="*/ 2638763 h 4478005"/>
+                  <a:gd name="connsiteX1" fmla="*/ 1114610 w 5051975"/>
+                  <a:gd name="connsiteY1" fmla="*/ 3134764 h 4478005"/>
+                  <a:gd name="connsiteX2" fmla="*/ 2390960 w 5051975"/>
+                  <a:gd name="connsiteY2" fmla="*/ 1039 h 4478005"/>
+                  <a:gd name="connsiteX3" fmla="*/ 3662078 w 5051975"/>
+                  <a:gd name="connsiteY3" fmla="*/ 2807021 h 4478005"/>
+                  <a:gd name="connsiteX4" fmla="*/ 5051975 w 5051975"/>
+                  <a:gd name="connsiteY4" fmla="*/ 4478004 h 4478005"/>
+                  <a:gd name="connsiteX0" fmla="*/ 0 w 5051975"/>
+                  <a:gd name="connsiteY0" fmla="*/ 2653359 h 4492601"/>
+                  <a:gd name="connsiteX1" fmla="*/ 1256547 w 5051975"/>
+                  <a:gd name="connsiteY1" fmla="*/ 1730098 h 4492601"/>
+                  <a:gd name="connsiteX2" fmla="*/ 2390960 w 5051975"/>
+                  <a:gd name="connsiteY2" fmla="*/ 15635 h 4492601"/>
+                  <a:gd name="connsiteX3" fmla="*/ 3662078 w 5051975"/>
+                  <a:gd name="connsiteY3" fmla="*/ 2821617 h 4492601"/>
+                  <a:gd name="connsiteX4" fmla="*/ 5051975 w 5051975"/>
+                  <a:gd name="connsiteY4" fmla="*/ 4492600 h 4492601"/>
+                  <a:gd name="connsiteX0" fmla="*/ 0 w 5051975"/>
+                  <a:gd name="connsiteY0" fmla="*/ 2637951 h 4477193"/>
+                  <a:gd name="connsiteX1" fmla="*/ 1256547 w 5051975"/>
+                  <a:gd name="connsiteY1" fmla="*/ 1714690 h 4477193"/>
+                  <a:gd name="connsiteX2" fmla="*/ 2390960 w 5051975"/>
+                  <a:gd name="connsiteY2" fmla="*/ 227 h 4477193"/>
+                  <a:gd name="connsiteX3" fmla="*/ 3662078 w 5051975"/>
+                  <a:gd name="connsiteY3" fmla="*/ 2806209 h 4477193"/>
+                  <a:gd name="connsiteX4" fmla="*/ 5051975 w 5051975"/>
+                  <a:gd name="connsiteY4" fmla="*/ 4477192 h 4477193"/>
+                  <a:gd name="connsiteX0" fmla="*/ 0 w 5051975"/>
+                  <a:gd name="connsiteY0" fmla="*/ 2516388 h 4355630"/>
+                  <a:gd name="connsiteX1" fmla="*/ 1256547 w 5051975"/>
+                  <a:gd name="connsiteY1" fmla="*/ 1593127 h 4355630"/>
+                  <a:gd name="connsiteX2" fmla="*/ 2646445 w 5051975"/>
+                  <a:gd name="connsiteY2" fmla="*/ 243 h 4355630"/>
+                  <a:gd name="connsiteX3" fmla="*/ 3662078 w 5051975"/>
+                  <a:gd name="connsiteY3" fmla="*/ 2684646 h 4355630"/>
+                  <a:gd name="connsiteX4" fmla="*/ 5051975 w 5051975"/>
+                  <a:gd name="connsiteY4" fmla="*/ 4355629 h 4355630"/>
+                  <a:gd name="connsiteX0" fmla="*/ 0 w 5051975"/>
+                  <a:gd name="connsiteY0" fmla="*/ 2527382 h 4366624"/>
+                  <a:gd name="connsiteX1" fmla="*/ 1384288 w 5051975"/>
+                  <a:gd name="connsiteY1" fmla="*/ 1766231 h 4366624"/>
+                  <a:gd name="connsiteX2" fmla="*/ 2646445 w 5051975"/>
+                  <a:gd name="connsiteY2" fmla="*/ 11237 h 4366624"/>
+                  <a:gd name="connsiteX3" fmla="*/ 3662078 w 5051975"/>
+                  <a:gd name="connsiteY3" fmla="*/ 2695640 h 4366624"/>
+                  <a:gd name="connsiteX4" fmla="*/ 5051975 w 5051975"/>
+                  <a:gd name="connsiteY4" fmla="*/ 4366623 h 4366624"/>
+                  <a:gd name="connsiteX0" fmla="*/ 0 w 5051975"/>
+                  <a:gd name="connsiteY0" fmla="*/ 2526213 h 4365455"/>
+                  <a:gd name="connsiteX1" fmla="*/ 1384288 w 5051975"/>
+                  <a:gd name="connsiteY1" fmla="*/ 1765062 h 4365455"/>
+                  <a:gd name="connsiteX2" fmla="*/ 2646445 w 5051975"/>
+                  <a:gd name="connsiteY2" fmla="*/ 10068 h 4365455"/>
+                  <a:gd name="connsiteX3" fmla="*/ 3505947 w 5051975"/>
+                  <a:gd name="connsiteY3" fmla="*/ 2640433 h 4365455"/>
+                  <a:gd name="connsiteX4" fmla="*/ 5051975 w 5051975"/>
+                  <a:gd name="connsiteY4" fmla="*/ 4365454 h 4365455"/>
+                  <a:gd name="connsiteX0" fmla="*/ 0 w 5051975"/>
+                  <a:gd name="connsiteY0" fmla="*/ 2526213 h 4365455"/>
+                  <a:gd name="connsiteX1" fmla="*/ 1384288 w 5051975"/>
+                  <a:gd name="connsiteY1" fmla="*/ 1765062 h 4365455"/>
+                  <a:gd name="connsiteX2" fmla="*/ 2646445 w 5051975"/>
+                  <a:gd name="connsiteY2" fmla="*/ 10068 h 4365455"/>
+                  <a:gd name="connsiteX3" fmla="*/ 3505947 w 5051975"/>
+                  <a:gd name="connsiteY3" fmla="*/ 2640433 h 4365455"/>
+                  <a:gd name="connsiteX4" fmla="*/ 5051975 w 5051975"/>
+                  <a:gd name="connsiteY4" fmla="*/ 4365454 h 4365455"/>
+                  <a:gd name="connsiteX0" fmla="*/ 0 w 5051975"/>
+                  <a:gd name="connsiteY0" fmla="*/ 2524823 h 4364065"/>
+                  <a:gd name="connsiteX1" fmla="*/ 1384288 w 5051975"/>
+                  <a:gd name="connsiteY1" fmla="*/ 1763672 h 4364065"/>
+                  <a:gd name="connsiteX2" fmla="*/ 2646445 w 5051975"/>
+                  <a:gd name="connsiteY2" fmla="*/ 8678 h 4364065"/>
+                  <a:gd name="connsiteX3" fmla="*/ 3534331 w 5051975"/>
+                  <a:gd name="connsiteY3" fmla="*/ 2571500 h 4364065"/>
+                  <a:gd name="connsiteX4" fmla="*/ 5051975 w 5051975"/>
+                  <a:gd name="connsiteY4" fmla="*/ 4364064 h 4364065"/>
+                </a:gdLst>
+                <a:ahLst/>
+                <a:cxnLst>
+                  <a:cxn ang="0">
+                    <a:pos x="connsiteX0" y="connsiteY0"/>
+                  </a:cxn>
+                  <a:cxn ang="0">
+                    <a:pos x="connsiteX1" y="connsiteY1"/>
+                  </a:cxn>
+                  <a:cxn ang="0">
+                    <a:pos x="connsiteX2" y="connsiteY2"/>
+                  </a:cxn>
+                  <a:cxn ang="0">
+                    <a:pos x="connsiteX3" y="connsiteY3"/>
+                  </a:cxn>
+                  <a:cxn ang="0">
+                    <a:pos x="connsiteX4" y="connsiteY4"/>
+                  </a:cxn>
+                </a:cxnLst>
+                <a:rect l="l" t="t" r="r" b="b"/>
+                <a:pathLst>
+                  <a:path w="5051975" h="4364065">
+                    <a:moveTo>
+                      <a:pt x="0" y="2524823"/>
+                    </a:moveTo>
+                    <a:cubicBezTo>
+                      <a:pt x="409575" y="2513710"/>
+                      <a:pt x="943214" y="2183030"/>
+                      <a:pt x="1384288" y="1763672"/>
+                    </a:cubicBezTo>
+                    <a:cubicBezTo>
+                      <a:pt x="1825362" y="1344315"/>
+                      <a:pt x="2288105" y="-125960"/>
+                      <a:pt x="2646445" y="8678"/>
+                    </a:cubicBezTo>
+                    <a:cubicBezTo>
+                      <a:pt x="3004785" y="143316"/>
+                      <a:pt x="3261158" y="2142798"/>
+                      <a:pt x="3534331" y="2571500"/>
+                    </a:cubicBezTo>
+                    <a:cubicBezTo>
+                      <a:pt x="3807504" y="3000202"/>
+                      <a:pt x="4125715" y="3717129"/>
+                      <a:pt x="5051975" y="4364064"/>
+                    </a:cubicBezTo>
+                  </a:path>
+                </a:pathLst>
+              </a:custGeom>
+              <a:solidFill>
+                <a:srgbClr val="DCD2EA"/>
+              </a:solidFill>
+              <a:ln w="12700">
+                <a:solidFill>
+                  <a:schemeClr val="bg1"/>
+                </a:solidFill>
+              </a:ln>
+            </p:spPr>
+            <p:style>
+              <a:lnRef idx="2">
+                <a:schemeClr val="accent1">
+                  <a:shade val="50000"/>
+                </a:schemeClr>
+              </a:lnRef>
+              <a:fillRef idx="1">
+                <a:schemeClr val="accent1"/>
+              </a:fillRef>
+              <a:effectRef idx="0">
+                <a:schemeClr val="accent1"/>
+              </a:effectRef>
+              <a:fontRef idx="minor">
+                <a:schemeClr val="lt1"/>
+              </a:fontRef>
+            </p:style>
+            <p:txBody>
+              <a:bodyPr rtlCol="0" anchor="ctr"/>
+              <a:lstStyle/>
+              <a:p>
+                <a:pPr algn="ctr"/>
+                <a:endParaRPr lang="zh-TW" altLang="en-US"/>
+              </a:p>
+            </p:txBody>
+          </p:sp>
+          <p:sp>
+            <p:nvSpPr>
+              <p:cNvPr id="120" name="手繪多邊形: 圖案 119">
+                <a:extLst>
+                  <a:ext uri="{FF2B5EF4-FFF2-40B4-BE49-F238E27FC236}">
+                    <a16:creationId xmlns:a16="http://schemas.microsoft.com/office/drawing/2014/main" id="{AAE1EFEC-159A-41D8-97D3-066C89EA8014}"/>
+                  </a:ext>
+                </a:extLst>
+              </p:cNvPr>
+              <p:cNvSpPr/>
+              <p:nvPr/>
+            </p:nvSpPr>
+            <p:spPr>
+              <a:xfrm>
+                <a:off x="4562100" y="5463652"/>
+                <a:ext cx="847566" cy="683549"/>
+              </a:xfrm>
+              <a:custGeom>
+                <a:avLst/>
+                <a:gdLst>
+                  <a:gd name="connsiteX0" fmla="*/ 0 w 4933950"/>
+                  <a:gd name="connsiteY0" fmla="*/ 3753009 h 3878035"/>
+                  <a:gd name="connsiteX1" fmla="*/ 1085850 w 4933950"/>
+                  <a:gd name="connsiteY1" fmla="*/ 3257709 h 3878035"/>
+                  <a:gd name="connsiteX2" fmla="*/ 2400300 w 4933950"/>
+                  <a:gd name="connsiteY2" fmla="*/ 159 h 3878035"/>
+                  <a:gd name="connsiteX3" fmla="*/ 3848100 w 4933950"/>
+                  <a:gd name="connsiteY3" fmla="*/ 3400584 h 3878035"/>
+                  <a:gd name="connsiteX4" fmla="*/ 4933950 w 4933950"/>
+                  <a:gd name="connsiteY4" fmla="*/ 3772059 h 3878035"/>
+                  <a:gd name="connsiteX0" fmla="*/ 0 w 4933950"/>
+                  <a:gd name="connsiteY0" fmla="*/ 3753009 h 3878035"/>
+                  <a:gd name="connsiteX1" fmla="*/ 1085850 w 4933950"/>
+                  <a:gd name="connsiteY1" fmla="*/ 3257709 h 3878035"/>
+                  <a:gd name="connsiteX2" fmla="*/ 2400300 w 4933950"/>
+                  <a:gd name="connsiteY2" fmla="*/ 159 h 3878035"/>
+                  <a:gd name="connsiteX3" fmla="*/ 3848100 w 4933950"/>
+                  <a:gd name="connsiteY3" fmla="*/ 3400584 h 3878035"/>
+                  <a:gd name="connsiteX4" fmla="*/ 4933950 w 4933950"/>
+                  <a:gd name="connsiteY4" fmla="*/ 3772059 h 3878035"/>
+                  <a:gd name="connsiteX0" fmla="*/ 0 w 4933950"/>
+                  <a:gd name="connsiteY0" fmla="*/ 3753423 h 3878449"/>
+                  <a:gd name="connsiteX1" fmla="*/ 1143000 w 4933950"/>
+                  <a:gd name="connsiteY1" fmla="*/ 3134298 h 3878449"/>
+                  <a:gd name="connsiteX2" fmla="*/ 2400300 w 4933950"/>
+                  <a:gd name="connsiteY2" fmla="*/ 573 h 3878449"/>
+                  <a:gd name="connsiteX3" fmla="*/ 3848100 w 4933950"/>
+                  <a:gd name="connsiteY3" fmla="*/ 3400998 h 3878449"/>
+                  <a:gd name="connsiteX4" fmla="*/ 4933950 w 4933950"/>
+                  <a:gd name="connsiteY4" fmla="*/ 3772473 h 3878449"/>
+                  <a:gd name="connsiteX0" fmla="*/ 0 w 4933950"/>
+                  <a:gd name="connsiteY0" fmla="*/ 3752863 h 3877889"/>
+                  <a:gd name="connsiteX1" fmla="*/ 1143000 w 4933950"/>
+                  <a:gd name="connsiteY1" fmla="*/ 3133738 h 3877889"/>
+                  <a:gd name="connsiteX2" fmla="*/ 2400300 w 4933950"/>
+                  <a:gd name="connsiteY2" fmla="*/ 13 h 3877889"/>
+                  <a:gd name="connsiteX3" fmla="*/ 3848100 w 4933950"/>
+                  <a:gd name="connsiteY3" fmla="*/ 3400438 h 3877889"/>
+                  <a:gd name="connsiteX4" fmla="*/ 4933950 w 4933950"/>
+                  <a:gd name="connsiteY4" fmla="*/ 3771913 h 3877889"/>
+                  <a:gd name="connsiteX0" fmla="*/ 0 w 4933950"/>
+                  <a:gd name="connsiteY0" fmla="*/ 3752863 h 3877889"/>
+                  <a:gd name="connsiteX1" fmla="*/ 1143000 w 4933950"/>
+                  <a:gd name="connsiteY1" fmla="*/ 3133738 h 3877889"/>
+                  <a:gd name="connsiteX2" fmla="*/ 2438400 w 4933950"/>
+                  <a:gd name="connsiteY2" fmla="*/ 13 h 3877889"/>
+                  <a:gd name="connsiteX3" fmla="*/ 3848100 w 4933950"/>
+                  <a:gd name="connsiteY3" fmla="*/ 3400438 h 3877889"/>
+                  <a:gd name="connsiteX4" fmla="*/ 4933950 w 4933950"/>
+                  <a:gd name="connsiteY4" fmla="*/ 3771913 h 3877889"/>
+                  <a:gd name="connsiteX0" fmla="*/ 0 w 4933950"/>
+                  <a:gd name="connsiteY0" fmla="*/ 3752863 h 3826215"/>
+                  <a:gd name="connsiteX1" fmla="*/ 1143000 w 4933950"/>
+                  <a:gd name="connsiteY1" fmla="*/ 3133738 h 3826215"/>
+                  <a:gd name="connsiteX2" fmla="*/ 2438400 w 4933950"/>
+                  <a:gd name="connsiteY2" fmla="*/ 13 h 3826215"/>
+                  <a:gd name="connsiteX3" fmla="*/ 3848100 w 4933950"/>
+                  <a:gd name="connsiteY3" fmla="*/ 3400438 h 3826215"/>
+                  <a:gd name="connsiteX4" fmla="*/ 4933950 w 4933950"/>
+                  <a:gd name="connsiteY4" fmla="*/ 3771913 h 3826215"/>
+                  <a:gd name="connsiteX0" fmla="*/ 0 w 4933950"/>
+                  <a:gd name="connsiteY0" fmla="*/ 3752868 h 3801392"/>
+                  <a:gd name="connsiteX1" fmla="*/ 1143000 w 4933950"/>
+                  <a:gd name="connsiteY1" fmla="*/ 3133743 h 3801392"/>
+                  <a:gd name="connsiteX2" fmla="*/ 2438400 w 4933950"/>
+                  <a:gd name="connsiteY2" fmla="*/ 18 h 3801392"/>
+                  <a:gd name="connsiteX3" fmla="*/ 3705225 w 4933950"/>
+                  <a:gd name="connsiteY3" fmla="*/ 3181368 h 3801392"/>
+                  <a:gd name="connsiteX4" fmla="*/ 4933950 w 4933950"/>
+                  <a:gd name="connsiteY4" fmla="*/ 3771918 h 3801392"/>
+                  <a:gd name="connsiteX0" fmla="*/ 0 w 4933950"/>
+                  <a:gd name="connsiteY0" fmla="*/ 3752868 h 3771918"/>
+                  <a:gd name="connsiteX1" fmla="*/ 1143000 w 4933950"/>
+                  <a:gd name="connsiteY1" fmla="*/ 3133743 h 3771918"/>
+                  <a:gd name="connsiteX2" fmla="*/ 2438400 w 4933950"/>
+                  <a:gd name="connsiteY2" fmla="*/ 18 h 3771918"/>
+                  <a:gd name="connsiteX3" fmla="*/ 3705225 w 4933950"/>
+                  <a:gd name="connsiteY3" fmla="*/ 3181368 h 3771918"/>
+                  <a:gd name="connsiteX4" fmla="*/ 4933950 w 4933950"/>
+                  <a:gd name="connsiteY4" fmla="*/ 3771918 h 3771918"/>
+                  <a:gd name="connsiteX0" fmla="*/ 0 w 4895850"/>
+                  <a:gd name="connsiteY0" fmla="*/ 3752868 h 3752868"/>
+                  <a:gd name="connsiteX1" fmla="*/ 1143000 w 4895850"/>
+                  <a:gd name="connsiteY1" fmla="*/ 3133743 h 3752868"/>
+                  <a:gd name="connsiteX2" fmla="*/ 2438400 w 4895850"/>
+                  <a:gd name="connsiteY2" fmla="*/ 18 h 3752868"/>
+                  <a:gd name="connsiteX3" fmla="*/ 3705225 w 4895850"/>
+                  <a:gd name="connsiteY3" fmla="*/ 3181368 h 3752868"/>
+                  <a:gd name="connsiteX4" fmla="*/ 4895850 w 4895850"/>
+                  <a:gd name="connsiteY4" fmla="*/ 3752868 h 3752868"/>
+                  <a:gd name="connsiteX0" fmla="*/ 0 w 4895850"/>
+                  <a:gd name="connsiteY0" fmla="*/ 3752868 h 3752868"/>
+                  <a:gd name="connsiteX1" fmla="*/ 1143000 w 4895850"/>
+                  <a:gd name="connsiteY1" fmla="*/ 3133743 h 3752868"/>
+                  <a:gd name="connsiteX2" fmla="*/ 2438400 w 4895850"/>
+                  <a:gd name="connsiteY2" fmla="*/ 18 h 3752868"/>
+                  <a:gd name="connsiteX3" fmla="*/ 3705225 w 4895850"/>
+                  <a:gd name="connsiteY3" fmla="*/ 3181368 h 3752868"/>
+                  <a:gd name="connsiteX4" fmla="*/ 4895850 w 4895850"/>
+                  <a:gd name="connsiteY4" fmla="*/ 3752868 h 3752868"/>
+                  <a:gd name="connsiteX0" fmla="*/ 0 w 4895850"/>
+                  <a:gd name="connsiteY0" fmla="*/ 3752854 h 3752854"/>
+                  <a:gd name="connsiteX1" fmla="*/ 1143000 w 4895850"/>
+                  <a:gd name="connsiteY1" fmla="*/ 3133729 h 3752854"/>
+                  <a:gd name="connsiteX2" fmla="*/ 2438400 w 4895850"/>
+                  <a:gd name="connsiteY2" fmla="*/ 4 h 3752854"/>
+                  <a:gd name="connsiteX3" fmla="*/ 3676650 w 4895850"/>
+                  <a:gd name="connsiteY3" fmla="*/ 3114679 h 3752854"/>
+                  <a:gd name="connsiteX4" fmla="*/ 4895850 w 4895850"/>
+                  <a:gd name="connsiteY4" fmla="*/ 3752854 h 3752854"/>
+                  <a:gd name="connsiteX0" fmla="*/ 0 w 4895850"/>
+                  <a:gd name="connsiteY0" fmla="*/ 3762378 h 3762378"/>
+                  <a:gd name="connsiteX1" fmla="*/ 1143000 w 4895850"/>
+                  <a:gd name="connsiteY1" fmla="*/ 3143253 h 3762378"/>
+                  <a:gd name="connsiteX2" fmla="*/ 2400300 w 4895850"/>
+                  <a:gd name="connsiteY2" fmla="*/ 3 h 3762378"/>
+                  <a:gd name="connsiteX3" fmla="*/ 3676650 w 4895850"/>
+                  <a:gd name="connsiteY3" fmla="*/ 3124203 h 3762378"/>
+                  <a:gd name="connsiteX4" fmla="*/ 4895850 w 4895850"/>
+                  <a:gd name="connsiteY4" fmla="*/ 3762378 h 3762378"/>
+                  <a:gd name="connsiteX0" fmla="*/ 0 w 4895850"/>
+                  <a:gd name="connsiteY0" fmla="*/ 3752854 h 3752854"/>
+                  <a:gd name="connsiteX1" fmla="*/ 1143000 w 4895850"/>
+                  <a:gd name="connsiteY1" fmla="*/ 3133729 h 3752854"/>
+                  <a:gd name="connsiteX2" fmla="*/ 2438400 w 4895850"/>
+                  <a:gd name="connsiteY2" fmla="*/ 4 h 3752854"/>
+                  <a:gd name="connsiteX3" fmla="*/ 3676650 w 4895850"/>
+                  <a:gd name="connsiteY3" fmla="*/ 3114679 h 3752854"/>
+                  <a:gd name="connsiteX4" fmla="*/ 4895850 w 4895850"/>
+                  <a:gd name="connsiteY4" fmla="*/ 3752854 h 3752854"/>
+                  <a:gd name="connsiteX0" fmla="*/ 0 w 4895850"/>
+                  <a:gd name="connsiteY0" fmla="*/ 3752854 h 3752854"/>
+                  <a:gd name="connsiteX1" fmla="*/ 1143000 w 4895850"/>
+                  <a:gd name="connsiteY1" fmla="*/ 3133729 h 3752854"/>
+                  <a:gd name="connsiteX2" fmla="*/ 2419350 w 4895850"/>
+                  <a:gd name="connsiteY2" fmla="*/ 4 h 3752854"/>
+                  <a:gd name="connsiteX3" fmla="*/ 3676650 w 4895850"/>
+                  <a:gd name="connsiteY3" fmla="*/ 3114679 h 3752854"/>
+                  <a:gd name="connsiteX4" fmla="*/ 4895850 w 4895850"/>
+                  <a:gd name="connsiteY4" fmla="*/ 3752854 h 3752854"/>
+                  <a:gd name="connsiteX0" fmla="*/ 0 w 4895850"/>
+                  <a:gd name="connsiteY0" fmla="*/ 3752853 h 3752853"/>
+                  <a:gd name="connsiteX1" fmla="*/ 1143000 w 4895850"/>
+                  <a:gd name="connsiteY1" fmla="*/ 3133728 h 3752853"/>
+                  <a:gd name="connsiteX2" fmla="*/ 2419350 w 4895850"/>
+                  <a:gd name="connsiteY2" fmla="*/ 3 h 3752853"/>
+                  <a:gd name="connsiteX3" fmla="*/ 3676650 w 4895850"/>
+                  <a:gd name="connsiteY3" fmla="*/ 3114678 h 3752853"/>
+                  <a:gd name="connsiteX4" fmla="*/ 4895850 w 4895850"/>
+                  <a:gd name="connsiteY4" fmla="*/ 3752853 h 3752853"/>
+                  <a:gd name="connsiteX0" fmla="*/ 0 w 4895850"/>
+                  <a:gd name="connsiteY0" fmla="*/ 3752861 h 3752861"/>
+                  <a:gd name="connsiteX1" fmla="*/ 1143000 w 4895850"/>
+                  <a:gd name="connsiteY1" fmla="*/ 3133736 h 3752861"/>
+                  <a:gd name="connsiteX2" fmla="*/ 2419350 w 4895850"/>
+                  <a:gd name="connsiteY2" fmla="*/ 11 h 3752861"/>
+                  <a:gd name="connsiteX3" fmla="*/ 3619500 w 4895850"/>
+                  <a:gd name="connsiteY3" fmla="*/ 3095636 h 3752861"/>
+                  <a:gd name="connsiteX4" fmla="*/ 4895850 w 4895850"/>
+                  <a:gd name="connsiteY4" fmla="*/ 3752861 h 3752861"/>
+                  <a:gd name="connsiteX0" fmla="*/ 0 w 4895850"/>
+                  <a:gd name="connsiteY0" fmla="*/ 3752861 h 3752924"/>
+                  <a:gd name="connsiteX1" fmla="*/ 1143000 w 4895850"/>
+                  <a:gd name="connsiteY1" fmla="*/ 3133736 h 3752924"/>
+                  <a:gd name="connsiteX2" fmla="*/ 2419350 w 4895850"/>
+                  <a:gd name="connsiteY2" fmla="*/ 11 h 3752924"/>
+                  <a:gd name="connsiteX3" fmla="*/ 3619500 w 4895850"/>
+                  <a:gd name="connsiteY3" fmla="*/ 3095636 h 3752924"/>
+                  <a:gd name="connsiteX4" fmla="*/ 4895850 w 4895850"/>
+                  <a:gd name="connsiteY4" fmla="*/ 3752861 h 3752924"/>
+                  <a:gd name="connsiteX0" fmla="*/ 0 w 4867460"/>
+                  <a:gd name="connsiteY0" fmla="*/ 2637735 h 3752924"/>
+                  <a:gd name="connsiteX1" fmla="*/ 1114610 w 4867460"/>
+                  <a:gd name="connsiteY1" fmla="*/ 3133736 h 3752924"/>
+                  <a:gd name="connsiteX2" fmla="*/ 2390960 w 4867460"/>
+                  <a:gd name="connsiteY2" fmla="*/ 11 h 3752924"/>
+                  <a:gd name="connsiteX3" fmla="*/ 3591110 w 4867460"/>
+                  <a:gd name="connsiteY3" fmla="*/ 3095636 h 3752924"/>
+                  <a:gd name="connsiteX4" fmla="*/ 4867460 w 4867460"/>
+                  <a:gd name="connsiteY4" fmla="*/ 3752861 h 3752924"/>
+                  <a:gd name="connsiteX0" fmla="*/ 0 w 5051975"/>
+                  <a:gd name="connsiteY0" fmla="*/ 2637735 h 4477001"/>
+                  <a:gd name="connsiteX1" fmla="*/ 1114610 w 5051975"/>
+                  <a:gd name="connsiteY1" fmla="*/ 3133736 h 4477001"/>
+                  <a:gd name="connsiteX2" fmla="*/ 2390960 w 5051975"/>
+                  <a:gd name="connsiteY2" fmla="*/ 11 h 4477001"/>
+                  <a:gd name="connsiteX3" fmla="*/ 3591110 w 5051975"/>
+                  <a:gd name="connsiteY3" fmla="*/ 3095636 h 4477001"/>
+                  <a:gd name="connsiteX4" fmla="*/ 5051975 w 5051975"/>
+                  <a:gd name="connsiteY4" fmla="*/ 4476976 h 4477001"/>
+                  <a:gd name="connsiteX0" fmla="*/ 0 w 5051975"/>
+                  <a:gd name="connsiteY0" fmla="*/ 2638763 h 4478023"/>
+                  <a:gd name="connsiteX1" fmla="*/ 1114610 w 5051975"/>
+                  <a:gd name="connsiteY1" fmla="*/ 3134764 h 4478023"/>
+                  <a:gd name="connsiteX2" fmla="*/ 2390960 w 5051975"/>
+                  <a:gd name="connsiteY2" fmla="*/ 1039 h 4478023"/>
+                  <a:gd name="connsiteX3" fmla="*/ 3662078 w 5051975"/>
+                  <a:gd name="connsiteY3" fmla="*/ 2807021 h 4478023"/>
+                  <a:gd name="connsiteX4" fmla="*/ 5051975 w 5051975"/>
+                  <a:gd name="connsiteY4" fmla="*/ 4478004 h 4478023"/>
+                  <a:gd name="connsiteX0" fmla="*/ 0 w 5051975"/>
+                  <a:gd name="connsiteY0" fmla="*/ 2638763 h 4478005"/>
+                  <a:gd name="connsiteX1" fmla="*/ 1114610 w 5051975"/>
+                  <a:gd name="connsiteY1" fmla="*/ 3134764 h 4478005"/>
+                  <a:gd name="connsiteX2" fmla="*/ 2390960 w 5051975"/>
+                  <a:gd name="connsiteY2" fmla="*/ 1039 h 4478005"/>
+                  <a:gd name="connsiteX3" fmla="*/ 3662078 w 5051975"/>
+                  <a:gd name="connsiteY3" fmla="*/ 2807021 h 4478005"/>
+                  <a:gd name="connsiteX4" fmla="*/ 5051975 w 5051975"/>
+                  <a:gd name="connsiteY4" fmla="*/ 4478004 h 4478005"/>
+                  <a:gd name="connsiteX0" fmla="*/ 0 w 5051975"/>
+                  <a:gd name="connsiteY0" fmla="*/ 2653359 h 4492601"/>
+                  <a:gd name="connsiteX1" fmla="*/ 1256547 w 5051975"/>
+                  <a:gd name="connsiteY1" fmla="*/ 1730098 h 4492601"/>
+                  <a:gd name="connsiteX2" fmla="*/ 2390960 w 5051975"/>
+                  <a:gd name="connsiteY2" fmla="*/ 15635 h 4492601"/>
+                  <a:gd name="connsiteX3" fmla="*/ 3662078 w 5051975"/>
+                  <a:gd name="connsiteY3" fmla="*/ 2821617 h 4492601"/>
+                  <a:gd name="connsiteX4" fmla="*/ 5051975 w 5051975"/>
+                  <a:gd name="connsiteY4" fmla="*/ 4492600 h 4492601"/>
+                  <a:gd name="connsiteX0" fmla="*/ 0 w 5051975"/>
+                  <a:gd name="connsiteY0" fmla="*/ 2185682 h 4024924"/>
+                  <a:gd name="connsiteX1" fmla="*/ 1256547 w 5051975"/>
+                  <a:gd name="connsiteY1" fmla="*/ 1262421 h 4024924"/>
+                  <a:gd name="connsiteX2" fmla="*/ 3143228 w 5051975"/>
+                  <a:gd name="connsiteY2" fmla="*/ 20774 h 4024924"/>
+                  <a:gd name="connsiteX3" fmla="*/ 3662078 w 5051975"/>
+                  <a:gd name="connsiteY3" fmla="*/ 2353940 h 4024924"/>
+                  <a:gd name="connsiteX4" fmla="*/ 5051975 w 5051975"/>
+                  <a:gd name="connsiteY4" fmla="*/ 4024923 h 4024924"/>
+                  <a:gd name="connsiteX0" fmla="*/ 0 w 5051975"/>
+                  <a:gd name="connsiteY0" fmla="*/ 2176310 h 4015552"/>
+                  <a:gd name="connsiteX1" fmla="*/ 1625578 w 5051975"/>
+                  <a:gd name="connsiteY1" fmla="*/ 1482708 h 4015552"/>
+                  <a:gd name="connsiteX2" fmla="*/ 3143228 w 5051975"/>
+                  <a:gd name="connsiteY2" fmla="*/ 11402 h 4015552"/>
+                  <a:gd name="connsiteX3" fmla="*/ 3662078 w 5051975"/>
+                  <a:gd name="connsiteY3" fmla="*/ 2344568 h 4015552"/>
+                  <a:gd name="connsiteX4" fmla="*/ 5051975 w 5051975"/>
+                  <a:gd name="connsiteY4" fmla="*/ 4015551 h 4015552"/>
+                  <a:gd name="connsiteX0" fmla="*/ 0 w 5051975"/>
+                  <a:gd name="connsiteY0" fmla="*/ 2183918 h 4023160"/>
+                  <a:gd name="connsiteX1" fmla="*/ 1625578 w 5051975"/>
+                  <a:gd name="connsiteY1" fmla="*/ 1490316 h 4023160"/>
+                  <a:gd name="connsiteX2" fmla="*/ 3143228 w 5051975"/>
+                  <a:gd name="connsiteY2" fmla="*/ 19010 h 4023160"/>
+                  <a:gd name="connsiteX3" fmla="*/ 4002724 w 5051975"/>
+                  <a:gd name="connsiteY3" fmla="*/ 2635862 h 4023160"/>
+                  <a:gd name="connsiteX4" fmla="*/ 5051975 w 5051975"/>
+                  <a:gd name="connsiteY4" fmla="*/ 4023159 h 4023160"/>
+                  <a:gd name="connsiteX0" fmla="*/ 0 w 5051975"/>
+                  <a:gd name="connsiteY0" fmla="*/ 2183918 h 4023160"/>
+                  <a:gd name="connsiteX1" fmla="*/ 1625578 w 5051975"/>
+                  <a:gd name="connsiteY1" fmla="*/ 1490316 h 4023160"/>
+                  <a:gd name="connsiteX2" fmla="*/ 3143228 w 5051975"/>
+                  <a:gd name="connsiteY2" fmla="*/ 19010 h 4023160"/>
+                  <a:gd name="connsiteX3" fmla="*/ 4002724 w 5051975"/>
+                  <a:gd name="connsiteY3" fmla="*/ 2635862 h 4023160"/>
+                  <a:gd name="connsiteX4" fmla="*/ 5051975 w 5051975"/>
+                  <a:gd name="connsiteY4" fmla="*/ 4023159 h 4023160"/>
+                  <a:gd name="connsiteX0" fmla="*/ 0 w 5051975"/>
+                  <a:gd name="connsiteY0" fmla="*/ 2182358 h 4021600"/>
+                  <a:gd name="connsiteX1" fmla="*/ 1625578 w 5051975"/>
+                  <a:gd name="connsiteY1" fmla="*/ 1488756 h 4021600"/>
+                  <a:gd name="connsiteX2" fmla="*/ 3143228 w 5051975"/>
+                  <a:gd name="connsiteY2" fmla="*/ 17450 h 4021600"/>
+                  <a:gd name="connsiteX3" fmla="*/ 3605303 w 5051975"/>
+                  <a:gd name="connsiteY3" fmla="*/ 2580266 h 4021600"/>
+                  <a:gd name="connsiteX4" fmla="*/ 5051975 w 5051975"/>
+                  <a:gd name="connsiteY4" fmla="*/ 4021599 h 4021600"/>
+                  <a:gd name="connsiteX0" fmla="*/ 0 w 5051975"/>
+                  <a:gd name="connsiteY0" fmla="*/ 2182358 h 4021600"/>
+                  <a:gd name="connsiteX1" fmla="*/ 1625578 w 5051975"/>
+                  <a:gd name="connsiteY1" fmla="*/ 1488756 h 4021600"/>
+                  <a:gd name="connsiteX2" fmla="*/ 3143228 w 5051975"/>
+                  <a:gd name="connsiteY2" fmla="*/ 17450 h 4021600"/>
+                  <a:gd name="connsiteX3" fmla="*/ 3605303 w 5051975"/>
+                  <a:gd name="connsiteY3" fmla="*/ 2580266 h 4021600"/>
+                  <a:gd name="connsiteX4" fmla="*/ 5051975 w 5051975"/>
+                  <a:gd name="connsiteY4" fmla="*/ 4021599 h 4021600"/>
+                  <a:gd name="connsiteX0" fmla="*/ 0 w 5051975"/>
+                  <a:gd name="connsiteY0" fmla="*/ 2180106 h 4019348"/>
+                  <a:gd name="connsiteX1" fmla="*/ 1625578 w 5051975"/>
+                  <a:gd name="connsiteY1" fmla="*/ 1486504 h 4019348"/>
+                  <a:gd name="connsiteX2" fmla="*/ 3143228 w 5051975"/>
+                  <a:gd name="connsiteY2" fmla="*/ 15198 h 4019348"/>
+                  <a:gd name="connsiteX3" fmla="*/ 3647886 w 5051975"/>
+                  <a:gd name="connsiteY3" fmla="*/ 2496957 h 4019348"/>
+                  <a:gd name="connsiteX4" fmla="*/ 5051975 w 5051975"/>
+                  <a:gd name="connsiteY4" fmla="*/ 4019347 h 4019348"/>
+                  <a:gd name="connsiteX0" fmla="*/ 0 w 5051975"/>
+                  <a:gd name="connsiteY0" fmla="*/ 2165169 h 4004411"/>
+                  <a:gd name="connsiteX1" fmla="*/ 1625578 w 5051975"/>
+                  <a:gd name="connsiteY1" fmla="*/ 1471567 h 4004411"/>
+                  <a:gd name="connsiteX2" fmla="*/ 3143228 w 5051975"/>
+                  <a:gd name="connsiteY2" fmla="*/ 261 h 4004411"/>
+                  <a:gd name="connsiteX3" fmla="*/ 3647886 w 5051975"/>
+                  <a:gd name="connsiteY3" fmla="*/ 2482020 h 4004411"/>
+                  <a:gd name="connsiteX4" fmla="*/ 5051975 w 5051975"/>
+                  <a:gd name="connsiteY4" fmla="*/ 4004410 h 4004411"/>
+                  <a:gd name="connsiteX0" fmla="*/ 0 w 5051975"/>
+                  <a:gd name="connsiteY0" fmla="*/ 2030105 h 3869347"/>
+                  <a:gd name="connsiteX1" fmla="*/ 1625578 w 5051975"/>
+                  <a:gd name="connsiteY1" fmla="*/ 1336503 h 3869347"/>
+                  <a:gd name="connsiteX2" fmla="*/ 2731615 w 5051975"/>
+                  <a:gd name="connsiteY2" fmla="*/ 284 h 3869347"/>
+                  <a:gd name="connsiteX3" fmla="*/ 3647886 w 5051975"/>
+                  <a:gd name="connsiteY3" fmla="*/ 2346956 h 3869347"/>
+                  <a:gd name="connsiteX4" fmla="*/ 5051975 w 5051975"/>
+                  <a:gd name="connsiteY4" fmla="*/ 3869346 h 3869347"/>
+                  <a:gd name="connsiteX0" fmla="*/ 0 w 5051975"/>
+                  <a:gd name="connsiteY0" fmla="*/ 2038581 h 3877823"/>
+                  <a:gd name="connsiteX1" fmla="*/ 1483645 w 5051975"/>
+                  <a:gd name="connsiteY1" fmla="*/ 1574630 h 3877823"/>
+                  <a:gd name="connsiteX2" fmla="*/ 2731615 w 5051975"/>
+                  <a:gd name="connsiteY2" fmla="*/ 8760 h 3877823"/>
+                  <a:gd name="connsiteX3" fmla="*/ 3647886 w 5051975"/>
+                  <a:gd name="connsiteY3" fmla="*/ 2355432 h 3877823"/>
+                  <a:gd name="connsiteX4" fmla="*/ 5051975 w 5051975"/>
+                  <a:gd name="connsiteY4" fmla="*/ 3877822 h 3877823"/>
+                </a:gdLst>
+                <a:ahLst/>
+                <a:cxnLst>
+                  <a:cxn ang="0">
+                    <a:pos x="connsiteX0" y="connsiteY0"/>
+                  </a:cxn>
+                  <a:cxn ang="0">
+                    <a:pos x="connsiteX1" y="connsiteY1"/>
+                  </a:cxn>
+                  <a:cxn ang="0">
+                    <a:pos x="connsiteX2" y="connsiteY2"/>
+                  </a:cxn>
+                  <a:cxn ang="0">
+                    <a:pos x="connsiteX3" y="connsiteY3"/>
+                  </a:cxn>
+                  <a:cxn ang="0">
+                    <a:pos x="connsiteX4" y="connsiteY4"/>
+                  </a:cxn>
+                </a:cxnLst>
+                <a:rect l="l" t="t" r="r" b="b"/>
+                <a:pathLst>
+                  <a:path w="5051975" h="3877823">
+                    <a:moveTo>
+                      <a:pt x="0" y="2038581"/>
+                    </a:moveTo>
+                    <a:cubicBezTo>
+                      <a:pt x="409575" y="2027468"/>
+                      <a:pt x="1028376" y="1912933"/>
+                      <a:pt x="1483645" y="1574630"/>
+                    </a:cubicBezTo>
+                    <a:cubicBezTo>
+                      <a:pt x="1938914" y="1236327"/>
+                      <a:pt x="2370908" y="-121374"/>
+                      <a:pt x="2731615" y="8760"/>
+                    </a:cubicBezTo>
+                    <a:cubicBezTo>
+                      <a:pt x="3092322" y="138894"/>
+                      <a:pt x="3261159" y="1710588"/>
+                      <a:pt x="3647886" y="2355432"/>
+                    </a:cubicBezTo>
+                    <a:cubicBezTo>
+                      <a:pt x="4034613" y="3000276"/>
+                      <a:pt x="4125715" y="3230887"/>
+                      <a:pt x="5051975" y="3877822"/>
+                    </a:cubicBezTo>
+                  </a:path>
+                </a:pathLst>
+              </a:custGeom>
+              <a:solidFill>
+                <a:srgbClr val="DCD2EA"/>
+              </a:solidFill>
+              <a:ln w="12700">
+                <a:solidFill>
+                  <a:schemeClr val="bg1"/>
+                </a:solidFill>
+              </a:ln>
+            </p:spPr>
+            <p:style>
+              <a:lnRef idx="2">
+                <a:schemeClr val="accent1">
+                  <a:shade val="50000"/>
+                </a:schemeClr>
+              </a:lnRef>
+              <a:fillRef idx="1">
+                <a:schemeClr val="accent1"/>
+              </a:fillRef>
+              <a:effectRef idx="0">
+                <a:schemeClr val="accent1"/>
+              </a:effectRef>
+              <a:fontRef idx="minor">
+                <a:schemeClr val="lt1"/>
+              </a:fontRef>
+            </p:style>
+            <p:txBody>
+              <a:bodyPr rtlCol="0" anchor="ctr"/>
+              <a:lstStyle/>
+              <a:p>
+                <a:pPr algn="ctr"/>
+                <a:endParaRPr lang="zh-TW" altLang="en-US"/>
+              </a:p>
+            </p:txBody>
+          </p:sp>
+          <p:sp>
+            <p:nvSpPr>
+              <p:cNvPr id="121" name="手繪多邊形: 圖案 120">
+                <a:extLst>
+                  <a:ext uri="{FF2B5EF4-FFF2-40B4-BE49-F238E27FC236}">
+                    <a16:creationId xmlns:a16="http://schemas.microsoft.com/office/drawing/2014/main" id="{8BFB02C6-777E-480F-884C-F38D984164F9}"/>
+                  </a:ext>
+                </a:extLst>
+              </p:cNvPr>
+              <p:cNvSpPr/>
+              <p:nvPr/>
+            </p:nvSpPr>
+            <p:spPr>
+              <a:xfrm>
+                <a:off x="4012608" y="5590305"/>
+                <a:ext cx="847566" cy="548415"/>
+              </a:xfrm>
+              <a:custGeom>
+                <a:avLst/>
+                <a:gdLst>
+                  <a:gd name="connsiteX0" fmla="*/ 0 w 4933950"/>
+                  <a:gd name="connsiteY0" fmla="*/ 3753009 h 3878035"/>
+                  <a:gd name="connsiteX1" fmla="*/ 1085850 w 4933950"/>
+                  <a:gd name="connsiteY1" fmla="*/ 3257709 h 3878035"/>
+                  <a:gd name="connsiteX2" fmla="*/ 2400300 w 4933950"/>
+                  <a:gd name="connsiteY2" fmla="*/ 159 h 3878035"/>
+                  <a:gd name="connsiteX3" fmla="*/ 3848100 w 4933950"/>
+                  <a:gd name="connsiteY3" fmla="*/ 3400584 h 3878035"/>
+                  <a:gd name="connsiteX4" fmla="*/ 4933950 w 4933950"/>
+                  <a:gd name="connsiteY4" fmla="*/ 3772059 h 3878035"/>
+                  <a:gd name="connsiteX0" fmla="*/ 0 w 4933950"/>
+                  <a:gd name="connsiteY0" fmla="*/ 3753009 h 3878035"/>
+                  <a:gd name="connsiteX1" fmla="*/ 1085850 w 4933950"/>
+                  <a:gd name="connsiteY1" fmla="*/ 3257709 h 3878035"/>
+                  <a:gd name="connsiteX2" fmla="*/ 2400300 w 4933950"/>
+                  <a:gd name="connsiteY2" fmla="*/ 159 h 3878035"/>
+                  <a:gd name="connsiteX3" fmla="*/ 3848100 w 4933950"/>
+                  <a:gd name="connsiteY3" fmla="*/ 3400584 h 3878035"/>
+                  <a:gd name="connsiteX4" fmla="*/ 4933950 w 4933950"/>
+                  <a:gd name="connsiteY4" fmla="*/ 3772059 h 3878035"/>
+                  <a:gd name="connsiteX0" fmla="*/ 0 w 4933950"/>
+                  <a:gd name="connsiteY0" fmla="*/ 3753423 h 3878449"/>
+                  <a:gd name="connsiteX1" fmla="*/ 1143000 w 4933950"/>
+                  <a:gd name="connsiteY1" fmla="*/ 3134298 h 3878449"/>
+                  <a:gd name="connsiteX2" fmla="*/ 2400300 w 4933950"/>
+                  <a:gd name="connsiteY2" fmla="*/ 573 h 3878449"/>
+                  <a:gd name="connsiteX3" fmla="*/ 3848100 w 4933950"/>
+                  <a:gd name="connsiteY3" fmla="*/ 3400998 h 3878449"/>
+                  <a:gd name="connsiteX4" fmla="*/ 4933950 w 4933950"/>
+                  <a:gd name="connsiteY4" fmla="*/ 3772473 h 3878449"/>
+                  <a:gd name="connsiteX0" fmla="*/ 0 w 4933950"/>
+                  <a:gd name="connsiteY0" fmla="*/ 3752863 h 3877889"/>
+                  <a:gd name="connsiteX1" fmla="*/ 1143000 w 4933950"/>
+                  <a:gd name="connsiteY1" fmla="*/ 3133738 h 3877889"/>
+                  <a:gd name="connsiteX2" fmla="*/ 2400300 w 4933950"/>
+                  <a:gd name="connsiteY2" fmla="*/ 13 h 3877889"/>
+                  <a:gd name="connsiteX3" fmla="*/ 3848100 w 4933950"/>
+                  <a:gd name="connsiteY3" fmla="*/ 3400438 h 3877889"/>
+                  <a:gd name="connsiteX4" fmla="*/ 4933950 w 4933950"/>
+                  <a:gd name="connsiteY4" fmla="*/ 3771913 h 3877889"/>
+                  <a:gd name="connsiteX0" fmla="*/ 0 w 4933950"/>
+                  <a:gd name="connsiteY0" fmla="*/ 3752863 h 3877889"/>
+                  <a:gd name="connsiteX1" fmla="*/ 1143000 w 4933950"/>
+                  <a:gd name="connsiteY1" fmla="*/ 3133738 h 3877889"/>
+                  <a:gd name="connsiteX2" fmla="*/ 2438400 w 4933950"/>
+                  <a:gd name="connsiteY2" fmla="*/ 13 h 3877889"/>
+                  <a:gd name="connsiteX3" fmla="*/ 3848100 w 4933950"/>
+                  <a:gd name="connsiteY3" fmla="*/ 3400438 h 3877889"/>
+                  <a:gd name="connsiteX4" fmla="*/ 4933950 w 4933950"/>
+                  <a:gd name="connsiteY4" fmla="*/ 3771913 h 3877889"/>
+                  <a:gd name="connsiteX0" fmla="*/ 0 w 4933950"/>
+                  <a:gd name="connsiteY0" fmla="*/ 3752863 h 3826215"/>
+                  <a:gd name="connsiteX1" fmla="*/ 1143000 w 4933950"/>
+                  <a:gd name="connsiteY1" fmla="*/ 3133738 h 3826215"/>
+                  <a:gd name="connsiteX2" fmla="*/ 2438400 w 4933950"/>
+                  <a:gd name="connsiteY2" fmla="*/ 13 h 3826215"/>
+                  <a:gd name="connsiteX3" fmla="*/ 3848100 w 4933950"/>
+                  <a:gd name="connsiteY3" fmla="*/ 3400438 h 3826215"/>
+                  <a:gd name="connsiteX4" fmla="*/ 4933950 w 4933950"/>
+                  <a:gd name="connsiteY4" fmla="*/ 3771913 h 3826215"/>
+                  <a:gd name="connsiteX0" fmla="*/ 0 w 4933950"/>
+                  <a:gd name="connsiteY0" fmla="*/ 3752868 h 3801392"/>
+                  <a:gd name="connsiteX1" fmla="*/ 1143000 w 4933950"/>
+                  <a:gd name="connsiteY1" fmla="*/ 3133743 h 3801392"/>
+                  <a:gd name="connsiteX2" fmla="*/ 2438400 w 4933950"/>
+                  <a:gd name="connsiteY2" fmla="*/ 18 h 3801392"/>
+                  <a:gd name="connsiteX3" fmla="*/ 3705225 w 4933950"/>
+                  <a:gd name="connsiteY3" fmla="*/ 3181368 h 3801392"/>
+                  <a:gd name="connsiteX4" fmla="*/ 4933950 w 4933950"/>
+                  <a:gd name="connsiteY4" fmla="*/ 3771918 h 3801392"/>
+                  <a:gd name="connsiteX0" fmla="*/ 0 w 4933950"/>
+                  <a:gd name="connsiteY0" fmla="*/ 3752868 h 3771918"/>
+                  <a:gd name="connsiteX1" fmla="*/ 1143000 w 4933950"/>
+                  <a:gd name="connsiteY1" fmla="*/ 3133743 h 3771918"/>
+                  <a:gd name="connsiteX2" fmla="*/ 2438400 w 4933950"/>
+                  <a:gd name="connsiteY2" fmla="*/ 18 h 3771918"/>
+                  <a:gd name="connsiteX3" fmla="*/ 3705225 w 4933950"/>
+                  <a:gd name="connsiteY3" fmla="*/ 3181368 h 3771918"/>
+                  <a:gd name="connsiteX4" fmla="*/ 4933950 w 4933950"/>
+                  <a:gd name="connsiteY4" fmla="*/ 3771918 h 3771918"/>
+                  <a:gd name="connsiteX0" fmla="*/ 0 w 4895850"/>
+                  <a:gd name="connsiteY0" fmla="*/ 3752868 h 3752868"/>
+                  <a:gd name="connsiteX1" fmla="*/ 1143000 w 4895850"/>
+                  <a:gd name="connsiteY1" fmla="*/ 3133743 h 3752868"/>
+                  <a:gd name="connsiteX2" fmla="*/ 2438400 w 4895850"/>
+                  <a:gd name="connsiteY2" fmla="*/ 18 h 3752868"/>
+                  <a:gd name="connsiteX3" fmla="*/ 3705225 w 4895850"/>
+                  <a:gd name="connsiteY3" fmla="*/ 3181368 h 3752868"/>
+                  <a:gd name="connsiteX4" fmla="*/ 4895850 w 4895850"/>
+                  <a:gd name="connsiteY4" fmla="*/ 3752868 h 3752868"/>
+                  <a:gd name="connsiteX0" fmla="*/ 0 w 4895850"/>
+                  <a:gd name="connsiteY0" fmla="*/ 3752868 h 3752868"/>
+                  <a:gd name="connsiteX1" fmla="*/ 1143000 w 4895850"/>
+                  <a:gd name="connsiteY1" fmla="*/ 3133743 h 3752868"/>
+                  <a:gd name="connsiteX2" fmla="*/ 2438400 w 4895850"/>
+                  <a:gd name="connsiteY2" fmla="*/ 18 h 3752868"/>
+                  <a:gd name="connsiteX3" fmla="*/ 3705225 w 4895850"/>
+                  <a:gd name="connsiteY3" fmla="*/ 3181368 h 3752868"/>
+                  <a:gd name="connsiteX4" fmla="*/ 4895850 w 4895850"/>
+                  <a:gd name="connsiteY4" fmla="*/ 3752868 h 3752868"/>
+                  <a:gd name="connsiteX0" fmla="*/ 0 w 4895850"/>
+                  <a:gd name="connsiteY0" fmla="*/ 3752854 h 3752854"/>
+                  <a:gd name="connsiteX1" fmla="*/ 1143000 w 4895850"/>
+                  <a:gd name="connsiteY1" fmla="*/ 3133729 h 3752854"/>
+                  <a:gd name="connsiteX2" fmla="*/ 2438400 w 4895850"/>
+                  <a:gd name="connsiteY2" fmla="*/ 4 h 3752854"/>
+                  <a:gd name="connsiteX3" fmla="*/ 3676650 w 4895850"/>
+                  <a:gd name="connsiteY3" fmla="*/ 3114679 h 3752854"/>
+                  <a:gd name="connsiteX4" fmla="*/ 4895850 w 4895850"/>
+                  <a:gd name="connsiteY4" fmla="*/ 3752854 h 3752854"/>
+                  <a:gd name="connsiteX0" fmla="*/ 0 w 4895850"/>
+                  <a:gd name="connsiteY0" fmla="*/ 3762378 h 3762378"/>
+                  <a:gd name="connsiteX1" fmla="*/ 1143000 w 4895850"/>
+                  <a:gd name="connsiteY1" fmla="*/ 3143253 h 3762378"/>
+                  <a:gd name="connsiteX2" fmla="*/ 2400300 w 4895850"/>
+                  <a:gd name="connsiteY2" fmla="*/ 3 h 3762378"/>
+                  <a:gd name="connsiteX3" fmla="*/ 3676650 w 4895850"/>
+                  <a:gd name="connsiteY3" fmla="*/ 3124203 h 3762378"/>
+                  <a:gd name="connsiteX4" fmla="*/ 4895850 w 4895850"/>
+                  <a:gd name="connsiteY4" fmla="*/ 3762378 h 3762378"/>
+                  <a:gd name="connsiteX0" fmla="*/ 0 w 4895850"/>
+                  <a:gd name="connsiteY0" fmla="*/ 3752854 h 3752854"/>
+                  <a:gd name="connsiteX1" fmla="*/ 1143000 w 4895850"/>
+                  <a:gd name="connsiteY1" fmla="*/ 3133729 h 3752854"/>
+                  <a:gd name="connsiteX2" fmla="*/ 2438400 w 4895850"/>
+                  <a:gd name="connsiteY2" fmla="*/ 4 h 3752854"/>
+                  <a:gd name="connsiteX3" fmla="*/ 3676650 w 4895850"/>
+                  <a:gd name="connsiteY3" fmla="*/ 3114679 h 3752854"/>
+                  <a:gd name="connsiteX4" fmla="*/ 4895850 w 4895850"/>
+                  <a:gd name="connsiteY4" fmla="*/ 3752854 h 3752854"/>
+                  <a:gd name="connsiteX0" fmla="*/ 0 w 4895850"/>
+                  <a:gd name="connsiteY0" fmla="*/ 3752854 h 3752854"/>
+                  <a:gd name="connsiteX1" fmla="*/ 1143000 w 4895850"/>
+                  <a:gd name="connsiteY1" fmla="*/ 3133729 h 3752854"/>
+                  <a:gd name="connsiteX2" fmla="*/ 2419350 w 4895850"/>
+                  <a:gd name="connsiteY2" fmla="*/ 4 h 3752854"/>
+                  <a:gd name="connsiteX3" fmla="*/ 3676650 w 4895850"/>
+                  <a:gd name="connsiteY3" fmla="*/ 3114679 h 3752854"/>
+                  <a:gd name="connsiteX4" fmla="*/ 4895850 w 4895850"/>
+                  <a:gd name="connsiteY4" fmla="*/ 3752854 h 3752854"/>
+                  <a:gd name="connsiteX0" fmla="*/ 0 w 4895850"/>
+                  <a:gd name="connsiteY0" fmla="*/ 3752853 h 3752853"/>
+                  <a:gd name="connsiteX1" fmla="*/ 1143000 w 4895850"/>
+                  <a:gd name="connsiteY1" fmla="*/ 3133728 h 3752853"/>
+                  <a:gd name="connsiteX2" fmla="*/ 2419350 w 4895850"/>
+                  <a:gd name="connsiteY2" fmla="*/ 3 h 3752853"/>
+                  <a:gd name="connsiteX3" fmla="*/ 3676650 w 4895850"/>
+                  <a:gd name="connsiteY3" fmla="*/ 3114678 h 3752853"/>
+                  <a:gd name="connsiteX4" fmla="*/ 4895850 w 4895850"/>
+                  <a:gd name="connsiteY4" fmla="*/ 3752853 h 3752853"/>
+                  <a:gd name="connsiteX0" fmla="*/ 0 w 4895850"/>
+                  <a:gd name="connsiteY0" fmla="*/ 3752861 h 3752861"/>
+                  <a:gd name="connsiteX1" fmla="*/ 1143000 w 4895850"/>
+                  <a:gd name="connsiteY1" fmla="*/ 3133736 h 3752861"/>
+                  <a:gd name="connsiteX2" fmla="*/ 2419350 w 4895850"/>
+                  <a:gd name="connsiteY2" fmla="*/ 11 h 3752861"/>
+                  <a:gd name="connsiteX3" fmla="*/ 3619500 w 4895850"/>
+                  <a:gd name="connsiteY3" fmla="*/ 3095636 h 3752861"/>
+                  <a:gd name="connsiteX4" fmla="*/ 4895850 w 4895850"/>
+                  <a:gd name="connsiteY4" fmla="*/ 3752861 h 3752861"/>
+                  <a:gd name="connsiteX0" fmla="*/ 0 w 4895850"/>
+                  <a:gd name="connsiteY0" fmla="*/ 3752861 h 3752924"/>
+                  <a:gd name="connsiteX1" fmla="*/ 1143000 w 4895850"/>
+                  <a:gd name="connsiteY1" fmla="*/ 3133736 h 3752924"/>
+                  <a:gd name="connsiteX2" fmla="*/ 2419350 w 4895850"/>
+                  <a:gd name="connsiteY2" fmla="*/ 11 h 3752924"/>
+                  <a:gd name="connsiteX3" fmla="*/ 3619500 w 4895850"/>
+                  <a:gd name="connsiteY3" fmla="*/ 3095636 h 3752924"/>
+                  <a:gd name="connsiteX4" fmla="*/ 4895850 w 4895850"/>
+                  <a:gd name="connsiteY4" fmla="*/ 3752861 h 3752924"/>
+                  <a:gd name="connsiteX0" fmla="*/ 0 w 4867460"/>
+                  <a:gd name="connsiteY0" fmla="*/ 2637735 h 3752924"/>
+                  <a:gd name="connsiteX1" fmla="*/ 1114610 w 4867460"/>
+                  <a:gd name="connsiteY1" fmla="*/ 3133736 h 3752924"/>
+                  <a:gd name="connsiteX2" fmla="*/ 2390960 w 4867460"/>
+                  <a:gd name="connsiteY2" fmla="*/ 11 h 3752924"/>
+                  <a:gd name="connsiteX3" fmla="*/ 3591110 w 4867460"/>
+                  <a:gd name="connsiteY3" fmla="*/ 3095636 h 3752924"/>
+                  <a:gd name="connsiteX4" fmla="*/ 4867460 w 4867460"/>
+                  <a:gd name="connsiteY4" fmla="*/ 3752861 h 3752924"/>
+                  <a:gd name="connsiteX0" fmla="*/ 0 w 5051975"/>
+                  <a:gd name="connsiteY0" fmla="*/ 2637735 h 4477001"/>
+                  <a:gd name="connsiteX1" fmla="*/ 1114610 w 5051975"/>
+                  <a:gd name="connsiteY1" fmla="*/ 3133736 h 4477001"/>
+                  <a:gd name="connsiteX2" fmla="*/ 2390960 w 5051975"/>
+                  <a:gd name="connsiteY2" fmla="*/ 11 h 4477001"/>
+                  <a:gd name="connsiteX3" fmla="*/ 3591110 w 5051975"/>
+                  <a:gd name="connsiteY3" fmla="*/ 3095636 h 4477001"/>
+                  <a:gd name="connsiteX4" fmla="*/ 5051975 w 5051975"/>
+                  <a:gd name="connsiteY4" fmla="*/ 4476976 h 4477001"/>
+                  <a:gd name="connsiteX0" fmla="*/ 0 w 5051975"/>
+                  <a:gd name="connsiteY0" fmla="*/ 2638763 h 4478023"/>
+                  <a:gd name="connsiteX1" fmla="*/ 1114610 w 5051975"/>
+                  <a:gd name="connsiteY1" fmla="*/ 3134764 h 4478023"/>
+                  <a:gd name="connsiteX2" fmla="*/ 2390960 w 5051975"/>
+                  <a:gd name="connsiteY2" fmla="*/ 1039 h 4478023"/>
+                  <a:gd name="connsiteX3" fmla="*/ 3662078 w 5051975"/>
+                  <a:gd name="connsiteY3" fmla="*/ 2807021 h 4478023"/>
+                  <a:gd name="connsiteX4" fmla="*/ 5051975 w 5051975"/>
+                  <a:gd name="connsiteY4" fmla="*/ 4478004 h 4478023"/>
+                  <a:gd name="connsiteX0" fmla="*/ 0 w 5051975"/>
+                  <a:gd name="connsiteY0" fmla="*/ 2638763 h 4478005"/>
+                  <a:gd name="connsiteX1" fmla="*/ 1114610 w 5051975"/>
+                  <a:gd name="connsiteY1" fmla="*/ 3134764 h 4478005"/>
+                  <a:gd name="connsiteX2" fmla="*/ 2390960 w 5051975"/>
+                  <a:gd name="connsiteY2" fmla="*/ 1039 h 4478005"/>
+                  <a:gd name="connsiteX3" fmla="*/ 3662078 w 5051975"/>
+                  <a:gd name="connsiteY3" fmla="*/ 2807021 h 4478005"/>
+                  <a:gd name="connsiteX4" fmla="*/ 5051975 w 5051975"/>
+                  <a:gd name="connsiteY4" fmla="*/ 4478004 h 4478005"/>
+                  <a:gd name="connsiteX0" fmla="*/ 0 w 5051975"/>
+                  <a:gd name="connsiteY0" fmla="*/ 2653359 h 4492601"/>
+                  <a:gd name="connsiteX1" fmla="*/ 1256547 w 5051975"/>
+                  <a:gd name="connsiteY1" fmla="*/ 1730098 h 4492601"/>
+                  <a:gd name="connsiteX2" fmla="*/ 2390960 w 5051975"/>
+                  <a:gd name="connsiteY2" fmla="*/ 15635 h 4492601"/>
+                  <a:gd name="connsiteX3" fmla="*/ 3662078 w 5051975"/>
+                  <a:gd name="connsiteY3" fmla="*/ 2821617 h 4492601"/>
+                  <a:gd name="connsiteX4" fmla="*/ 5051975 w 5051975"/>
+                  <a:gd name="connsiteY4" fmla="*/ 4492600 h 4492601"/>
+                  <a:gd name="connsiteX0" fmla="*/ 0 w 5051975"/>
+                  <a:gd name="connsiteY0" fmla="*/ 2640135 h 4479377"/>
+                  <a:gd name="connsiteX1" fmla="*/ 1171383 w 5051975"/>
+                  <a:gd name="connsiteY1" fmla="*/ 2324779 h 4479377"/>
+                  <a:gd name="connsiteX2" fmla="*/ 2390960 w 5051975"/>
+                  <a:gd name="connsiteY2" fmla="*/ 2411 h 4479377"/>
+                  <a:gd name="connsiteX3" fmla="*/ 3662078 w 5051975"/>
+                  <a:gd name="connsiteY3" fmla="*/ 2808393 h 4479377"/>
+                  <a:gd name="connsiteX4" fmla="*/ 5051975 w 5051975"/>
+                  <a:gd name="connsiteY4" fmla="*/ 4479376 h 4479377"/>
+                  <a:gd name="connsiteX0" fmla="*/ 0 w 5051975"/>
+                  <a:gd name="connsiteY0" fmla="*/ 2645882 h 4485124"/>
+                  <a:gd name="connsiteX1" fmla="*/ 1171383 w 5051975"/>
+                  <a:gd name="connsiteY1" fmla="*/ 2330526 h 4485124"/>
+                  <a:gd name="connsiteX2" fmla="*/ 2390960 w 5051975"/>
+                  <a:gd name="connsiteY2" fmla="*/ 8158 h 4485124"/>
+                  <a:gd name="connsiteX3" fmla="*/ 3434980 w 5051975"/>
+                  <a:gd name="connsiteY3" fmla="*/ 3246426 h 4485124"/>
+                  <a:gd name="connsiteX4" fmla="*/ 5051975 w 5051975"/>
+                  <a:gd name="connsiteY4" fmla="*/ 4485123 h 4485124"/>
+                  <a:gd name="connsiteX0" fmla="*/ 0 w 5051975"/>
+                  <a:gd name="connsiteY0" fmla="*/ 2645882 h 4485124"/>
+                  <a:gd name="connsiteX1" fmla="*/ 1171383 w 5051975"/>
+                  <a:gd name="connsiteY1" fmla="*/ 2330526 h 4485124"/>
+                  <a:gd name="connsiteX2" fmla="*/ 2390960 w 5051975"/>
+                  <a:gd name="connsiteY2" fmla="*/ 8158 h 4485124"/>
+                  <a:gd name="connsiteX3" fmla="*/ 3434980 w 5051975"/>
+                  <a:gd name="connsiteY3" fmla="*/ 3246426 h 4485124"/>
+                  <a:gd name="connsiteX4" fmla="*/ 5051975 w 5051975"/>
+                  <a:gd name="connsiteY4" fmla="*/ 4485123 h 4485124"/>
+                  <a:gd name="connsiteX0" fmla="*/ 0 w 5051975"/>
+                  <a:gd name="connsiteY0" fmla="*/ 1277361 h 3116603"/>
+                  <a:gd name="connsiteX1" fmla="*/ 1171383 w 5051975"/>
+                  <a:gd name="connsiteY1" fmla="*/ 962005 h 3116603"/>
+                  <a:gd name="connsiteX2" fmla="*/ 2390963 w 5051975"/>
+                  <a:gd name="connsiteY2" fmla="*/ 17558 h 3116603"/>
+                  <a:gd name="connsiteX3" fmla="*/ 3434980 w 5051975"/>
+                  <a:gd name="connsiteY3" fmla="*/ 1877905 h 3116603"/>
+                  <a:gd name="connsiteX4" fmla="*/ 5051975 w 5051975"/>
+                  <a:gd name="connsiteY4" fmla="*/ 3116602 h 3116603"/>
+                  <a:gd name="connsiteX0" fmla="*/ 0 w 5051975"/>
+                  <a:gd name="connsiteY0" fmla="*/ 1271955 h 3111197"/>
+                  <a:gd name="connsiteX1" fmla="*/ 1114608 w 5051975"/>
+                  <a:gd name="connsiteY1" fmla="*/ 1078179 h 3111197"/>
+                  <a:gd name="connsiteX2" fmla="*/ 2390963 w 5051975"/>
+                  <a:gd name="connsiteY2" fmla="*/ 12152 h 3111197"/>
+                  <a:gd name="connsiteX3" fmla="*/ 3434980 w 5051975"/>
+                  <a:gd name="connsiteY3" fmla="*/ 1872499 h 3111197"/>
+                  <a:gd name="connsiteX4" fmla="*/ 5051975 w 5051975"/>
+                  <a:gd name="connsiteY4" fmla="*/ 3111196 h 3111197"/>
+                </a:gdLst>
+                <a:ahLst/>
+                <a:cxnLst>
+                  <a:cxn ang="0">
+                    <a:pos x="connsiteX0" y="connsiteY0"/>
+                  </a:cxn>
+                  <a:cxn ang="0">
+                    <a:pos x="connsiteX1" y="connsiteY1"/>
+                  </a:cxn>
+                  <a:cxn ang="0">
+                    <a:pos x="connsiteX2" y="connsiteY2"/>
+                  </a:cxn>
+                  <a:cxn ang="0">
+                    <a:pos x="connsiteX3" y="connsiteY3"/>
+                  </a:cxn>
+                  <a:cxn ang="0">
+                    <a:pos x="connsiteX4" y="connsiteY4"/>
+                  </a:cxn>
+                </a:cxnLst>
+                <a:rect l="l" t="t" r="r" b="b"/>
+                <a:pathLst>
+                  <a:path w="5051975" h="3111197">
+                    <a:moveTo>
+                      <a:pt x="0" y="1271955"/>
+                    </a:moveTo>
+                    <a:cubicBezTo>
+                      <a:pt x="409575" y="1260842"/>
+                      <a:pt x="716114" y="1288146"/>
+                      <a:pt x="1114608" y="1078179"/>
+                    </a:cubicBezTo>
+                    <a:cubicBezTo>
+                      <a:pt x="1513102" y="868212"/>
+                      <a:pt x="2004234" y="-120235"/>
+                      <a:pt x="2390963" y="12152"/>
+                    </a:cubicBezTo>
+                    <a:cubicBezTo>
+                      <a:pt x="2777692" y="144539"/>
+                      <a:pt x="2991478" y="1355992"/>
+                      <a:pt x="3434980" y="1872499"/>
+                    </a:cubicBezTo>
+                    <a:cubicBezTo>
+                      <a:pt x="3878482" y="2389006"/>
+                      <a:pt x="4125715" y="2464261"/>
+                      <a:pt x="5051975" y="3111196"/>
+                    </a:cubicBezTo>
+                  </a:path>
+                </a:pathLst>
+              </a:custGeom>
+              <a:solidFill>
+                <a:srgbClr val="DCD2EA"/>
+              </a:solidFill>
+              <a:ln w="12700">
+                <a:solidFill>
+                  <a:schemeClr val="bg1"/>
+                </a:solidFill>
+              </a:ln>
+            </p:spPr>
+            <p:style>
+              <a:lnRef idx="2">
+                <a:schemeClr val="accent1">
+                  <a:shade val="50000"/>
+                </a:schemeClr>
+              </a:lnRef>
+              <a:fillRef idx="1">
+                <a:schemeClr val="accent1"/>
+              </a:fillRef>
+              <a:effectRef idx="0">
+                <a:schemeClr val="accent1"/>
+              </a:effectRef>
+              <a:fontRef idx="minor">
+                <a:schemeClr val="lt1"/>
+              </a:fontRef>
+            </p:style>
+            <p:txBody>
+              <a:bodyPr rtlCol="0" anchor="ctr"/>
+              <a:lstStyle/>
+              <a:p>
+                <a:pPr algn="ctr"/>
+                <a:endParaRPr lang="zh-TW" altLang="en-US"/>
+              </a:p>
+            </p:txBody>
+          </p:sp>
+          <p:sp>
+            <p:nvSpPr>
+              <p:cNvPr id="122" name="手繪多邊形: 圖案 121">
+                <a:extLst>
+                  <a:ext uri="{FF2B5EF4-FFF2-40B4-BE49-F238E27FC236}">
+                    <a16:creationId xmlns:a16="http://schemas.microsoft.com/office/drawing/2014/main" id="{BBC596F3-2B29-49D7-967F-8E384A56AAEF}"/>
+                  </a:ext>
+                </a:extLst>
+              </p:cNvPr>
+              <p:cNvSpPr/>
+              <p:nvPr/>
+            </p:nvSpPr>
+            <p:spPr>
+              <a:xfrm>
+                <a:off x="3481702" y="5777971"/>
+                <a:ext cx="847566" cy="369232"/>
+              </a:xfrm>
+              <a:custGeom>
+                <a:avLst/>
+                <a:gdLst>
+                  <a:gd name="connsiteX0" fmla="*/ 0 w 4933950"/>
+                  <a:gd name="connsiteY0" fmla="*/ 3753009 h 3878035"/>
+                  <a:gd name="connsiteX1" fmla="*/ 1085850 w 4933950"/>
+                  <a:gd name="connsiteY1" fmla="*/ 3257709 h 3878035"/>
+                  <a:gd name="connsiteX2" fmla="*/ 2400300 w 4933950"/>
+                  <a:gd name="connsiteY2" fmla="*/ 159 h 3878035"/>
+                  <a:gd name="connsiteX3" fmla="*/ 3848100 w 4933950"/>
+                  <a:gd name="connsiteY3" fmla="*/ 3400584 h 3878035"/>
+                  <a:gd name="connsiteX4" fmla="*/ 4933950 w 4933950"/>
+                  <a:gd name="connsiteY4" fmla="*/ 3772059 h 3878035"/>
+                  <a:gd name="connsiteX0" fmla="*/ 0 w 4933950"/>
+                  <a:gd name="connsiteY0" fmla="*/ 3753009 h 3878035"/>
+                  <a:gd name="connsiteX1" fmla="*/ 1085850 w 4933950"/>
+                  <a:gd name="connsiteY1" fmla="*/ 3257709 h 3878035"/>
+                  <a:gd name="connsiteX2" fmla="*/ 2400300 w 4933950"/>
+                  <a:gd name="connsiteY2" fmla="*/ 159 h 3878035"/>
+                  <a:gd name="connsiteX3" fmla="*/ 3848100 w 4933950"/>
+                  <a:gd name="connsiteY3" fmla="*/ 3400584 h 3878035"/>
+                  <a:gd name="connsiteX4" fmla="*/ 4933950 w 4933950"/>
+                  <a:gd name="connsiteY4" fmla="*/ 3772059 h 3878035"/>
+                  <a:gd name="connsiteX0" fmla="*/ 0 w 4933950"/>
+                  <a:gd name="connsiteY0" fmla="*/ 3753423 h 3878449"/>
+                  <a:gd name="connsiteX1" fmla="*/ 1143000 w 4933950"/>
+                  <a:gd name="connsiteY1" fmla="*/ 3134298 h 3878449"/>
+                  <a:gd name="connsiteX2" fmla="*/ 2400300 w 4933950"/>
+                  <a:gd name="connsiteY2" fmla="*/ 573 h 3878449"/>
+                  <a:gd name="connsiteX3" fmla="*/ 3848100 w 4933950"/>
+                  <a:gd name="connsiteY3" fmla="*/ 3400998 h 3878449"/>
+                  <a:gd name="connsiteX4" fmla="*/ 4933950 w 4933950"/>
+                  <a:gd name="connsiteY4" fmla="*/ 3772473 h 3878449"/>
+                  <a:gd name="connsiteX0" fmla="*/ 0 w 4933950"/>
+                  <a:gd name="connsiteY0" fmla="*/ 3752863 h 3877889"/>
+                  <a:gd name="connsiteX1" fmla="*/ 1143000 w 4933950"/>
+                  <a:gd name="connsiteY1" fmla="*/ 3133738 h 3877889"/>
+                  <a:gd name="connsiteX2" fmla="*/ 2400300 w 4933950"/>
+                  <a:gd name="connsiteY2" fmla="*/ 13 h 3877889"/>
+                  <a:gd name="connsiteX3" fmla="*/ 3848100 w 4933950"/>
+                  <a:gd name="connsiteY3" fmla="*/ 3400438 h 3877889"/>
+                  <a:gd name="connsiteX4" fmla="*/ 4933950 w 4933950"/>
+                  <a:gd name="connsiteY4" fmla="*/ 3771913 h 3877889"/>
+                  <a:gd name="connsiteX0" fmla="*/ 0 w 4933950"/>
+                  <a:gd name="connsiteY0" fmla="*/ 3752863 h 3877889"/>
+                  <a:gd name="connsiteX1" fmla="*/ 1143000 w 4933950"/>
+                  <a:gd name="connsiteY1" fmla="*/ 3133738 h 3877889"/>
+                  <a:gd name="connsiteX2" fmla="*/ 2438400 w 4933950"/>
+                  <a:gd name="connsiteY2" fmla="*/ 13 h 3877889"/>
+                  <a:gd name="connsiteX3" fmla="*/ 3848100 w 4933950"/>
+                  <a:gd name="connsiteY3" fmla="*/ 3400438 h 3877889"/>
+                  <a:gd name="connsiteX4" fmla="*/ 4933950 w 4933950"/>
+                  <a:gd name="connsiteY4" fmla="*/ 3771913 h 3877889"/>
+                  <a:gd name="connsiteX0" fmla="*/ 0 w 4933950"/>
+                  <a:gd name="connsiteY0" fmla="*/ 3752863 h 3826215"/>
+                  <a:gd name="connsiteX1" fmla="*/ 1143000 w 4933950"/>
+                  <a:gd name="connsiteY1" fmla="*/ 3133738 h 3826215"/>
+                  <a:gd name="connsiteX2" fmla="*/ 2438400 w 4933950"/>
+                  <a:gd name="connsiteY2" fmla="*/ 13 h 3826215"/>
+                  <a:gd name="connsiteX3" fmla="*/ 3848100 w 4933950"/>
+                  <a:gd name="connsiteY3" fmla="*/ 3400438 h 3826215"/>
+                  <a:gd name="connsiteX4" fmla="*/ 4933950 w 4933950"/>
+                  <a:gd name="connsiteY4" fmla="*/ 3771913 h 3826215"/>
+                  <a:gd name="connsiteX0" fmla="*/ 0 w 4933950"/>
+                  <a:gd name="connsiteY0" fmla="*/ 3752868 h 3801392"/>
+                  <a:gd name="connsiteX1" fmla="*/ 1143000 w 4933950"/>
+                  <a:gd name="connsiteY1" fmla="*/ 3133743 h 3801392"/>
+                  <a:gd name="connsiteX2" fmla="*/ 2438400 w 4933950"/>
+                  <a:gd name="connsiteY2" fmla="*/ 18 h 3801392"/>
+                  <a:gd name="connsiteX3" fmla="*/ 3705225 w 4933950"/>
+                  <a:gd name="connsiteY3" fmla="*/ 3181368 h 3801392"/>
+                  <a:gd name="connsiteX4" fmla="*/ 4933950 w 4933950"/>
+                  <a:gd name="connsiteY4" fmla="*/ 3771918 h 3801392"/>
+                  <a:gd name="connsiteX0" fmla="*/ 0 w 4933950"/>
+                  <a:gd name="connsiteY0" fmla="*/ 3752868 h 3771918"/>
+                  <a:gd name="connsiteX1" fmla="*/ 1143000 w 4933950"/>
+                  <a:gd name="connsiteY1" fmla="*/ 3133743 h 3771918"/>
+                  <a:gd name="connsiteX2" fmla="*/ 2438400 w 4933950"/>
+                  <a:gd name="connsiteY2" fmla="*/ 18 h 3771918"/>
+                  <a:gd name="connsiteX3" fmla="*/ 3705225 w 4933950"/>
+                  <a:gd name="connsiteY3" fmla="*/ 3181368 h 3771918"/>
+                  <a:gd name="connsiteX4" fmla="*/ 4933950 w 4933950"/>
+                  <a:gd name="connsiteY4" fmla="*/ 3771918 h 3771918"/>
+                  <a:gd name="connsiteX0" fmla="*/ 0 w 4895850"/>
+                  <a:gd name="connsiteY0" fmla="*/ 3752868 h 3752868"/>
+                  <a:gd name="connsiteX1" fmla="*/ 1143000 w 4895850"/>
+                  <a:gd name="connsiteY1" fmla="*/ 3133743 h 3752868"/>
+                  <a:gd name="connsiteX2" fmla="*/ 2438400 w 4895850"/>
+                  <a:gd name="connsiteY2" fmla="*/ 18 h 3752868"/>
+                  <a:gd name="connsiteX3" fmla="*/ 3705225 w 4895850"/>
+                  <a:gd name="connsiteY3" fmla="*/ 3181368 h 3752868"/>
+                  <a:gd name="connsiteX4" fmla="*/ 4895850 w 4895850"/>
+                  <a:gd name="connsiteY4" fmla="*/ 3752868 h 3752868"/>
+                  <a:gd name="connsiteX0" fmla="*/ 0 w 4895850"/>
+                  <a:gd name="connsiteY0" fmla="*/ 3752868 h 3752868"/>
+                  <a:gd name="connsiteX1" fmla="*/ 1143000 w 4895850"/>
+                  <a:gd name="connsiteY1" fmla="*/ 3133743 h 3752868"/>
+                  <a:gd name="connsiteX2" fmla="*/ 2438400 w 4895850"/>
+                  <a:gd name="connsiteY2" fmla="*/ 18 h 3752868"/>
+                  <a:gd name="connsiteX3" fmla="*/ 3705225 w 4895850"/>
+                  <a:gd name="connsiteY3" fmla="*/ 3181368 h 3752868"/>
+                  <a:gd name="connsiteX4" fmla="*/ 4895850 w 4895850"/>
+                  <a:gd name="connsiteY4" fmla="*/ 3752868 h 3752868"/>
+                  <a:gd name="connsiteX0" fmla="*/ 0 w 4895850"/>
+                  <a:gd name="connsiteY0" fmla="*/ 3752854 h 3752854"/>
+                  <a:gd name="connsiteX1" fmla="*/ 1143000 w 4895850"/>
+                  <a:gd name="connsiteY1" fmla="*/ 3133729 h 3752854"/>
+                  <a:gd name="connsiteX2" fmla="*/ 2438400 w 4895850"/>
+                  <a:gd name="connsiteY2" fmla="*/ 4 h 3752854"/>
+                  <a:gd name="connsiteX3" fmla="*/ 3676650 w 4895850"/>
+                  <a:gd name="connsiteY3" fmla="*/ 3114679 h 3752854"/>
+                  <a:gd name="connsiteX4" fmla="*/ 4895850 w 4895850"/>
+                  <a:gd name="connsiteY4" fmla="*/ 3752854 h 3752854"/>
+                  <a:gd name="connsiteX0" fmla="*/ 0 w 4895850"/>
+                  <a:gd name="connsiteY0" fmla="*/ 3762378 h 3762378"/>
+                  <a:gd name="connsiteX1" fmla="*/ 1143000 w 4895850"/>
+                  <a:gd name="connsiteY1" fmla="*/ 3143253 h 3762378"/>
+                  <a:gd name="connsiteX2" fmla="*/ 2400300 w 4895850"/>
+                  <a:gd name="connsiteY2" fmla="*/ 3 h 3762378"/>
+                  <a:gd name="connsiteX3" fmla="*/ 3676650 w 4895850"/>
+                  <a:gd name="connsiteY3" fmla="*/ 3124203 h 3762378"/>
+                  <a:gd name="connsiteX4" fmla="*/ 4895850 w 4895850"/>
+                  <a:gd name="connsiteY4" fmla="*/ 3762378 h 3762378"/>
+                  <a:gd name="connsiteX0" fmla="*/ 0 w 4895850"/>
+                  <a:gd name="connsiteY0" fmla="*/ 3752854 h 3752854"/>
+                  <a:gd name="connsiteX1" fmla="*/ 1143000 w 4895850"/>
+                  <a:gd name="connsiteY1" fmla="*/ 3133729 h 3752854"/>
+                  <a:gd name="connsiteX2" fmla="*/ 2438400 w 4895850"/>
+                  <a:gd name="connsiteY2" fmla="*/ 4 h 3752854"/>
+                  <a:gd name="connsiteX3" fmla="*/ 3676650 w 4895850"/>
+                  <a:gd name="connsiteY3" fmla="*/ 3114679 h 3752854"/>
+                  <a:gd name="connsiteX4" fmla="*/ 4895850 w 4895850"/>
+                  <a:gd name="connsiteY4" fmla="*/ 3752854 h 3752854"/>
+                  <a:gd name="connsiteX0" fmla="*/ 0 w 4895850"/>
+                  <a:gd name="connsiteY0" fmla="*/ 3752854 h 3752854"/>
+                  <a:gd name="connsiteX1" fmla="*/ 1143000 w 4895850"/>
+                  <a:gd name="connsiteY1" fmla="*/ 3133729 h 3752854"/>
+                  <a:gd name="connsiteX2" fmla="*/ 2419350 w 4895850"/>
+                  <a:gd name="connsiteY2" fmla="*/ 4 h 3752854"/>
+                  <a:gd name="connsiteX3" fmla="*/ 3676650 w 4895850"/>
+                  <a:gd name="connsiteY3" fmla="*/ 3114679 h 3752854"/>
+                  <a:gd name="connsiteX4" fmla="*/ 4895850 w 4895850"/>
+                  <a:gd name="connsiteY4" fmla="*/ 3752854 h 3752854"/>
+                  <a:gd name="connsiteX0" fmla="*/ 0 w 4895850"/>
+                  <a:gd name="connsiteY0" fmla="*/ 3752853 h 3752853"/>
+                  <a:gd name="connsiteX1" fmla="*/ 1143000 w 4895850"/>
+                  <a:gd name="connsiteY1" fmla="*/ 3133728 h 3752853"/>
+                  <a:gd name="connsiteX2" fmla="*/ 2419350 w 4895850"/>
+                  <a:gd name="connsiteY2" fmla="*/ 3 h 3752853"/>
+                  <a:gd name="connsiteX3" fmla="*/ 3676650 w 4895850"/>
+                  <a:gd name="connsiteY3" fmla="*/ 3114678 h 3752853"/>
+                  <a:gd name="connsiteX4" fmla="*/ 4895850 w 4895850"/>
+                  <a:gd name="connsiteY4" fmla="*/ 3752853 h 3752853"/>
+                  <a:gd name="connsiteX0" fmla="*/ 0 w 4895850"/>
+                  <a:gd name="connsiteY0" fmla="*/ 3752861 h 3752861"/>
+                  <a:gd name="connsiteX1" fmla="*/ 1143000 w 4895850"/>
+                  <a:gd name="connsiteY1" fmla="*/ 3133736 h 3752861"/>
+                  <a:gd name="connsiteX2" fmla="*/ 2419350 w 4895850"/>
+                  <a:gd name="connsiteY2" fmla="*/ 11 h 3752861"/>
+                  <a:gd name="connsiteX3" fmla="*/ 3619500 w 4895850"/>
+                  <a:gd name="connsiteY3" fmla="*/ 3095636 h 3752861"/>
+                  <a:gd name="connsiteX4" fmla="*/ 4895850 w 4895850"/>
+                  <a:gd name="connsiteY4" fmla="*/ 3752861 h 3752861"/>
+                  <a:gd name="connsiteX0" fmla="*/ 0 w 4895850"/>
+                  <a:gd name="connsiteY0" fmla="*/ 3752861 h 3752924"/>
+                  <a:gd name="connsiteX1" fmla="*/ 1143000 w 4895850"/>
+                  <a:gd name="connsiteY1" fmla="*/ 3133736 h 3752924"/>
+                  <a:gd name="connsiteX2" fmla="*/ 2419350 w 4895850"/>
+                  <a:gd name="connsiteY2" fmla="*/ 11 h 3752924"/>
+                  <a:gd name="connsiteX3" fmla="*/ 3619500 w 4895850"/>
+                  <a:gd name="connsiteY3" fmla="*/ 3095636 h 3752924"/>
+                  <a:gd name="connsiteX4" fmla="*/ 4895850 w 4895850"/>
+                  <a:gd name="connsiteY4" fmla="*/ 3752861 h 3752924"/>
+                  <a:gd name="connsiteX0" fmla="*/ 0 w 4867460"/>
+                  <a:gd name="connsiteY0" fmla="*/ 2637735 h 3752924"/>
+                  <a:gd name="connsiteX1" fmla="*/ 1114610 w 4867460"/>
+                  <a:gd name="connsiteY1" fmla="*/ 3133736 h 3752924"/>
+                  <a:gd name="connsiteX2" fmla="*/ 2390960 w 4867460"/>
+                  <a:gd name="connsiteY2" fmla="*/ 11 h 3752924"/>
+                  <a:gd name="connsiteX3" fmla="*/ 3591110 w 4867460"/>
+                  <a:gd name="connsiteY3" fmla="*/ 3095636 h 3752924"/>
+                  <a:gd name="connsiteX4" fmla="*/ 4867460 w 4867460"/>
+                  <a:gd name="connsiteY4" fmla="*/ 3752861 h 3752924"/>
+                  <a:gd name="connsiteX0" fmla="*/ 0 w 5051975"/>
+                  <a:gd name="connsiteY0" fmla="*/ 2637735 h 4477001"/>
+                  <a:gd name="connsiteX1" fmla="*/ 1114610 w 5051975"/>
+                  <a:gd name="connsiteY1" fmla="*/ 3133736 h 4477001"/>
+                  <a:gd name="connsiteX2" fmla="*/ 2390960 w 5051975"/>
+                  <a:gd name="connsiteY2" fmla="*/ 11 h 4477001"/>
+                  <a:gd name="connsiteX3" fmla="*/ 3591110 w 5051975"/>
+                  <a:gd name="connsiteY3" fmla="*/ 3095636 h 4477001"/>
+                  <a:gd name="connsiteX4" fmla="*/ 5051975 w 5051975"/>
+                  <a:gd name="connsiteY4" fmla="*/ 4476976 h 4477001"/>
+                  <a:gd name="connsiteX0" fmla="*/ 0 w 5051975"/>
+                  <a:gd name="connsiteY0" fmla="*/ 2638763 h 4478023"/>
+                  <a:gd name="connsiteX1" fmla="*/ 1114610 w 5051975"/>
+                  <a:gd name="connsiteY1" fmla="*/ 3134764 h 4478023"/>
+                  <a:gd name="connsiteX2" fmla="*/ 2390960 w 5051975"/>
+                  <a:gd name="connsiteY2" fmla="*/ 1039 h 4478023"/>
+                  <a:gd name="connsiteX3" fmla="*/ 3662078 w 5051975"/>
+                  <a:gd name="connsiteY3" fmla="*/ 2807021 h 4478023"/>
+                  <a:gd name="connsiteX4" fmla="*/ 5051975 w 5051975"/>
+                  <a:gd name="connsiteY4" fmla="*/ 4478004 h 4478023"/>
+                  <a:gd name="connsiteX0" fmla="*/ 0 w 5051975"/>
+                  <a:gd name="connsiteY0" fmla="*/ 2638763 h 4478005"/>
+                  <a:gd name="connsiteX1" fmla="*/ 1114610 w 5051975"/>
+                  <a:gd name="connsiteY1" fmla="*/ 3134764 h 4478005"/>
+                  <a:gd name="connsiteX2" fmla="*/ 2390960 w 5051975"/>
+                  <a:gd name="connsiteY2" fmla="*/ 1039 h 4478005"/>
+                  <a:gd name="connsiteX3" fmla="*/ 3662078 w 5051975"/>
+                  <a:gd name="connsiteY3" fmla="*/ 2807021 h 4478005"/>
+                  <a:gd name="connsiteX4" fmla="*/ 5051975 w 5051975"/>
+                  <a:gd name="connsiteY4" fmla="*/ 4478004 h 4478005"/>
+                  <a:gd name="connsiteX0" fmla="*/ 0 w 5051975"/>
+                  <a:gd name="connsiteY0" fmla="*/ 2653359 h 4492601"/>
+                  <a:gd name="connsiteX1" fmla="*/ 1256547 w 5051975"/>
+                  <a:gd name="connsiteY1" fmla="*/ 1730098 h 4492601"/>
+                  <a:gd name="connsiteX2" fmla="*/ 2390960 w 5051975"/>
+                  <a:gd name="connsiteY2" fmla="*/ 15635 h 4492601"/>
+                  <a:gd name="connsiteX3" fmla="*/ 3662078 w 5051975"/>
+                  <a:gd name="connsiteY3" fmla="*/ 2821617 h 4492601"/>
+                  <a:gd name="connsiteX4" fmla="*/ 5051975 w 5051975"/>
+                  <a:gd name="connsiteY4" fmla="*/ 4492600 h 4492601"/>
+                  <a:gd name="connsiteX0" fmla="*/ 0 w 5051975"/>
+                  <a:gd name="connsiteY0" fmla="*/ 924621 h 2763863"/>
+                  <a:gd name="connsiteX1" fmla="*/ 1256547 w 5051975"/>
+                  <a:gd name="connsiteY1" fmla="*/ 1360 h 2763863"/>
+                  <a:gd name="connsiteX2" fmla="*/ 2504512 w 5051975"/>
+                  <a:gd name="connsiteY2" fmla="*/ 1177820 h 2763863"/>
+                  <a:gd name="connsiteX3" fmla="*/ 3662078 w 5051975"/>
+                  <a:gd name="connsiteY3" fmla="*/ 1092879 h 2763863"/>
+                  <a:gd name="connsiteX4" fmla="*/ 5051975 w 5051975"/>
+                  <a:gd name="connsiteY4" fmla="*/ 2763862 h 2763863"/>
+                  <a:gd name="connsiteX0" fmla="*/ 0 w 5051975"/>
+                  <a:gd name="connsiteY0" fmla="*/ 924621 h 2763863"/>
+                  <a:gd name="connsiteX1" fmla="*/ 1256547 w 5051975"/>
+                  <a:gd name="connsiteY1" fmla="*/ 1360 h 2763863"/>
+                  <a:gd name="connsiteX2" fmla="*/ 2504512 w 5051975"/>
+                  <a:gd name="connsiteY2" fmla="*/ 1177820 h 2763863"/>
+                  <a:gd name="connsiteX3" fmla="*/ 3349816 w 5051975"/>
+                  <a:gd name="connsiteY3" fmla="*/ 1768324 h 2763863"/>
+                  <a:gd name="connsiteX4" fmla="*/ 5051975 w 5051975"/>
+                  <a:gd name="connsiteY4" fmla="*/ 2763862 h 2763863"/>
+                  <a:gd name="connsiteX0" fmla="*/ 0 w 5051975"/>
+                  <a:gd name="connsiteY0" fmla="*/ 641484 h 2480726"/>
+                  <a:gd name="connsiteX1" fmla="*/ 1299130 w 5051975"/>
+                  <a:gd name="connsiteY1" fmla="*/ 1912 h 2480726"/>
+                  <a:gd name="connsiteX2" fmla="*/ 2504512 w 5051975"/>
+                  <a:gd name="connsiteY2" fmla="*/ 894683 h 2480726"/>
+                  <a:gd name="connsiteX3" fmla="*/ 3349816 w 5051975"/>
+                  <a:gd name="connsiteY3" fmla="*/ 1485187 h 2480726"/>
+                  <a:gd name="connsiteX4" fmla="*/ 5051975 w 5051975"/>
+                  <a:gd name="connsiteY4" fmla="*/ 2480725 h 2480726"/>
+                  <a:gd name="connsiteX0" fmla="*/ 0 w 5051975"/>
+                  <a:gd name="connsiteY0" fmla="*/ 641484 h 2480726"/>
+                  <a:gd name="connsiteX1" fmla="*/ 1299130 w 5051975"/>
+                  <a:gd name="connsiteY1" fmla="*/ 1912 h 2480726"/>
+                  <a:gd name="connsiteX2" fmla="*/ 2504512 w 5051975"/>
+                  <a:gd name="connsiteY2" fmla="*/ 894683 h 2480726"/>
+                  <a:gd name="connsiteX3" fmla="*/ 3349816 w 5051975"/>
+                  <a:gd name="connsiteY3" fmla="*/ 1485187 h 2480726"/>
+                  <a:gd name="connsiteX4" fmla="*/ 5051975 w 5051975"/>
+                  <a:gd name="connsiteY4" fmla="*/ 2480725 h 2480726"/>
+                  <a:gd name="connsiteX0" fmla="*/ 0 w 5051975"/>
+                  <a:gd name="connsiteY0" fmla="*/ 641484 h 2480726"/>
+                  <a:gd name="connsiteX1" fmla="*/ 1299130 w 5051975"/>
+                  <a:gd name="connsiteY1" fmla="*/ 1912 h 2480726"/>
+                  <a:gd name="connsiteX2" fmla="*/ 2504512 w 5051975"/>
+                  <a:gd name="connsiteY2" fmla="*/ 894683 h 2480726"/>
+                  <a:gd name="connsiteX3" fmla="*/ 3222075 w 5051975"/>
+                  <a:gd name="connsiteY3" fmla="*/ 1606767 h 2480726"/>
+                  <a:gd name="connsiteX4" fmla="*/ 5051975 w 5051975"/>
+                  <a:gd name="connsiteY4" fmla="*/ 2480725 h 2480726"/>
+                  <a:gd name="connsiteX0" fmla="*/ 0 w 5051975"/>
+                  <a:gd name="connsiteY0" fmla="*/ 644116 h 2483358"/>
+                  <a:gd name="connsiteX1" fmla="*/ 1299130 w 5051975"/>
+                  <a:gd name="connsiteY1" fmla="*/ 4544 h 2483358"/>
+                  <a:gd name="connsiteX2" fmla="*/ 2263222 w 5051975"/>
+                  <a:gd name="connsiteY2" fmla="*/ 1045915 h 2483358"/>
+                  <a:gd name="connsiteX3" fmla="*/ 3222075 w 5051975"/>
+                  <a:gd name="connsiteY3" fmla="*/ 1609399 h 2483358"/>
+                  <a:gd name="connsiteX4" fmla="*/ 5051975 w 5051975"/>
+                  <a:gd name="connsiteY4" fmla="*/ 2483357 h 2483358"/>
+                  <a:gd name="connsiteX0" fmla="*/ 0 w 5051975"/>
+                  <a:gd name="connsiteY0" fmla="*/ 257440 h 2096682"/>
+                  <a:gd name="connsiteX1" fmla="*/ 1199773 w 5051975"/>
+                  <a:gd name="connsiteY1" fmla="*/ 9633 h 2096682"/>
+                  <a:gd name="connsiteX2" fmla="*/ 2263222 w 5051975"/>
+                  <a:gd name="connsiteY2" fmla="*/ 659239 h 2096682"/>
+                  <a:gd name="connsiteX3" fmla="*/ 3222075 w 5051975"/>
+                  <a:gd name="connsiteY3" fmla="*/ 1222723 h 2096682"/>
+                  <a:gd name="connsiteX4" fmla="*/ 5051975 w 5051975"/>
+                  <a:gd name="connsiteY4" fmla="*/ 2096681 h 2096682"/>
+                  <a:gd name="connsiteX0" fmla="*/ 0 w 5051975"/>
+                  <a:gd name="connsiteY0" fmla="*/ 255006 h 2094248"/>
+                  <a:gd name="connsiteX1" fmla="*/ 1199773 w 5051975"/>
+                  <a:gd name="connsiteY1" fmla="*/ 7199 h 2094248"/>
+                  <a:gd name="connsiteX2" fmla="*/ 2263222 w 5051975"/>
+                  <a:gd name="connsiteY2" fmla="*/ 656805 h 2094248"/>
+                  <a:gd name="connsiteX3" fmla="*/ 3222075 w 5051975"/>
+                  <a:gd name="connsiteY3" fmla="*/ 1220289 h 2094248"/>
+                  <a:gd name="connsiteX4" fmla="*/ 5051975 w 5051975"/>
+                  <a:gd name="connsiteY4" fmla="*/ 2094247 h 2094248"/>
+                  <a:gd name="connsiteX0" fmla="*/ 0 w 5051975"/>
+                  <a:gd name="connsiteY0" fmla="*/ 255437 h 2094679"/>
+                  <a:gd name="connsiteX1" fmla="*/ 1199773 w 5051975"/>
+                  <a:gd name="connsiteY1" fmla="*/ 7630 h 2094679"/>
+                  <a:gd name="connsiteX2" fmla="*/ 2107091 w 5051975"/>
+                  <a:gd name="connsiteY2" fmla="*/ 670744 h 2094679"/>
+                  <a:gd name="connsiteX3" fmla="*/ 3222075 w 5051975"/>
+                  <a:gd name="connsiteY3" fmla="*/ 1220720 h 2094679"/>
+                  <a:gd name="connsiteX4" fmla="*/ 5051975 w 5051975"/>
+                  <a:gd name="connsiteY4" fmla="*/ 2094678 h 2094679"/>
+                </a:gdLst>
+                <a:ahLst/>
+                <a:cxnLst>
+                  <a:cxn ang="0">
+                    <a:pos x="connsiteX0" y="connsiteY0"/>
+                  </a:cxn>
+                  <a:cxn ang="0">
+                    <a:pos x="connsiteX1" y="connsiteY1"/>
+                  </a:cxn>
+                  <a:cxn ang="0">
+                    <a:pos x="connsiteX2" y="connsiteY2"/>
+                  </a:cxn>
+                  <a:cxn ang="0">
+                    <a:pos x="connsiteX3" y="connsiteY3"/>
+                  </a:cxn>
+                  <a:cxn ang="0">
+                    <a:pos x="connsiteX4" y="connsiteY4"/>
+                  </a:cxn>
+                </a:cxnLst>
+                <a:rect l="l" t="t" r="r" b="b"/>
+                <a:pathLst>
+                  <a:path w="5051975" h="2094679">
+                    <a:moveTo>
+                      <a:pt x="0" y="255437"/>
+                    </a:moveTo>
+                    <a:cubicBezTo>
+                      <a:pt x="750221" y="365901"/>
+                      <a:pt x="848591" y="-61588"/>
+                      <a:pt x="1199773" y="7630"/>
+                    </a:cubicBezTo>
+                    <a:cubicBezTo>
+                      <a:pt x="1550955" y="76848"/>
+                      <a:pt x="1770041" y="468562"/>
+                      <a:pt x="2107091" y="670744"/>
+                    </a:cubicBezTo>
+                    <a:cubicBezTo>
+                      <a:pt x="2444141" y="872926"/>
+                      <a:pt x="2731261" y="983398"/>
+                      <a:pt x="3222075" y="1220720"/>
+                    </a:cubicBezTo>
+                    <a:cubicBezTo>
+                      <a:pt x="3712889" y="1458042"/>
+                      <a:pt x="3997974" y="1690904"/>
+                      <a:pt x="5051975" y="2094678"/>
+                    </a:cubicBezTo>
+                  </a:path>
+                </a:pathLst>
+              </a:custGeom>
+              <a:solidFill>
+                <a:srgbClr val="DCD2EA"/>
+              </a:solidFill>
+              <a:ln w="12700">
+                <a:solidFill>
+                  <a:schemeClr val="bg1"/>
+                </a:solidFill>
+              </a:ln>
+            </p:spPr>
+            <p:style>
+              <a:lnRef idx="2">
+                <a:schemeClr val="accent1">
+                  <a:shade val="50000"/>
+                </a:schemeClr>
+              </a:lnRef>
+              <a:fillRef idx="1">
+                <a:schemeClr val="accent1"/>
+              </a:fillRef>
+              <a:effectRef idx="0">
+                <a:schemeClr val="accent1"/>
+              </a:effectRef>
+              <a:fontRef idx="minor">
+                <a:schemeClr val="lt1"/>
+              </a:fontRef>
+            </p:style>
+            <p:txBody>
+              <a:bodyPr rtlCol="0" anchor="ctr"/>
+              <a:lstStyle/>
+              <a:p>
+                <a:pPr algn="ctr"/>
+                <a:endParaRPr lang="zh-TW" altLang="en-US"/>
+              </a:p>
+            </p:txBody>
+          </p:sp>
+        </p:grpSp>
+        <p:sp>
+          <p:nvSpPr>
+            <p:cNvPr id="3" name="文字方塊 2">
+              <a:extLst>
+                <a:ext uri="{FF2B5EF4-FFF2-40B4-BE49-F238E27FC236}">
+                  <a16:creationId xmlns:a16="http://schemas.microsoft.com/office/drawing/2014/main" id="{50772639-E26F-47A2-9E59-693752242399}"/>
+                </a:ext>
+              </a:extLst>
+            </p:cNvPr>
+            <p:cNvSpPr txBox="1"/>
+            <p:nvPr/>
+          </p:nvSpPr>
+          <p:spPr>
+            <a:xfrm rot="20057055">
+              <a:off x="4673073" y="3862897"/>
+              <a:ext cx="659155" cy="276999"/>
+            </a:xfrm>
+            <a:prstGeom prst="rect">
+              <a:avLst/>
+            </a:prstGeom>
+            <a:noFill/>
+          </p:spPr>
+          <p:txBody>
+            <a:bodyPr wrap="none" rtlCol="0">
+              <a:spAutoFit/>
+            </a:bodyPr>
+            <a:lstStyle/>
+            <a:p>
+              <a:r>
+                <a:rPr lang="en-US" altLang="zh-TW" sz="1200" dirty="0">
+                  <a:solidFill>
+                    <a:srgbClr val="9575CD"/>
+                  </a:solidFill>
+                </a:rPr>
+                <a:t>515 nm</a:t>
+              </a:r>
+              <a:endParaRPr lang="zh-TW" altLang="en-US" sz="1200" dirty="0">
+                <a:solidFill>
+                  <a:srgbClr val="9575CD"/>
+                </a:solidFill>
+              </a:endParaRPr>
+            </a:p>
+          </p:txBody>
+        </p:sp>
+      </p:grpSp>
+    </p:spTree>
+    <p:extLst>
+      <p:ext uri="{BB962C8B-B14F-4D97-AF65-F5344CB8AC3E}">
+        <p14:creationId xmlns:p14="http://schemas.microsoft.com/office/powerpoint/2010/main" val="352824318"/>
+      </p:ext>
+    </p:extLst>
+  </p:cSld>
+  <p:clrMapOvr>
+    <a:masterClrMapping/>
+  </p:clrMapOvr>
+</p:sld>
+</file>
+
 <file path=ppt/theme/theme1.xml><?xml version="1.0" encoding="utf-8"?>
 <a:theme xmlns:a="http://schemas.openxmlformats.org/drawingml/2006/main" name="Office 佈景主題">
   <a:themeElements>
